--- a/SimpliFinance.pptx
+++ b/SimpliFinance.pptx
@@ -5,10 +5,10 @@
     <p:sldMasterId id="2147483648" r:id="rId4"/>
   </p:sldMasterIdLst>
   <p:notesMasterIdLst>
-    <p:notesMasterId r:id="rId19"/>
+    <p:notesMasterId r:id="rId20"/>
   </p:notesMasterIdLst>
   <p:handoutMasterIdLst>
-    <p:handoutMasterId r:id="rId20"/>
+    <p:handoutMasterId r:id="rId21"/>
   </p:handoutMasterIdLst>
   <p:sldIdLst>
     <p:sldId id="256" r:id="rId5"/>
@@ -18,13 +18,14 @@
     <p:sldId id="279" r:id="rId9"/>
     <p:sldId id="280" r:id="rId10"/>
     <p:sldId id="258" r:id="rId11"/>
-    <p:sldId id="281" r:id="rId12"/>
-    <p:sldId id="282" r:id="rId13"/>
-    <p:sldId id="266" r:id="rId14"/>
-    <p:sldId id="283" r:id="rId15"/>
-    <p:sldId id="284" r:id="rId16"/>
-    <p:sldId id="285" r:id="rId17"/>
-    <p:sldId id="271" r:id="rId18"/>
+    <p:sldId id="287" r:id="rId12"/>
+    <p:sldId id="281" r:id="rId13"/>
+    <p:sldId id="282" r:id="rId14"/>
+    <p:sldId id="266" r:id="rId15"/>
+    <p:sldId id="283" r:id="rId16"/>
+    <p:sldId id="284" r:id="rId17"/>
+    <p:sldId id="285" r:id="rId18"/>
+    <p:sldId id="271" r:id="rId19"/>
   </p:sldIdLst>
   <p:sldSz cx="12192000" cy="6858000"/>
   <p:notesSz cx="6858000" cy="9144000"/>
@@ -228,7 +229,7 @@
           <a:p>
             <a:fld id="{B56F32FC-4BD9-442A-A8C6-51598C909FE3}" type="datetimeFigureOut">
               <a:rPr lang="en-US" smtClean="0"/>
-              <a:t>7/23/2024</a:t>
+              <a:t>7/24/2024</a:t>
             </a:fld>
             <a:endParaRPr lang="en-US" dirty="0"/>
           </a:p>
@@ -405,7 +406,7 @@
           <a:p>
             <a:fld id="{056371FA-A98D-41E8-93F4-09945841298A}" type="datetimeFigureOut">
               <a:rPr lang="en-US" smtClean="0"/>
-              <a:t>7/23/2024</a:t>
+              <a:t>7/24/2024</a:t>
             </a:fld>
             <a:endParaRPr lang="en-US" dirty="0"/>
           </a:p>
@@ -830,7 +831,7 @@
     </p:spTree>
     <p:extLst>
       <p:ext uri="{BB962C8B-B14F-4D97-AF65-F5344CB8AC3E}">
-        <p14:creationId xmlns:p14="http://schemas.microsoft.com/office/powerpoint/2010/main" val="840986708"/>
+        <p14:creationId xmlns:p14="http://schemas.microsoft.com/office/powerpoint/2010/main" val="3105683219"/>
       </p:ext>
     </p:extLst>
   </p:cSld>
@@ -914,7 +915,7 @@
     </p:spTree>
     <p:extLst>
       <p:ext uri="{BB962C8B-B14F-4D97-AF65-F5344CB8AC3E}">
-        <p14:creationId xmlns:p14="http://schemas.microsoft.com/office/powerpoint/2010/main" val="575465472"/>
+        <p14:creationId xmlns:p14="http://schemas.microsoft.com/office/powerpoint/2010/main" val="840986708"/>
       </p:ext>
     </p:extLst>
   </p:cSld>
@@ -998,7 +999,7 @@
     </p:spTree>
     <p:extLst>
       <p:ext uri="{BB962C8B-B14F-4D97-AF65-F5344CB8AC3E}">
-        <p14:creationId xmlns:p14="http://schemas.microsoft.com/office/powerpoint/2010/main" val="537756"/>
+        <p14:creationId xmlns:p14="http://schemas.microsoft.com/office/powerpoint/2010/main" val="575465472"/>
       </p:ext>
     </p:extLst>
   </p:cSld>
@@ -1074,6 +1075,90 @@
             <a:fld id="{22289C57-55D7-40A4-A101-E74FAC7A092B}" type="slidenum">
               <a:rPr lang="en-US" smtClean="0"/>
               <a:t>14</a:t>
+            </a:fld>
+            <a:endParaRPr lang="en-US" dirty="0"/>
+          </a:p>
+        </p:txBody>
+      </p:sp>
+    </p:spTree>
+    <p:extLst>
+      <p:ext uri="{BB962C8B-B14F-4D97-AF65-F5344CB8AC3E}">
+        <p14:creationId xmlns:p14="http://schemas.microsoft.com/office/powerpoint/2010/main" val="537756"/>
+      </p:ext>
+    </p:extLst>
+  </p:cSld>
+  <p:clrMapOvr>
+    <a:masterClrMapping/>
+  </p:clrMapOvr>
+</p:notes>
+</file>
+
+<file path=ppt/notesSlides/notesSlide14.xml><?xml version="1.0" encoding="utf-8"?>
+<p:notes xmlns:a="http://schemas.openxmlformats.org/drawingml/2006/main" xmlns:r="http://schemas.openxmlformats.org/officeDocument/2006/relationships" xmlns:p="http://schemas.openxmlformats.org/presentationml/2006/main">
+  <p:cSld>
+    <p:spTree>
+      <p:nvGrpSpPr>
+        <p:cNvPr id="1" name=""/>
+        <p:cNvGrpSpPr/>
+        <p:nvPr/>
+      </p:nvGrpSpPr>
+      <p:grpSpPr>
+        <a:xfrm>
+          <a:off x="0" y="0"/>
+          <a:ext cx="0" cy="0"/>
+          <a:chOff x="0" y="0"/>
+          <a:chExt cx="0" cy="0"/>
+        </a:xfrm>
+      </p:grpSpPr>
+      <p:sp>
+        <p:nvSpPr>
+          <p:cNvPr id="2" name="Slide Image Placeholder 1"/>
+          <p:cNvSpPr>
+            <a:spLocks noGrp="1" noRot="1" noChangeAspect="1"/>
+          </p:cNvSpPr>
+          <p:nvPr>
+            <p:ph type="sldImg"/>
+          </p:nvPr>
+        </p:nvSpPr>
+        <p:spPr/>
+      </p:sp>
+      <p:sp>
+        <p:nvSpPr>
+          <p:cNvPr id="3" name="Notes Placeholder 2"/>
+          <p:cNvSpPr>
+            <a:spLocks noGrp="1"/>
+          </p:cNvSpPr>
+          <p:nvPr>
+            <p:ph type="body" idx="1"/>
+          </p:nvPr>
+        </p:nvSpPr>
+        <p:spPr/>
+        <p:txBody>
+          <a:bodyPr/>
+          <a:lstStyle/>
+          <a:p>
+            <a:endParaRPr lang="en-US" dirty="0"/>
+          </a:p>
+        </p:txBody>
+      </p:sp>
+      <p:sp>
+        <p:nvSpPr>
+          <p:cNvPr id="4" name="Slide Number Placeholder 3"/>
+          <p:cNvSpPr>
+            <a:spLocks noGrp="1"/>
+          </p:cNvSpPr>
+          <p:nvPr>
+            <p:ph type="sldNum" sz="quarter" idx="5"/>
+          </p:nvPr>
+        </p:nvSpPr>
+        <p:spPr/>
+        <p:txBody>
+          <a:bodyPr/>
+          <a:lstStyle/>
+          <a:p>
+            <a:fld id="{22289C57-55D7-40A4-A101-E74FAC7A092B}" type="slidenum">
+              <a:rPr lang="en-US" smtClean="0"/>
+              <a:t>15</a:t>
             </a:fld>
             <a:endParaRPr lang="en-US" dirty="0"/>
           </a:p>
@@ -1609,7 +1694,7 @@
     </p:spTree>
     <p:extLst>
       <p:ext uri="{BB962C8B-B14F-4D97-AF65-F5344CB8AC3E}">
-        <p14:creationId xmlns:p14="http://schemas.microsoft.com/office/powerpoint/2010/main" val="1025326889"/>
+        <p14:creationId xmlns:p14="http://schemas.microsoft.com/office/powerpoint/2010/main" val="4133499905"/>
       </p:ext>
     </p:extLst>
   </p:cSld>
@@ -1693,7 +1778,7 @@
     </p:spTree>
     <p:extLst>
       <p:ext uri="{BB962C8B-B14F-4D97-AF65-F5344CB8AC3E}">
-        <p14:creationId xmlns:p14="http://schemas.microsoft.com/office/powerpoint/2010/main" val="236659336"/>
+        <p14:creationId xmlns:p14="http://schemas.microsoft.com/office/powerpoint/2010/main" val="1025326889"/>
       </p:ext>
     </p:extLst>
   </p:cSld>
@@ -1777,7 +1862,7 @@
     </p:spTree>
     <p:extLst>
       <p:ext uri="{BB962C8B-B14F-4D97-AF65-F5344CB8AC3E}">
-        <p14:creationId xmlns:p14="http://schemas.microsoft.com/office/powerpoint/2010/main" val="3105683219"/>
+        <p14:creationId xmlns:p14="http://schemas.microsoft.com/office/powerpoint/2010/main" val="236659336"/>
       </p:ext>
     </p:extLst>
   </p:cSld>
@@ -7226,6 +7311,283 @@
           <p:cNvPr id="2" name="Title 1">
             <a:extLst>
               <a:ext uri="{FF2B5EF4-FFF2-40B4-BE49-F238E27FC236}">
+                <a16:creationId xmlns:a16="http://schemas.microsoft.com/office/drawing/2014/main" id="{8B27D9B3-B64F-656A-0D99-161A6C0F518F}"/>
+              </a:ext>
+            </a:extLst>
+          </p:cNvPr>
+          <p:cNvSpPr>
+            <a:spLocks noGrp="1"/>
+          </p:cNvSpPr>
+          <p:nvPr>
+            <p:ph type="title"/>
+          </p:nvPr>
+        </p:nvSpPr>
+        <p:spPr>
+          <a:xfrm>
+            <a:off x="1341120" y="558801"/>
+            <a:ext cx="9953308" cy="1780860"/>
+          </a:xfrm>
+        </p:spPr>
+        <p:txBody>
+          <a:bodyPr/>
+          <a:lstStyle/>
+          <a:p>
+            <a:r>
+              <a:rPr lang="en-US" dirty="0"/>
+              <a:t>Navigating Q&amp;A Sessions</a:t>
+            </a:r>
+          </a:p>
+        </p:txBody>
+      </p:sp>
+      <p:sp>
+        <p:nvSpPr>
+          <p:cNvPr id="13" name="Text Placeholder 12">
+            <a:extLst>
+              <a:ext uri="{FF2B5EF4-FFF2-40B4-BE49-F238E27FC236}">
+                <a16:creationId xmlns:a16="http://schemas.microsoft.com/office/drawing/2014/main" id="{7E5B6E40-3A7D-ACF7-AA38-25977D322D81}"/>
+              </a:ext>
+            </a:extLst>
+          </p:cNvPr>
+          <p:cNvSpPr>
+            <a:spLocks noGrp="1"/>
+          </p:cNvSpPr>
+          <p:nvPr>
+            <p:ph type="body" idx="1"/>
+          </p:nvPr>
+        </p:nvSpPr>
+        <p:spPr>
+          <a:xfrm>
+            <a:off x="1341120" y="2960877"/>
+            <a:ext cx="2722880" cy="351284"/>
+          </a:xfrm>
+        </p:spPr>
+        <p:txBody>
+          <a:bodyPr/>
+          <a:lstStyle/>
+          <a:p>
+            <a:r>
+              <a:rPr lang="en-US" dirty="0"/>
+              <a:t>Preparing for questions</a:t>
+            </a:r>
+          </a:p>
+        </p:txBody>
+      </p:sp>
+      <p:sp>
+        <p:nvSpPr>
+          <p:cNvPr id="36" name="Content Placeholder 35">
+            <a:extLst>
+              <a:ext uri="{FF2B5EF4-FFF2-40B4-BE49-F238E27FC236}">
+                <a16:creationId xmlns:a16="http://schemas.microsoft.com/office/drawing/2014/main" id="{E71298F0-74F1-FECA-0F02-495F9A2EBA7B}"/>
+              </a:ext>
+            </a:extLst>
+          </p:cNvPr>
+          <p:cNvSpPr>
+            <a:spLocks noGrp="1"/>
+          </p:cNvSpPr>
+          <p:nvPr>
+            <p:ph sz="half" idx="15"/>
+          </p:nvPr>
+        </p:nvSpPr>
+        <p:spPr>
+          <a:xfrm>
+            <a:off x="1341120" y="3392035"/>
+            <a:ext cx="2722880" cy="2907164"/>
+          </a:xfrm>
+        </p:spPr>
+        <p:txBody>
+          <a:bodyPr>
+            <a:normAutofit/>
+          </a:bodyPr>
+          <a:lstStyle/>
+          <a:p>
+            <a:r>
+              <a:rPr lang="en-US" dirty="0"/>
+              <a:t>Know your material in advance</a:t>
+            </a:r>
+          </a:p>
+          <a:p>
+            <a:r>
+              <a:rPr lang="en-US" dirty="0"/>
+              <a:t>Anticipate common questions</a:t>
+            </a:r>
+          </a:p>
+          <a:p>
+            <a:r>
+              <a:rPr lang="en-US" dirty="0"/>
+              <a:t>Rehearse your responses</a:t>
+            </a:r>
+          </a:p>
+        </p:txBody>
+      </p:sp>
+      <p:sp>
+        <p:nvSpPr>
+          <p:cNvPr id="15" name="Text Placeholder 14">
+            <a:extLst>
+              <a:ext uri="{FF2B5EF4-FFF2-40B4-BE49-F238E27FC236}">
+                <a16:creationId xmlns:a16="http://schemas.microsoft.com/office/drawing/2014/main" id="{A536BD54-EFA1-25A2-9F04-4F22C36E2A5D}"/>
+              </a:ext>
+            </a:extLst>
+          </p:cNvPr>
+          <p:cNvSpPr>
+            <a:spLocks noGrp="1"/>
+          </p:cNvSpPr>
+          <p:nvPr>
+            <p:ph type="body" idx="10"/>
+          </p:nvPr>
+        </p:nvSpPr>
+        <p:spPr>
+          <a:xfrm>
+            <a:off x="4754881" y="2960877"/>
+            <a:ext cx="5516880" cy="351284"/>
+          </a:xfrm>
+        </p:spPr>
+        <p:txBody>
+          <a:bodyPr/>
+          <a:lstStyle/>
+          <a:p>
+            <a:r>
+              <a:rPr lang="en-US" dirty="0"/>
+              <a:t>Maintaining composure</a:t>
+            </a:r>
+          </a:p>
+          <a:p>
+            <a:endParaRPr lang="en-US" dirty="0"/>
+          </a:p>
+        </p:txBody>
+      </p:sp>
+      <p:sp>
+        <p:nvSpPr>
+          <p:cNvPr id="14" name="Content Placeholder 13">
+            <a:extLst>
+              <a:ext uri="{FF2B5EF4-FFF2-40B4-BE49-F238E27FC236}">
+                <a16:creationId xmlns:a16="http://schemas.microsoft.com/office/drawing/2014/main" id="{5112969F-EB84-49D5-7100-1FB28870FB30}"/>
+              </a:ext>
+            </a:extLst>
+          </p:cNvPr>
+          <p:cNvSpPr>
+            <a:spLocks noGrp="1"/>
+          </p:cNvSpPr>
+          <p:nvPr>
+            <p:ph sz="half" idx="14"/>
+          </p:nvPr>
+        </p:nvSpPr>
+        <p:spPr>
+          <a:xfrm>
+            <a:off x="4754881" y="3324859"/>
+            <a:ext cx="5506720" cy="3031489"/>
+          </a:xfrm>
+        </p:spPr>
+        <p:txBody>
+          <a:bodyPr>
+            <a:normAutofit/>
+          </a:bodyPr>
+          <a:lstStyle/>
+          <a:p>
+            <a:r>
+              <a:rPr lang="en-US" dirty="0"/>
+              <a:t>Maintaining composure during the Q&amp;A session is essential for projecting confidence and authority. Consider the following tips for staying composed:</a:t>
+            </a:r>
+          </a:p>
+          <a:p>
+            <a:pPr lvl="1"/>
+            <a:r>
+              <a:rPr lang="en-US" dirty="0"/>
+              <a:t>Stay calm</a:t>
+            </a:r>
+          </a:p>
+          <a:p>
+            <a:pPr lvl="1"/>
+            <a:r>
+              <a:rPr lang="en-US" dirty="0"/>
+              <a:t>Actively listen</a:t>
+            </a:r>
+          </a:p>
+          <a:p>
+            <a:pPr lvl="1"/>
+            <a:r>
+              <a:rPr lang="en-US" dirty="0"/>
+              <a:t>Pause and reflect</a:t>
+            </a:r>
+          </a:p>
+          <a:p>
+            <a:pPr lvl="1"/>
+            <a:r>
+              <a:rPr lang="en-US" dirty="0"/>
+              <a:t>Maintain eye contact</a:t>
+            </a:r>
+          </a:p>
+        </p:txBody>
+      </p:sp>
+      <p:sp>
+        <p:nvSpPr>
+          <p:cNvPr id="68" name="Slide Number Placeholder 67">
+            <a:extLst>
+              <a:ext uri="{FF2B5EF4-FFF2-40B4-BE49-F238E27FC236}">
+                <a16:creationId xmlns:a16="http://schemas.microsoft.com/office/drawing/2014/main" id="{AA0ACADD-CC4E-851C-DA07-C22DB97FA23E}"/>
+              </a:ext>
+            </a:extLst>
+          </p:cNvPr>
+          <p:cNvSpPr>
+            <a:spLocks noGrp="1"/>
+          </p:cNvSpPr>
+          <p:nvPr>
+            <p:ph type="sldNum" sz="quarter" idx="13"/>
+          </p:nvPr>
+        </p:nvSpPr>
+        <p:spPr>
+          <a:xfrm>
+            <a:off x="10373350" y="6356349"/>
+            <a:ext cx="987552" cy="365125"/>
+          </a:xfrm>
+        </p:spPr>
+        <p:txBody>
+          <a:bodyPr/>
+          <a:lstStyle/>
+          <a:p>
+            <a:fld id="{A49DFD55-3C28-40EF-9E31-A92D2E4017FF}" type="slidenum">
+              <a:rPr lang="en-US" smtClean="0"/>
+              <a:pPr/>
+              <a:t>10</a:t>
+            </a:fld>
+            <a:endParaRPr lang="en-US" dirty="0"/>
+          </a:p>
+        </p:txBody>
+      </p:sp>
+    </p:spTree>
+    <p:extLst>
+      <p:ext uri="{BB962C8B-B14F-4D97-AF65-F5344CB8AC3E}">
+        <p14:creationId xmlns:p14="http://schemas.microsoft.com/office/powerpoint/2010/main" val="636929804"/>
+      </p:ext>
+    </p:extLst>
+  </p:cSld>
+  <p:clrMapOvr>
+    <a:masterClrMapping/>
+  </p:clrMapOvr>
+</p:sld>
+</file>
+
+<file path=ppt/slides/slide11.xml><?xml version="1.0" encoding="utf-8"?>
+<p:sld xmlns:a="http://schemas.openxmlformats.org/drawingml/2006/main" xmlns:r="http://schemas.openxmlformats.org/officeDocument/2006/relationships" xmlns:p="http://schemas.openxmlformats.org/presentationml/2006/main">
+  <p:cSld>
+    <p:spTree>
+      <p:nvGrpSpPr>
+        <p:cNvPr id="1" name=""/>
+        <p:cNvGrpSpPr/>
+        <p:nvPr/>
+      </p:nvGrpSpPr>
+      <p:grpSpPr>
+        <a:xfrm>
+          <a:off x="0" y="0"/>
+          <a:ext cx="0" cy="0"/>
+          <a:chOff x="0" y="0"/>
+          <a:chExt cx="0" cy="0"/>
+        </a:xfrm>
+      </p:grpSpPr>
+      <p:sp>
+        <p:nvSpPr>
+          <p:cNvPr id="2" name="Title 1">
+            <a:extLst>
+              <a:ext uri="{FF2B5EF4-FFF2-40B4-BE49-F238E27FC236}">
                 <a16:creationId xmlns:a16="http://schemas.microsoft.com/office/drawing/2014/main" id="{4518FC28-E0BD-4387-B8BE-9965D1A57FF1}"/>
               </a:ext>
             </a:extLst>
@@ -7311,7 +7673,7 @@
             <a:fld id="{A49DFD55-3C28-40EF-9E31-A92D2E4017FF}" type="slidenum">
               <a:rPr lang="en-US" smtClean="0"/>
               <a:pPr/>
-              <a:t>10</a:t>
+              <a:t>11</a:t>
             </a:fld>
             <a:endParaRPr lang="en-US" dirty="0"/>
           </a:p>
@@ -7417,7 +7779,7 @@
 </p:sld>
 </file>
 
-<file path=ppt/slides/slide11.xml><?xml version="1.0" encoding="utf-8"?>
+<file path=ppt/slides/slide12.xml><?xml version="1.0" encoding="utf-8"?>
 <p:sld xmlns:a="http://schemas.openxmlformats.org/drawingml/2006/main" xmlns:r="http://schemas.openxmlformats.org/officeDocument/2006/relationships" xmlns:p="http://schemas.openxmlformats.org/presentationml/2006/main">
   <p:cSld>
     <p:spTree>
@@ -7990,7 +8352,7 @@
             <a:fld id="{A49DFD55-3C28-40EF-9E31-A92D2E4017FF}" type="slidenum">
               <a:rPr lang="en-US" smtClean="0"/>
               <a:pPr/>
-              <a:t>11</a:t>
+              <a:t>12</a:t>
             </a:fld>
             <a:endParaRPr lang="en-US" dirty="0"/>
           </a:p>
@@ -8009,7 +8371,7 @@
 </p:sld>
 </file>
 
-<file path=ppt/slides/slide12.xml><?xml version="1.0" encoding="utf-8"?>
+<file path=ppt/slides/slide13.xml><?xml version="1.0" encoding="utf-8"?>
 <p:sld xmlns:a="http://schemas.openxmlformats.org/drawingml/2006/main" xmlns:r="http://schemas.openxmlformats.org/officeDocument/2006/relationships" xmlns:p="http://schemas.openxmlformats.org/presentationml/2006/main">
   <p:cSld>
     <p:spTree>
@@ -8297,7 +8659,7 @@
             <a:fld id="{A49DFD55-3C28-40EF-9E31-A92D2E4017FF}" type="slidenum">
               <a:rPr lang="en-US" smtClean="0"/>
               <a:pPr/>
-              <a:t>12</a:t>
+              <a:t>13</a:t>
             </a:fld>
             <a:endParaRPr lang="en-US" dirty="0"/>
           </a:p>
@@ -8316,7 +8678,7 @@
 </p:sld>
 </file>
 
-<file path=ppt/slides/slide13.xml><?xml version="1.0" encoding="utf-8"?>
+<file path=ppt/slides/slide14.xml><?xml version="1.0" encoding="utf-8"?>
 <p:sld xmlns:a="http://schemas.openxmlformats.org/drawingml/2006/main" xmlns:r="http://schemas.openxmlformats.org/officeDocument/2006/relationships" xmlns:p="http://schemas.openxmlformats.org/presentationml/2006/main">
   <p:cSld>
     <p:spTree>
@@ -8838,7 +9200,7 @@
             <a:fld id="{A49DFD55-3C28-40EF-9E31-A92D2E4017FF}" type="slidenum">
               <a:rPr lang="en-US" smtClean="0"/>
               <a:pPr/>
-              <a:t>13</a:t>
+              <a:t>14</a:t>
             </a:fld>
             <a:endParaRPr lang="en-US" dirty="0"/>
           </a:p>
@@ -8857,7 +9219,7 @@
 </p:sld>
 </file>
 
-<file path=ppt/slides/slide14.xml><?xml version="1.0" encoding="utf-8"?>
+<file path=ppt/slides/slide15.xml><?xml version="1.0" encoding="utf-8"?>
 <p:sld xmlns:a="http://schemas.openxmlformats.org/drawingml/2006/main" xmlns:r="http://schemas.openxmlformats.org/officeDocument/2006/relationships" xmlns:p="http://schemas.openxmlformats.org/presentationml/2006/main">
   <p:cSld>
     <p:spTree>
@@ -8989,7 +9351,7 @@
             <a:fld id="{A49DFD55-3C28-40EF-9E31-A92D2E4017FF}" type="slidenum">
               <a:rPr lang="en-US" smtClean="0"/>
               <a:pPr/>
-              <a:t>14</a:t>
+              <a:t>15</a:t>
             </a:fld>
             <a:endParaRPr lang="en-US" dirty="0"/>
           </a:p>
@@ -9200,12 +9562,14 @@
         </p:nvSpPr>
         <p:spPr>
           <a:xfrm>
-            <a:off x="6991350" y="487018"/>
-            <a:ext cx="4179570" cy="3377354"/>
+            <a:off x="6991350" y="406400"/>
+            <a:ext cx="4179570" cy="3457971"/>
           </a:xfrm>
         </p:spPr>
         <p:txBody>
-          <a:bodyPr/>
+          <a:bodyPr anchor="b">
+            <a:normAutofit/>
+          </a:bodyPr>
           <a:lstStyle/>
           <a:p>
             <a:r>
@@ -9634,7 +9998,7 @@
         </p:nvSpPr>
         <p:spPr>
           <a:xfrm>
-            <a:off x="388560" y="1770788"/>
+            <a:off x="474699" y="1790667"/>
             <a:ext cx="3485324" cy="562269"/>
           </a:xfrm>
         </p:spPr>
@@ -9678,7 +10042,7 @@
         </p:nvSpPr>
         <p:spPr>
           <a:xfrm>
-            <a:off x="10373350" y="6356349"/>
+            <a:off x="10459489" y="6376228"/>
             <a:ext cx="987552" cy="365125"/>
           </a:xfrm>
         </p:spPr>
@@ -9711,7 +10075,7 @@
         </p:nvSpPr>
         <p:spPr>
           <a:xfrm>
-            <a:off x="515188" y="2333057"/>
+            <a:off x="474699" y="2352935"/>
             <a:ext cx="3734874" cy="3023808"/>
           </a:xfrm>
           <a:prstGeom prst="rect">
@@ -9982,7 +10346,7 @@
         </p:nvSpPr>
         <p:spPr>
           <a:xfrm>
-            <a:off x="4329671" y="1770790"/>
+            <a:off x="4415810" y="1790669"/>
             <a:ext cx="3532655" cy="562269"/>
           </a:xfrm>
           <a:prstGeom prst="rect">
@@ -10191,7 +10555,7 @@
         </p:nvSpPr>
         <p:spPr>
           <a:xfrm>
-            <a:off x="4644545" y="2333056"/>
+            <a:off x="4419828" y="2350612"/>
             <a:ext cx="3734874" cy="4388417"/>
           </a:xfrm>
           <a:prstGeom prst="rect">
@@ -10538,7 +10902,7 @@
         </p:nvSpPr>
         <p:spPr>
           <a:xfrm>
-            <a:off x="4228562" y="403412"/>
+            <a:off x="4415810" y="495034"/>
             <a:ext cx="3734874" cy="1015663"/>
           </a:xfrm>
           <a:prstGeom prst="rect">
@@ -10581,7 +10945,7 @@
         </p:nvSpPr>
         <p:spPr>
           <a:xfrm>
-            <a:off x="8773902" y="1770788"/>
+            <a:off x="8581745" y="1788343"/>
             <a:ext cx="3014664" cy="562269"/>
           </a:xfrm>
           <a:prstGeom prst="rect">
@@ -10790,7 +11154,7 @@
         </p:nvSpPr>
         <p:spPr>
           <a:xfrm>
-            <a:off x="8964742" y="2333057"/>
+            <a:off x="8732829" y="2346638"/>
             <a:ext cx="3014664" cy="2911296"/>
           </a:xfrm>
           <a:prstGeom prst="rect">
@@ -11074,6 +11438,14 @@
 <file path=ppt/slides/slide8.xml><?xml version="1.0" encoding="utf-8"?>
 <p:sld xmlns:a="http://schemas.openxmlformats.org/drawingml/2006/main" xmlns:r="http://schemas.openxmlformats.org/officeDocument/2006/relationships" xmlns:p="http://schemas.openxmlformats.org/presentationml/2006/main">
   <p:cSld>
+    <p:bg>
+      <p:bgPr>
+        <a:solidFill>
+          <a:schemeClr val="tx1"/>
+        </a:solidFill>
+        <a:effectLst/>
+      </p:bgPr>
+    </p:bg>
     <p:spTree>
       <p:nvGrpSpPr>
         <p:cNvPr id="1" name=""/>
@@ -11090,10 +11462,10 @@
       </p:grpSpPr>
       <p:sp>
         <p:nvSpPr>
-          <p:cNvPr id="2" name="Title 1">
+          <p:cNvPr id="14" name="Slide Number Placeholder 5">
             <a:extLst>
               <a:ext uri="{FF2B5EF4-FFF2-40B4-BE49-F238E27FC236}">
-                <a16:creationId xmlns:a16="http://schemas.microsoft.com/office/drawing/2014/main" id="{A95E2E6A-35EC-1B8E-0FD7-8C67870ACA64}"/>
+                <a16:creationId xmlns:a16="http://schemas.microsoft.com/office/drawing/2014/main" id="{ECE635A2-70B8-3EAB-6A18-952B02EBAA1E}"/>
               </a:ext>
             </a:extLst>
           </p:cNvPr>
@@ -11101,238 +11473,12 @@
             <a:spLocks noGrp="1"/>
           </p:cNvSpPr>
           <p:nvPr>
-            <p:ph type="title"/>
+            <p:ph type="sldNum" sz="quarter" idx="12"/>
           </p:nvPr>
         </p:nvSpPr>
         <p:spPr>
           <a:xfrm>
-            <a:off x="2933700" y="568961"/>
-            <a:ext cx="8420100" cy="1780860"/>
-          </a:xfrm>
-        </p:spPr>
-        <p:txBody>
-          <a:bodyPr/>
-          <a:lstStyle/>
-          <a:p>
-            <a:r>
-              <a:rPr lang="en-US" dirty="0"/>
-              <a:t>Effective delivery techniques</a:t>
-            </a:r>
-          </a:p>
-        </p:txBody>
-      </p:sp>
-      <p:sp>
-        <p:nvSpPr>
-          <p:cNvPr id="12" name="Text Placeholder 11">
-            <a:extLst>
-              <a:ext uri="{FF2B5EF4-FFF2-40B4-BE49-F238E27FC236}">
-                <a16:creationId xmlns:a16="http://schemas.microsoft.com/office/drawing/2014/main" id="{554B61B9-26F6-B304-92CD-03053DAAF2A8}"/>
-              </a:ext>
-            </a:extLst>
-          </p:cNvPr>
-          <p:cNvSpPr>
-            <a:spLocks noGrp="1"/>
-          </p:cNvSpPr>
-          <p:nvPr>
-            <p:ph type="body" idx="1"/>
-          </p:nvPr>
-        </p:nvSpPr>
-        <p:spPr>
-          <a:xfrm>
-            <a:off x="2933700" y="2797255"/>
-            <a:ext cx="3924300" cy="464499"/>
-          </a:xfrm>
-        </p:spPr>
-        <p:txBody>
-          <a:bodyPr/>
-          <a:lstStyle/>
-          <a:p>
-            <a:r>
-              <a:rPr lang="en-US" dirty="0"/>
-              <a:t>Voice modulation</a:t>
-            </a:r>
-          </a:p>
-        </p:txBody>
-      </p:sp>
-      <p:sp>
-        <p:nvSpPr>
-          <p:cNvPr id="35" name="Content Placeholder 34">
-            <a:extLst>
-              <a:ext uri="{FF2B5EF4-FFF2-40B4-BE49-F238E27FC236}">
-                <a16:creationId xmlns:a16="http://schemas.microsoft.com/office/drawing/2014/main" id="{EDBE6233-75E9-40D1-968F-58CA9AD0FF50}"/>
-              </a:ext>
-            </a:extLst>
-          </p:cNvPr>
-          <p:cNvSpPr>
-            <a:spLocks noGrp="1"/>
-          </p:cNvSpPr>
-          <p:nvPr>
-            <p:ph sz="half" idx="13"/>
-          </p:nvPr>
-        </p:nvSpPr>
-        <p:spPr>
-          <a:xfrm>
-            <a:off x="2933700" y="3251596"/>
-            <a:ext cx="3943627" cy="3234264"/>
-          </a:xfrm>
-        </p:spPr>
-        <p:txBody>
-          <a:bodyPr>
-            <a:normAutofit/>
-          </a:bodyPr>
-          <a:lstStyle/>
-          <a:p>
-            <a:r>
-              <a:rPr lang="en-US" dirty="0"/>
-              <a:t>This is a powerful tool in public speaking. It involves varying pitch, tone, and volume to convey emotion, emphasize points, and maintain interest:</a:t>
-            </a:r>
-          </a:p>
-          <a:p>
-            <a:pPr lvl="1"/>
-            <a:r>
-              <a:rPr lang="en-US" dirty="0"/>
-              <a:t>Pitch variation</a:t>
-            </a:r>
-          </a:p>
-          <a:p>
-            <a:pPr lvl="1"/>
-            <a:r>
-              <a:rPr lang="en-US" dirty="0"/>
-              <a:t>Tone inflection</a:t>
-            </a:r>
-          </a:p>
-          <a:p>
-            <a:pPr lvl="1"/>
-            <a:r>
-              <a:rPr lang="en-US" dirty="0"/>
-              <a:t>Volume control</a:t>
-            </a:r>
-          </a:p>
-          <a:p>
-            <a:endParaRPr lang="en-US" dirty="0"/>
-          </a:p>
-        </p:txBody>
-      </p:sp>
-      <p:sp>
-        <p:nvSpPr>
-          <p:cNvPr id="14" name="Text Placeholder 13">
-            <a:extLst>
-              <a:ext uri="{FF2B5EF4-FFF2-40B4-BE49-F238E27FC236}">
-                <a16:creationId xmlns:a16="http://schemas.microsoft.com/office/drawing/2014/main" id="{CB9F9E8B-42CD-AC26-AFC9-F1F66695693B}"/>
-              </a:ext>
-            </a:extLst>
-          </p:cNvPr>
-          <p:cNvSpPr>
-            <a:spLocks noGrp="1"/>
-          </p:cNvSpPr>
-          <p:nvPr>
-            <p:ph type="body" sz="quarter" idx="3"/>
-          </p:nvPr>
-        </p:nvSpPr>
-        <p:spPr>
-          <a:xfrm>
-            <a:off x="7410173" y="2797255"/>
-            <a:ext cx="3943627" cy="464499"/>
-          </a:xfrm>
-        </p:spPr>
-        <p:txBody>
-          <a:bodyPr/>
-          <a:lstStyle/>
-          <a:p>
-            <a:r>
-              <a:rPr lang="en-US" dirty="0"/>
-              <a:t>Body language</a:t>
-            </a:r>
-          </a:p>
-        </p:txBody>
-      </p:sp>
-      <p:sp>
-        <p:nvSpPr>
-          <p:cNvPr id="50" name="Content Placeholder 49">
-            <a:extLst>
-              <a:ext uri="{FF2B5EF4-FFF2-40B4-BE49-F238E27FC236}">
-                <a16:creationId xmlns:a16="http://schemas.microsoft.com/office/drawing/2014/main" id="{8F6B2AE9-DDE4-FD99-A235-3B39EEE21481}"/>
-              </a:ext>
-            </a:extLst>
-          </p:cNvPr>
-          <p:cNvSpPr>
-            <a:spLocks noGrp="1"/>
-          </p:cNvSpPr>
-          <p:nvPr>
-            <p:ph sz="half" idx="14"/>
-          </p:nvPr>
-        </p:nvSpPr>
-        <p:spPr>
-          <a:xfrm>
-            <a:off x="7410173" y="3251595"/>
-            <a:ext cx="3943627" cy="3234264"/>
-          </a:xfrm>
-        </p:spPr>
-        <p:txBody>
-          <a:bodyPr>
-            <a:normAutofit/>
-          </a:bodyPr>
-          <a:lstStyle/>
-          <a:p>
-            <a:r>
-              <a:rPr lang="en-US" dirty="0"/>
-              <a:t>Effective body language enhances your message, making it more impactful </a:t>
-            </a:r>
-            <a:r>
-              <a:rPr lang="en-US"/>
-              <a:t>and memorable:</a:t>
-            </a:r>
-            <a:endParaRPr lang="en-US" dirty="0"/>
-          </a:p>
-          <a:p>
-            <a:pPr lvl="1"/>
-            <a:r>
-              <a:rPr lang="en-US" dirty="0"/>
-              <a:t>Meaningful eye contact</a:t>
-            </a:r>
-          </a:p>
-          <a:p>
-            <a:pPr lvl="1"/>
-            <a:r>
-              <a:rPr lang="en-US" dirty="0"/>
-              <a:t>Purposeful gestures</a:t>
-            </a:r>
-          </a:p>
-          <a:p>
-            <a:pPr lvl="1"/>
-            <a:r>
-              <a:rPr lang="en-US" dirty="0"/>
-              <a:t>Maintain good posture</a:t>
-            </a:r>
-          </a:p>
-          <a:p>
-            <a:pPr lvl="1"/>
-            <a:r>
-              <a:rPr lang="en-US" dirty="0"/>
-              <a:t>Control your expressions</a:t>
-            </a:r>
-          </a:p>
-        </p:txBody>
-      </p:sp>
-      <p:sp>
-        <p:nvSpPr>
-          <p:cNvPr id="8" name="Slide Number Placeholder 7">
-            <a:extLst>
-              <a:ext uri="{FF2B5EF4-FFF2-40B4-BE49-F238E27FC236}">
-                <a16:creationId xmlns:a16="http://schemas.microsoft.com/office/drawing/2014/main" id="{8F44A959-C2BB-9170-C99C-1A2EDB71B994}"/>
-              </a:ext>
-            </a:extLst>
-          </p:cNvPr>
-          <p:cNvSpPr>
-            <a:spLocks noGrp="1"/>
-          </p:cNvSpPr>
-          <p:nvPr>
-            <p:ph type="sldNum" sz="quarter" idx="12"/>
-          </p:nvPr>
-        </p:nvSpPr>
-        <p:spPr>
-          <a:xfrm>
-            <a:off x="10373350" y="6356349"/>
+            <a:off x="10459489" y="6376228"/>
             <a:ext cx="987552" cy="365125"/>
           </a:xfrm>
         </p:spPr>
@@ -11349,10 +11495,599 @@
           </a:p>
         </p:txBody>
       </p:sp>
+      <p:sp>
+        <p:nvSpPr>
+          <p:cNvPr id="10" name="TextBox 9">
+            <a:extLst>
+              <a:ext uri="{FF2B5EF4-FFF2-40B4-BE49-F238E27FC236}">
+                <a16:creationId xmlns:a16="http://schemas.microsoft.com/office/drawing/2014/main" id="{393F1DA3-2390-2CFF-F6BC-AAE0FEF45B16}"/>
+              </a:ext>
+            </a:extLst>
+          </p:cNvPr>
+          <p:cNvSpPr txBox="1"/>
+          <p:nvPr/>
+        </p:nvSpPr>
+        <p:spPr>
+          <a:xfrm>
+            <a:off x="2280792" y="161404"/>
+            <a:ext cx="7630416" cy="1015663"/>
+          </a:xfrm>
+          <a:prstGeom prst="rect">
+            <a:avLst/>
+          </a:prstGeom>
+          <a:noFill/>
+        </p:spPr>
+        <p:txBody>
+          <a:bodyPr wrap="square" rtlCol="0">
+            <a:spAutoFit/>
+          </a:bodyPr>
+          <a:lstStyle/>
+          <a:p>
+            <a:r>
+              <a:rPr lang="en-US" sz="6000" dirty="0">
+                <a:solidFill>
+                  <a:schemeClr val="bg2">
+                    <a:lumMod val="90000"/>
+                  </a:schemeClr>
+                </a:solidFill>
+              </a:rPr>
+              <a:t>Design Considerations</a:t>
+            </a:r>
+          </a:p>
+        </p:txBody>
+      </p:sp>
+      <p:sp>
+        <p:nvSpPr>
+          <p:cNvPr id="11" name="Text Placeholder 2">
+            <a:extLst>
+              <a:ext uri="{FF2B5EF4-FFF2-40B4-BE49-F238E27FC236}">
+                <a16:creationId xmlns:a16="http://schemas.microsoft.com/office/drawing/2014/main" id="{45A48505-C59D-20C8-A31E-5D0FA97EB7BF}"/>
+              </a:ext>
+            </a:extLst>
+          </p:cNvPr>
+          <p:cNvSpPr txBox="1">
+            <a:spLocks/>
+          </p:cNvSpPr>
+          <p:nvPr/>
+        </p:nvSpPr>
+        <p:spPr>
+          <a:xfrm>
+            <a:off x="6023114" y="1177067"/>
+            <a:ext cx="3014664" cy="1699818"/>
+          </a:xfrm>
+          <a:prstGeom prst="rect">
+            <a:avLst/>
+          </a:prstGeom>
+        </p:spPr>
+        <p:txBody>
+          <a:bodyPr vert="horz" lIns="91440" tIns="45720" rIns="91440" bIns="45720" rtlCol="0">
+            <a:noAutofit/>
+          </a:bodyPr>
+          <a:lstStyle>
+            <a:lvl1pPr marL="0" indent="0" algn="l" defTabSz="914400" rtl="0" eaLnBrk="1" latinLnBrk="0" hangingPunct="1">
+              <a:lnSpc>
+                <a:spcPct val="100000"/>
+              </a:lnSpc>
+              <a:spcBef>
+                <a:spcPts val="1000"/>
+              </a:spcBef>
+              <a:buFont typeface="Arial" panose="020B0604020202020204" pitchFamily="34" charset="0"/>
+              <a:buNone/>
+              <a:defRPr sz="1800" b="1" kern="1200" spc="50" baseline="0">
+                <a:solidFill>
+                  <a:schemeClr val="tx1"/>
+                </a:solidFill>
+                <a:latin typeface="+mn-lt"/>
+                <a:ea typeface="+mn-ea"/>
+                <a:cs typeface="+mn-cs"/>
+              </a:defRPr>
+            </a:lvl1pPr>
+            <a:lvl2pPr marL="283464" indent="-285750" algn="l" defTabSz="914400" rtl="0" eaLnBrk="1" latinLnBrk="0" hangingPunct="1">
+              <a:lnSpc>
+                <a:spcPct val="100000"/>
+              </a:lnSpc>
+              <a:spcBef>
+                <a:spcPts val="1000"/>
+              </a:spcBef>
+              <a:buFont typeface="Arial" panose="020B0604020202020204" pitchFamily="34" charset="0"/>
+              <a:buChar char="•"/>
+              <a:defRPr sz="1800" kern="1200" spc="50" baseline="0">
+                <a:solidFill>
+                  <a:schemeClr val="tx1"/>
+                </a:solidFill>
+                <a:latin typeface="+mn-lt"/>
+                <a:ea typeface="+mn-ea"/>
+                <a:cs typeface="+mn-cs"/>
+              </a:defRPr>
+            </a:lvl2pPr>
+            <a:lvl3pPr marL="566928" indent="-285750" algn="l" defTabSz="914400" rtl="0" eaLnBrk="1" latinLnBrk="0" hangingPunct="1">
+              <a:lnSpc>
+                <a:spcPct val="100000"/>
+              </a:lnSpc>
+              <a:spcBef>
+                <a:spcPts val="1000"/>
+              </a:spcBef>
+              <a:buFont typeface="Arial" panose="020B0604020202020204" pitchFamily="34" charset="0"/>
+              <a:buChar char="•"/>
+              <a:defRPr sz="1800" kern="1200" spc="50" baseline="0">
+                <a:solidFill>
+                  <a:schemeClr val="tx1"/>
+                </a:solidFill>
+                <a:latin typeface="+mn-lt"/>
+                <a:ea typeface="+mn-ea"/>
+                <a:cs typeface="+mn-cs"/>
+              </a:defRPr>
+            </a:lvl3pPr>
+            <a:lvl4pPr marL="859536" indent="-285750" algn="l" defTabSz="914400" rtl="0" eaLnBrk="1" latinLnBrk="0" hangingPunct="1">
+              <a:lnSpc>
+                <a:spcPct val="100000"/>
+              </a:lnSpc>
+              <a:spcBef>
+                <a:spcPts val="1000"/>
+              </a:spcBef>
+              <a:buFont typeface="Arial" panose="020B0604020202020204" pitchFamily="34" charset="0"/>
+              <a:buChar char="•"/>
+              <a:defRPr sz="1800" kern="1200" spc="50" baseline="0">
+                <a:solidFill>
+                  <a:schemeClr val="tx1"/>
+                </a:solidFill>
+                <a:latin typeface="+mn-lt"/>
+                <a:ea typeface="+mn-ea"/>
+                <a:cs typeface="+mn-cs"/>
+              </a:defRPr>
+            </a:lvl4pPr>
+            <a:lvl5pPr marL="1143000" indent="-285750" algn="l" defTabSz="914400" rtl="0" eaLnBrk="1" latinLnBrk="0" hangingPunct="1">
+              <a:lnSpc>
+                <a:spcPct val="100000"/>
+              </a:lnSpc>
+              <a:spcBef>
+                <a:spcPts val="1000"/>
+              </a:spcBef>
+              <a:buFont typeface="Arial" panose="020B0604020202020204" pitchFamily="34" charset="0"/>
+              <a:buChar char="•"/>
+              <a:defRPr sz="1800" kern="1200" spc="50" baseline="0">
+                <a:solidFill>
+                  <a:schemeClr val="tx1"/>
+                </a:solidFill>
+                <a:latin typeface="+mn-lt"/>
+                <a:ea typeface="+mn-ea"/>
+                <a:cs typeface="+mn-cs"/>
+              </a:defRPr>
+            </a:lvl5pPr>
+            <a:lvl6pPr marL="2514600" indent="-228600" algn="l" defTabSz="914400" rtl="0" eaLnBrk="1" latinLnBrk="0" hangingPunct="1">
+              <a:lnSpc>
+                <a:spcPct val="90000"/>
+              </a:lnSpc>
+              <a:spcBef>
+                <a:spcPts val="500"/>
+              </a:spcBef>
+              <a:buFont typeface="Arial" panose="020B0604020202020204" pitchFamily="34" charset="0"/>
+              <a:buChar char="•"/>
+              <a:defRPr sz="1800" kern="1200">
+                <a:solidFill>
+                  <a:schemeClr val="tx1"/>
+                </a:solidFill>
+                <a:latin typeface="+mn-lt"/>
+                <a:ea typeface="+mn-ea"/>
+                <a:cs typeface="+mn-cs"/>
+              </a:defRPr>
+            </a:lvl6pPr>
+            <a:lvl7pPr marL="2971800" indent="-228600" algn="l" defTabSz="914400" rtl="0" eaLnBrk="1" latinLnBrk="0" hangingPunct="1">
+              <a:lnSpc>
+                <a:spcPct val="90000"/>
+              </a:lnSpc>
+              <a:spcBef>
+                <a:spcPts val="500"/>
+              </a:spcBef>
+              <a:buFont typeface="Arial" panose="020B0604020202020204" pitchFamily="34" charset="0"/>
+              <a:buChar char="•"/>
+              <a:defRPr sz="1800" kern="1200">
+                <a:solidFill>
+                  <a:schemeClr val="tx1"/>
+                </a:solidFill>
+                <a:latin typeface="+mn-lt"/>
+                <a:ea typeface="+mn-ea"/>
+                <a:cs typeface="+mn-cs"/>
+              </a:defRPr>
+            </a:lvl7pPr>
+            <a:lvl8pPr marL="3429000" indent="-228600" algn="l" defTabSz="914400" rtl="0" eaLnBrk="1" latinLnBrk="0" hangingPunct="1">
+              <a:lnSpc>
+                <a:spcPct val="90000"/>
+              </a:lnSpc>
+              <a:spcBef>
+                <a:spcPts val="500"/>
+              </a:spcBef>
+              <a:buFont typeface="Arial" panose="020B0604020202020204" pitchFamily="34" charset="0"/>
+              <a:buChar char="•"/>
+              <a:defRPr sz="1800" kern="1200">
+                <a:solidFill>
+                  <a:schemeClr val="tx1"/>
+                </a:solidFill>
+                <a:latin typeface="+mn-lt"/>
+                <a:ea typeface="+mn-ea"/>
+                <a:cs typeface="+mn-cs"/>
+              </a:defRPr>
+            </a:lvl8pPr>
+            <a:lvl9pPr marL="3886200" indent="-228600" algn="l" defTabSz="914400" rtl="0" eaLnBrk="1" latinLnBrk="0" hangingPunct="1">
+              <a:lnSpc>
+                <a:spcPct val="90000"/>
+              </a:lnSpc>
+              <a:spcBef>
+                <a:spcPts val="500"/>
+              </a:spcBef>
+              <a:buFont typeface="Arial" panose="020B0604020202020204" pitchFamily="34" charset="0"/>
+              <a:buChar char="•"/>
+              <a:defRPr sz="1800" kern="1200">
+                <a:solidFill>
+                  <a:schemeClr val="tx1"/>
+                </a:solidFill>
+                <a:latin typeface="+mn-lt"/>
+                <a:ea typeface="+mn-ea"/>
+                <a:cs typeface="+mn-cs"/>
+              </a:defRPr>
+            </a:lvl9pPr>
+          </a:lstStyle>
+          <a:p>
+            <a:pPr marL="342900" lvl="1" indent="-342900"/>
+            <a:r>
+              <a:rPr lang="en-US" sz="2200" dirty="0">
+                <a:solidFill>
+                  <a:schemeClr val="bg2">
+                    <a:lumMod val="90000"/>
+                  </a:schemeClr>
+                </a:solidFill>
+              </a:rPr>
+              <a:t>Accuracy</a:t>
+            </a:r>
+          </a:p>
+          <a:p>
+            <a:pPr marL="342900" lvl="1" indent="-342900"/>
+            <a:r>
+              <a:rPr lang="en-US" sz="2200" dirty="0">
+                <a:solidFill>
+                  <a:schemeClr val="bg2">
+                    <a:lumMod val="90000"/>
+                  </a:schemeClr>
+                </a:solidFill>
+              </a:rPr>
+              <a:t>Versatility</a:t>
+            </a:r>
+          </a:p>
+          <a:p>
+            <a:pPr marL="342900" lvl="1" indent="-342900"/>
+            <a:r>
+              <a:rPr lang="en-US" sz="2200" dirty="0">
+                <a:solidFill>
+                  <a:schemeClr val="bg2">
+                    <a:lumMod val="90000"/>
+                  </a:schemeClr>
+                </a:solidFill>
+              </a:rPr>
+              <a:t>Redundant data sources</a:t>
+            </a:r>
+          </a:p>
+        </p:txBody>
+      </p:sp>
+      <p:pic>
+        <p:nvPicPr>
+          <p:cNvPr id="7" name="Graphic 6" descr="Pyramid with levels outline">
+            <a:extLst>
+              <a:ext uri="{FF2B5EF4-FFF2-40B4-BE49-F238E27FC236}">
+                <a16:creationId xmlns:a16="http://schemas.microsoft.com/office/drawing/2014/main" id="{FEE6A7B6-281B-ECAC-AFD4-D0C911E00256}"/>
+              </a:ext>
+            </a:extLst>
+          </p:cNvPr>
+          <p:cNvPicPr>
+            <a:picLocks noChangeAspect="1"/>
+          </p:cNvPicPr>
+          <p:nvPr/>
+        </p:nvPicPr>
+        <p:blipFill>
+          <a:blip r:embed="rId3">
+            <a:extLst>
+              <a:ext uri="{96DAC541-7B7A-43D3-8B79-37D633B846F1}">
+                <asvg:svgBlip xmlns:asvg="http://schemas.microsoft.com/office/drawing/2016/SVG/main" r:embed="rId4"/>
+              </a:ext>
+            </a:extLst>
+          </a:blip>
+          <a:stretch>
+            <a:fillRect/>
+          </a:stretch>
+        </p:blipFill>
+        <p:spPr>
+          <a:xfrm>
+            <a:off x="175591" y="1053548"/>
+            <a:ext cx="6271593" cy="6076122"/>
+          </a:xfrm>
+          <a:prstGeom prst="rect">
+            <a:avLst/>
+          </a:prstGeom>
+          <a:effectLst>
+            <a:glow rad="63500">
+              <a:schemeClr val="accent3">
+                <a:satMod val="175000"/>
+                <a:alpha val="40000"/>
+              </a:schemeClr>
+            </a:glow>
+          </a:effectLst>
+        </p:spPr>
+      </p:pic>
+      <p:cxnSp>
+        <p:nvCxnSpPr>
+          <p:cNvPr id="17" name="Connector: Elbow 16">
+            <a:extLst>
+              <a:ext uri="{FF2B5EF4-FFF2-40B4-BE49-F238E27FC236}">
+                <a16:creationId xmlns:a16="http://schemas.microsoft.com/office/drawing/2014/main" id="{E10880C9-3FD8-EA48-C837-4F735D0D7F92}"/>
+              </a:ext>
+            </a:extLst>
+          </p:cNvPr>
+          <p:cNvCxnSpPr>
+            <a:cxnSpLocks/>
+          </p:cNvCxnSpPr>
+          <p:nvPr/>
+        </p:nvCxnSpPr>
+        <p:spPr>
+          <a:xfrm flipV="1">
+            <a:off x="4207565" y="1859507"/>
+            <a:ext cx="1630018" cy="810806"/>
+          </a:xfrm>
+          <a:prstGeom prst="bentConnector3">
+            <a:avLst>
+              <a:gd name="adj1" fmla="val 50000"/>
+            </a:avLst>
+          </a:prstGeom>
+          <a:ln w="76200">
+            <a:solidFill>
+              <a:schemeClr val="bg2">
+                <a:lumMod val="90000"/>
+              </a:schemeClr>
+            </a:solidFill>
+            <a:tailEnd type="triangle"/>
+          </a:ln>
+          <a:effectLst>
+            <a:glow rad="63500">
+              <a:schemeClr val="accent3">
+                <a:satMod val="175000"/>
+                <a:alpha val="40000"/>
+              </a:schemeClr>
+            </a:glow>
+          </a:effectLst>
+        </p:spPr>
+        <p:style>
+          <a:lnRef idx="1">
+            <a:schemeClr val="accent1"/>
+          </a:lnRef>
+          <a:fillRef idx="0">
+            <a:schemeClr val="accent1"/>
+          </a:fillRef>
+          <a:effectRef idx="0">
+            <a:schemeClr val="accent1"/>
+          </a:effectRef>
+          <a:fontRef idx="minor">
+            <a:schemeClr val="tx1"/>
+          </a:fontRef>
+        </p:style>
+      </p:cxnSp>
+      <p:sp>
+        <p:nvSpPr>
+          <p:cNvPr id="24" name="Text Placeholder 2">
+            <a:extLst>
+              <a:ext uri="{FF2B5EF4-FFF2-40B4-BE49-F238E27FC236}">
+                <a16:creationId xmlns:a16="http://schemas.microsoft.com/office/drawing/2014/main" id="{34E64DDE-AD39-5FD2-8D14-B8A459A83B2B}"/>
+              </a:ext>
+            </a:extLst>
+          </p:cNvPr>
+          <p:cNvSpPr txBox="1">
+            <a:spLocks/>
+          </p:cNvSpPr>
+          <p:nvPr/>
+        </p:nvSpPr>
+        <p:spPr>
+          <a:xfrm>
+            <a:off x="6598370" y="3185379"/>
+            <a:ext cx="3014664" cy="1699818"/>
+          </a:xfrm>
+          <a:prstGeom prst="rect">
+            <a:avLst/>
+          </a:prstGeom>
+        </p:spPr>
+        <p:txBody>
+          <a:bodyPr vert="horz" lIns="91440" tIns="45720" rIns="91440" bIns="45720" rtlCol="0">
+            <a:noAutofit/>
+          </a:bodyPr>
+          <a:lstStyle>
+            <a:lvl1pPr marL="0" indent="0" algn="l" defTabSz="914400" rtl="0" eaLnBrk="1" latinLnBrk="0" hangingPunct="1">
+              <a:lnSpc>
+                <a:spcPct val="100000"/>
+              </a:lnSpc>
+              <a:spcBef>
+                <a:spcPts val="1000"/>
+              </a:spcBef>
+              <a:buFont typeface="Arial" panose="020B0604020202020204" pitchFamily="34" charset="0"/>
+              <a:buNone/>
+              <a:defRPr sz="1800" b="1" kern="1200" spc="50" baseline="0">
+                <a:solidFill>
+                  <a:schemeClr val="tx1"/>
+                </a:solidFill>
+                <a:latin typeface="+mn-lt"/>
+                <a:ea typeface="+mn-ea"/>
+                <a:cs typeface="+mn-cs"/>
+              </a:defRPr>
+            </a:lvl1pPr>
+            <a:lvl2pPr marL="283464" indent="-285750" algn="l" defTabSz="914400" rtl="0" eaLnBrk="1" latinLnBrk="0" hangingPunct="1">
+              <a:lnSpc>
+                <a:spcPct val="100000"/>
+              </a:lnSpc>
+              <a:spcBef>
+                <a:spcPts val="1000"/>
+              </a:spcBef>
+              <a:buFont typeface="Arial" panose="020B0604020202020204" pitchFamily="34" charset="0"/>
+              <a:buChar char="•"/>
+              <a:defRPr sz="1800" kern="1200" spc="50" baseline="0">
+                <a:solidFill>
+                  <a:schemeClr val="tx1"/>
+                </a:solidFill>
+                <a:latin typeface="+mn-lt"/>
+                <a:ea typeface="+mn-ea"/>
+                <a:cs typeface="+mn-cs"/>
+              </a:defRPr>
+            </a:lvl2pPr>
+            <a:lvl3pPr marL="566928" indent="-285750" algn="l" defTabSz="914400" rtl="0" eaLnBrk="1" latinLnBrk="0" hangingPunct="1">
+              <a:lnSpc>
+                <a:spcPct val="100000"/>
+              </a:lnSpc>
+              <a:spcBef>
+                <a:spcPts val="1000"/>
+              </a:spcBef>
+              <a:buFont typeface="Arial" panose="020B0604020202020204" pitchFamily="34" charset="0"/>
+              <a:buChar char="•"/>
+              <a:defRPr sz="1800" kern="1200" spc="50" baseline="0">
+                <a:solidFill>
+                  <a:schemeClr val="tx1"/>
+                </a:solidFill>
+                <a:latin typeface="+mn-lt"/>
+                <a:ea typeface="+mn-ea"/>
+                <a:cs typeface="+mn-cs"/>
+              </a:defRPr>
+            </a:lvl3pPr>
+            <a:lvl4pPr marL="859536" indent="-285750" algn="l" defTabSz="914400" rtl="0" eaLnBrk="1" latinLnBrk="0" hangingPunct="1">
+              <a:lnSpc>
+                <a:spcPct val="100000"/>
+              </a:lnSpc>
+              <a:spcBef>
+                <a:spcPts val="1000"/>
+              </a:spcBef>
+              <a:buFont typeface="Arial" panose="020B0604020202020204" pitchFamily="34" charset="0"/>
+              <a:buChar char="•"/>
+              <a:defRPr sz="1800" kern="1200" spc="50" baseline="0">
+                <a:solidFill>
+                  <a:schemeClr val="tx1"/>
+                </a:solidFill>
+                <a:latin typeface="+mn-lt"/>
+                <a:ea typeface="+mn-ea"/>
+                <a:cs typeface="+mn-cs"/>
+              </a:defRPr>
+            </a:lvl4pPr>
+            <a:lvl5pPr marL="1143000" indent="-285750" algn="l" defTabSz="914400" rtl="0" eaLnBrk="1" latinLnBrk="0" hangingPunct="1">
+              <a:lnSpc>
+                <a:spcPct val="100000"/>
+              </a:lnSpc>
+              <a:spcBef>
+                <a:spcPts val="1000"/>
+              </a:spcBef>
+              <a:buFont typeface="Arial" panose="020B0604020202020204" pitchFamily="34" charset="0"/>
+              <a:buChar char="•"/>
+              <a:defRPr sz="1800" kern="1200" spc="50" baseline="0">
+                <a:solidFill>
+                  <a:schemeClr val="tx1"/>
+                </a:solidFill>
+                <a:latin typeface="+mn-lt"/>
+                <a:ea typeface="+mn-ea"/>
+                <a:cs typeface="+mn-cs"/>
+              </a:defRPr>
+            </a:lvl5pPr>
+            <a:lvl6pPr marL="2514600" indent="-228600" algn="l" defTabSz="914400" rtl="0" eaLnBrk="1" latinLnBrk="0" hangingPunct="1">
+              <a:lnSpc>
+                <a:spcPct val="90000"/>
+              </a:lnSpc>
+              <a:spcBef>
+                <a:spcPts val="500"/>
+              </a:spcBef>
+              <a:buFont typeface="Arial" panose="020B0604020202020204" pitchFamily="34" charset="0"/>
+              <a:buChar char="•"/>
+              <a:defRPr sz="1800" kern="1200">
+                <a:solidFill>
+                  <a:schemeClr val="tx1"/>
+                </a:solidFill>
+                <a:latin typeface="+mn-lt"/>
+                <a:ea typeface="+mn-ea"/>
+                <a:cs typeface="+mn-cs"/>
+              </a:defRPr>
+            </a:lvl6pPr>
+            <a:lvl7pPr marL="2971800" indent="-228600" algn="l" defTabSz="914400" rtl="0" eaLnBrk="1" latinLnBrk="0" hangingPunct="1">
+              <a:lnSpc>
+                <a:spcPct val="90000"/>
+              </a:lnSpc>
+              <a:spcBef>
+                <a:spcPts val="500"/>
+              </a:spcBef>
+              <a:buFont typeface="Arial" panose="020B0604020202020204" pitchFamily="34" charset="0"/>
+              <a:buChar char="•"/>
+              <a:defRPr sz="1800" kern="1200">
+                <a:solidFill>
+                  <a:schemeClr val="tx1"/>
+                </a:solidFill>
+                <a:latin typeface="+mn-lt"/>
+                <a:ea typeface="+mn-ea"/>
+                <a:cs typeface="+mn-cs"/>
+              </a:defRPr>
+            </a:lvl7pPr>
+            <a:lvl8pPr marL="3429000" indent="-228600" algn="l" defTabSz="914400" rtl="0" eaLnBrk="1" latinLnBrk="0" hangingPunct="1">
+              <a:lnSpc>
+                <a:spcPct val="90000"/>
+              </a:lnSpc>
+              <a:spcBef>
+                <a:spcPts val="500"/>
+              </a:spcBef>
+              <a:buFont typeface="Arial" panose="020B0604020202020204" pitchFamily="34" charset="0"/>
+              <a:buChar char="•"/>
+              <a:defRPr sz="1800" kern="1200">
+                <a:solidFill>
+                  <a:schemeClr val="tx1"/>
+                </a:solidFill>
+                <a:latin typeface="+mn-lt"/>
+                <a:ea typeface="+mn-ea"/>
+                <a:cs typeface="+mn-cs"/>
+              </a:defRPr>
+            </a:lvl8pPr>
+            <a:lvl9pPr marL="3886200" indent="-228600" algn="l" defTabSz="914400" rtl="0" eaLnBrk="1" latinLnBrk="0" hangingPunct="1">
+              <a:lnSpc>
+                <a:spcPct val="90000"/>
+              </a:lnSpc>
+              <a:spcBef>
+                <a:spcPts val="500"/>
+              </a:spcBef>
+              <a:buFont typeface="Arial" panose="020B0604020202020204" pitchFamily="34" charset="0"/>
+              <a:buChar char="•"/>
+              <a:defRPr sz="1800" kern="1200">
+                <a:solidFill>
+                  <a:schemeClr val="tx1"/>
+                </a:solidFill>
+                <a:latin typeface="+mn-lt"/>
+                <a:ea typeface="+mn-ea"/>
+                <a:cs typeface="+mn-cs"/>
+              </a:defRPr>
+            </a:lvl9pPr>
+          </a:lstStyle>
+          <a:p>
+            <a:pPr marL="342900" lvl="1" indent="-342900"/>
+            <a:r>
+              <a:rPr lang="en-US" sz="2200" dirty="0">
+                <a:solidFill>
+                  <a:schemeClr val="bg2">
+                    <a:lumMod val="90000"/>
+                  </a:schemeClr>
+                </a:solidFill>
+              </a:rPr>
+              <a:t>Response time</a:t>
+            </a:r>
+          </a:p>
+          <a:p>
+            <a:pPr marL="342900" lvl="1" indent="-342900"/>
+            <a:endParaRPr lang="en-US" sz="2200" dirty="0">
+              <a:solidFill>
+                <a:schemeClr val="bg2">
+                  <a:lumMod val="90000"/>
+                </a:schemeClr>
+              </a:solidFill>
+            </a:endParaRPr>
+          </a:p>
+        </p:txBody>
+      </p:sp>
     </p:spTree>
     <p:extLst>
       <p:ext uri="{BB962C8B-B14F-4D97-AF65-F5344CB8AC3E}">
-        <p14:creationId xmlns:p14="http://schemas.microsoft.com/office/powerpoint/2010/main" val="103458723"/>
+        <p14:creationId xmlns:p14="http://schemas.microsoft.com/office/powerpoint/2010/main" val="2043212384"/>
       </p:ext>
     </p:extLst>
   </p:cSld>
@@ -11384,7 +12119,7 @@
           <p:cNvPr id="2" name="Title 1">
             <a:extLst>
               <a:ext uri="{FF2B5EF4-FFF2-40B4-BE49-F238E27FC236}">
-                <a16:creationId xmlns:a16="http://schemas.microsoft.com/office/drawing/2014/main" id="{8B27D9B3-B64F-656A-0D99-161A6C0F518F}"/>
+                <a16:creationId xmlns:a16="http://schemas.microsoft.com/office/drawing/2014/main" id="{A95E2E6A-35EC-1B8E-0FD7-8C67870ACA64}"/>
               </a:ext>
             </a:extLst>
           </p:cNvPr>
@@ -11397,8 +12132,8 @@
         </p:nvSpPr>
         <p:spPr>
           <a:xfrm>
-            <a:off x="1341120" y="558801"/>
-            <a:ext cx="9953308" cy="1780860"/>
+            <a:off x="2933700" y="568961"/>
+            <a:ext cx="8420100" cy="1780860"/>
           </a:xfrm>
         </p:spPr>
         <p:txBody>
@@ -11407,17 +12142,17 @@
           <a:p>
             <a:r>
               <a:rPr lang="en-US" dirty="0"/>
-              <a:t>Navigating Q&amp;A Sessions</a:t>
-            </a:r>
-          </a:p>
-        </p:txBody>
-      </p:sp>
-      <p:sp>
-        <p:nvSpPr>
-          <p:cNvPr id="13" name="Text Placeholder 12">
+              <a:t>Effective delivery techniques</a:t>
+            </a:r>
+          </a:p>
+        </p:txBody>
+      </p:sp>
+      <p:sp>
+        <p:nvSpPr>
+          <p:cNvPr id="12" name="Text Placeholder 11">
             <a:extLst>
               <a:ext uri="{FF2B5EF4-FFF2-40B4-BE49-F238E27FC236}">
-                <a16:creationId xmlns:a16="http://schemas.microsoft.com/office/drawing/2014/main" id="{7E5B6E40-3A7D-ACF7-AA38-25977D322D81}"/>
+                <a16:creationId xmlns:a16="http://schemas.microsoft.com/office/drawing/2014/main" id="{554B61B9-26F6-B304-92CD-03053DAAF2A8}"/>
               </a:ext>
             </a:extLst>
           </p:cNvPr>
@@ -11430,8 +12165,8 @@
         </p:nvSpPr>
         <p:spPr>
           <a:xfrm>
-            <a:off x="1341120" y="2960877"/>
-            <a:ext cx="2722880" cy="351284"/>
+            <a:off x="2933700" y="2797255"/>
+            <a:ext cx="3924300" cy="464499"/>
           </a:xfrm>
         </p:spPr>
         <p:txBody>
@@ -11440,17 +12175,17 @@
           <a:p>
             <a:r>
               <a:rPr lang="en-US" dirty="0"/>
-              <a:t>Preparing for questions</a:t>
-            </a:r>
-          </a:p>
-        </p:txBody>
-      </p:sp>
-      <p:sp>
-        <p:nvSpPr>
-          <p:cNvPr id="36" name="Content Placeholder 35">
+              <a:t>Voice modulation</a:t>
+            </a:r>
+          </a:p>
+        </p:txBody>
+      </p:sp>
+      <p:sp>
+        <p:nvSpPr>
+          <p:cNvPr id="35" name="Content Placeholder 34">
             <a:extLst>
               <a:ext uri="{FF2B5EF4-FFF2-40B4-BE49-F238E27FC236}">
-                <a16:creationId xmlns:a16="http://schemas.microsoft.com/office/drawing/2014/main" id="{E71298F0-74F1-FECA-0F02-495F9A2EBA7B}"/>
+                <a16:creationId xmlns:a16="http://schemas.microsoft.com/office/drawing/2014/main" id="{EDBE6233-75E9-40D1-968F-58CA9AD0FF50}"/>
               </a:ext>
             </a:extLst>
           </p:cNvPr>
@@ -11458,13 +12193,13 @@
             <a:spLocks noGrp="1"/>
           </p:cNvSpPr>
           <p:nvPr>
-            <p:ph sz="half" idx="15"/>
+            <p:ph sz="half" idx="13"/>
           </p:nvPr>
         </p:nvSpPr>
         <p:spPr>
           <a:xfrm>
-            <a:off x="1341120" y="3392035"/>
-            <a:ext cx="2722880" cy="2907164"/>
+            <a:off x="2933700" y="3251596"/>
+            <a:ext cx="3943627" cy="3234264"/>
           </a:xfrm>
         </p:spPr>
         <p:txBody>
@@ -11475,29 +12210,41 @@
           <a:p>
             <a:r>
               <a:rPr lang="en-US" dirty="0"/>
-              <a:t>Know your material in advance</a:t>
-            </a:r>
-          </a:p>
-          <a:p>
-            <a:r>
-              <a:rPr lang="en-US" dirty="0"/>
-              <a:t>Anticipate common questions</a:t>
-            </a:r>
-          </a:p>
-          <a:p>
-            <a:r>
-              <a:rPr lang="en-US" dirty="0"/>
-              <a:t>Rehearse your responses</a:t>
-            </a:r>
-          </a:p>
-        </p:txBody>
-      </p:sp>
-      <p:sp>
-        <p:nvSpPr>
-          <p:cNvPr id="15" name="Text Placeholder 14">
+              <a:t>This is a powerful tool in public speaking. It involves varying pitch, tone, and volume to convey emotion, emphasize points, and maintain interest:</a:t>
+            </a:r>
+          </a:p>
+          <a:p>
+            <a:pPr lvl="1"/>
+            <a:r>
+              <a:rPr lang="en-US" dirty="0"/>
+              <a:t>Pitch variation</a:t>
+            </a:r>
+          </a:p>
+          <a:p>
+            <a:pPr lvl="1"/>
+            <a:r>
+              <a:rPr lang="en-US" dirty="0"/>
+              <a:t>Tone inflection</a:t>
+            </a:r>
+          </a:p>
+          <a:p>
+            <a:pPr lvl="1"/>
+            <a:r>
+              <a:rPr lang="en-US" dirty="0"/>
+              <a:t>Volume control</a:t>
+            </a:r>
+          </a:p>
+          <a:p>
+            <a:endParaRPr lang="en-US" dirty="0"/>
+          </a:p>
+        </p:txBody>
+      </p:sp>
+      <p:sp>
+        <p:nvSpPr>
+          <p:cNvPr id="14" name="Text Placeholder 13">
             <a:extLst>
               <a:ext uri="{FF2B5EF4-FFF2-40B4-BE49-F238E27FC236}">
-                <a16:creationId xmlns:a16="http://schemas.microsoft.com/office/drawing/2014/main" id="{A536BD54-EFA1-25A2-9F04-4F22C36E2A5D}"/>
+                <a16:creationId xmlns:a16="http://schemas.microsoft.com/office/drawing/2014/main" id="{CB9F9E8B-42CD-AC26-AFC9-F1F66695693B}"/>
               </a:ext>
             </a:extLst>
           </p:cNvPr>
@@ -11505,13 +12252,13 @@
             <a:spLocks noGrp="1"/>
           </p:cNvSpPr>
           <p:nvPr>
-            <p:ph type="body" idx="10"/>
+            <p:ph type="body" sz="quarter" idx="3"/>
           </p:nvPr>
         </p:nvSpPr>
         <p:spPr>
           <a:xfrm>
-            <a:off x="4754881" y="2960877"/>
-            <a:ext cx="5516880" cy="351284"/>
+            <a:off x="7410173" y="2797255"/>
+            <a:ext cx="3943627" cy="464499"/>
           </a:xfrm>
         </p:spPr>
         <p:txBody>
@@ -11520,20 +12267,17 @@
           <a:p>
             <a:r>
               <a:rPr lang="en-US" dirty="0"/>
-              <a:t>Maintaining composure</a:t>
-            </a:r>
-          </a:p>
-          <a:p>
-            <a:endParaRPr lang="en-US" dirty="0"/>
-          </a:p>
-        </p:txBody>
-      </p:sp>
-      <p:sp>
-        <p:nvSpPr>
-          <p:cNvPr id="14" name="Content Placeholder 13">
+              <a:t>Body language</a:t>
+            </a:r>
+          </a:p>
+        </p:txBody>
+      </p:sp>
+      <p:sp>
+        <p:nvSpPr>
+          <p:cNvPr id="50" name="Content Placeholder 49">
             <a:extLst>
               <a:ext uri="{FF2B5EF4-FFF2-40B4-BE49-F238E27FC236}">
-                <a16:creationId xmlns:a16="http://schemas.microsoft.com/office/drawing/2014/main" id="{5112969F-EB84-49D5-7100-1FB28870FB30}"/>
+                <a16:creationId xmlns:a16="http://schemas.microsoft.com/office/drawing/2014/main" id="{8F6B2AE9-DDE4-FD99-A235-3B39EEE21481}"/>
               </a:ext>
             </a:extLst>
           </p:cNvPr>
@@ -11546,8 +12290,8 @@
         </p:nvSpPr>
         <p:spPr>
           <a:xfrm>
-            <a:off x="4754881" y="3324859"/>
-            <a:ext cx="5506720" cy="3031489"/>
+            <a:off x="7410173" y="3251595"/>
+            <a:ext cx="3943627" cy="3234264"/>
           </a:xfrm>
         </p:spPr>
         <p:txBody>
@@ -11558,45 +12302,50 @@
           <a:p>
             <a:r>
               <a:rPr lang="en-US" dirty="0"/>
-              <a:t>Maintaining composure during the Q&amp;A session is essential for projecting confidence and authority. Consider the following tips for staying composed:</a:t>
-            </a:r>
+              <a:t>Effective body language enhances your message, making it more impactful </a:t>
+            </a:r>
+            <a:r>
+              <a:rPr lang="en-US"/>
+              <a:t>and memorable:</a:t>
+            </a:r>
+            <a:endParaRPr lang="en-US" dirty="0"/>
           </a:p>
           <a:p>
             <a:pPr lvl="1"/>
             <a:r>
               <a:rPr lang="en-US" dirty="0"/>
-              <a:t>Stay calm</a:t>
+              <a:t>Meaningful eye contact</a:t>
             </a:r>
           </a:p>
           <a:p>
             <a:pPr lvl="1"/>
             <a:r>
               <a:rPr lang="en-US" dirty="0"/>
-              <a:t>Actively listen</a:t>
+              <a:t>Purposeful gestures</a:t>
             </a:r>
           </a:p>
           <a:p>
             <a:pPr lvl="1"/>
             <a:r>
               <a:rPr lang="en-US" dirty="0"/>
-              <a:t>Pause and reflect</a:t>
+              <a:t>Maintain good posture</a:t>
             </a:r>
           </a:p>
           <a:p>
             <a:pPr lvl="1"/>
             <a:r>
               <a:rPr lang="en-US" dirty="0"/>
-              <a:t>Maintain eye contact</a:t>
-            </a:r>
-          </a:p>
-        </p:txBody>
-      </p:sp>
-      <p:sp>
-        <p:nvSpPr>
-          <p:cNvPr id="68" name="Slide Number Placeholder 67">
+              <a:t>Control your expressions</a:t>
+            </a:r>
+          </a:p>
+        </p:txBody>
+      </p:sp>
+      <p:sp>
+        <p:nvSpPr>
+          <p:cNvPr id="8" name="Slide Number Placeholder 7">
             <a:extLst>
               <a:ext uri="{FF2B5EF4-FFF2-40B4-BE49-F238E27FC236}">
-                <a16:creationId xmlns:a16="http://schemas.microsoft.com/office/drawing/2014/main" id="{AA0ACADD-CC4E-851C-DA07-C22DB97FA23E}"/>
+                <a16:creationId xmlns:a16="http://schemas.microsoft.com/office/drawing/2014/main" id="{8F44A959-C2BB-9170-C99C-1A2EDB71B994}"/>
               </a:ext>
             </a:extLst>
           </p:cNvPr>
@@ -11604,7 +12353,7 @@
             <a:spLocks noGrp="1"/>
           </p:cNvSpPr>
           <p:nvPr>
-            <p:ph type="sldNum" sz="quarter" idx="13"/>
+            <p:ph type="sldNum" sz="quarter" idx="12"/>
           </p:nvPr>
         </p:nvSpPr>
         <p:spPr>
@@ -11629,7 +12378,7 @@
     </p:spTree>
     <p:extLst>
       <p:ext uri="{BB962C8B-B14F-4D97-AF65-F5344CB8AC3E}">
-        <p14:creationId xmlns:p14="http://schemas.microsoft.com/office/powerpoint/2010/main" val="636929804"/>
+        <p14:creationId xmlns:p14="http://schemas.microsoft.com/office/powerpoint/2010/main" val="103458723"/>
       </p:ext>
     </p:extLst>
   </p:cSld>
@@ -12431,35 +13180,6 @@
 </file>
 
 <file path=customXml/item1.xml><?xml version="1.0" encoding="utf-8"?>
-<p:properties xmlns:p="http://schemas.microsoft.com/office/2006/metadata/properties" xmlns:xsi="http://www.w3.org/2001/XMLSchema-instance" xmlns:pc="http://schemas.microsoft.com/office/infopath/2007/PartnerControls">
-  <documentManagement>
-    <_ip_UnifiedCompliancePolicyUIAction xmlns="http://schemas.microsoft.com/sharepoint/v3" xsi:nil="true"/>
-    <Image xmlns="71af3243-3dd4-4a8d-8c0d-dd76da1f02a5">
-      <Url xsi:nil="true"/>
-      <Description xsi:nil="true"/>
-    </Image>
-    <Status xmlns="71af3243-3dd4-4a8d-8c0d-dd76da1f02a5">Not started</Status>
-    <Background xmlns="71af3243-3dd4-4a8d-8c0d-dd76da1f02a5">false</Background>
-    <_ip_UnifiedCompliancePolicyProperties xmlns="http://schemas.microsoft.com/sharepoint/v3" xsi:nil="true"/>
-    <ImageTagsTaxHTField xmlns="71af3243-3dd4-4a8d-8c0d-dd76da1f02a5">
-      <Terms xmlns="http://schemas.microsoft.com/office/infopath/2007/PartnerControls"/>
-    </ImageTagsTaxHTField>
-    <TaxCatchAll xmlns="230e9df3-be65-4c73-a93b-d1236ebd677e" xsi:nil="true"/>
-    <MediaServiceKeyPoints xmlns="71af3243-3dd4-4a8d-8c0d-dd76da1f02a5" xsi:nil="true"/>
-  </documentManagement>
-</p:properties>
-</file>
-
-<file path=customXml/item2.xml><?xml version="1.0" encoding="utf-8"?>
-<?mso-contentType ?>
-<FormTemplates xmlns="http://schemas.microsoft.com/sharepoint/v3/contenttype/forms">
-  <Display>DocumentLibraryForm</Display>
-  <Edit>DocumentLibraryForm</Edit>
-  <New>DocumentLibraryForm</New>
-</FormTemplates>
-</file>
-
-<file path=customXml/item3.xml><?xml version="1.0" encoding="utf-8"?>
 <ct:contentTypeSchema xmlns:ct="http://schemas.microsoft.com/office/2006/metadata/contentType" xmlns:ma="http://schemas.microsoft.com/office/2006/metadata/properties/metaAttributes" ct:_="" ma:_="" ma:contentTypeName="Document" ma:contentTypeID="0x01010079F111ED35F8CC479449609E8A0923A6" ma:contentTypeVersion="28" ma:contentTypeDescription="Create a new document." ma:contentTypeScope="" ma:versionID="60f5a4f2d2b0abadcf532d48ebf9cb71">
   <xsd:schema xmlns:xsd="http://www.w3.org/2001/XMLSchema" xmlns:xs="http://www.w3.org/2001/XMLSchema" xmlns:p="http://schemas.microsoft.com/office/2006/metadata/properties" xmlns:ns1="http://schemas.microsoft.com/sharepoint/v3" xmlns:ns2="71af3243-3dd4-4a8d-8c0d-dd76da1f02a5" xmlns:ns3="16c05727-aa75-4e4a-9b5f-8a80a1165891" xmlns:ns4="230e9df3-be65-4c73-a93b-d1236ebd677e" targetNamespace="http://schemas.microsoft.com/office/2006/metadata/properties" ma:root="true" ma:fieldsID="7dd78129e6a1811f84807ad11c651531" ns1:_="" ns2:_="" ns3:_="" ns4:_="">
     <xsd:import namespace="http://schemas.microsoft.com/sharepoint/v3"/>
@@ -12771,27 +13491,36 @@
 </ct:contentTypeSchema>
 </file>
 
-<file path=customXml/itemProps1.xml><?xml version="1.0" encoding="utf-8"?>
-<ds:datastoreItem xmlns:ds="http://schemas.openxmlformats.org/officeDocument/2006/customXml" ds:itemID="{49168DCE-134F-4610-A6AA-88CEBE8D71D2}">
-  <ds:schemaRefs>
-    <ds:schemaRef ds:uri="http://schemas.microsoft.com/office/2006/metadata/properties"/>
-    <ds:schemaRef ds:uri="http://schemas.microsoft.com/office/infopath/2007/PartnerControls"/>
-    <ds:schemaRef ds:uri="http://schemas.microsoft.com/sharepoint/v3"/>
-    <ds:schemaRef ds:uri="71af3243-3dd4-4a8d-8c0d-dd76da1f02a5"/>
-    <ds:schemaRef ds:uri="230e9df3-be65-4c73-a93b-d1236ebd677e"/>
-  </ds:schemaRefs>
-</ds:datastoreItem>
+<file path=customXml/item2.xml><?xml version="1.0" encoding="utf-8"?>
+<?mso-contentType ?>
+<FormTemplates xmlns="http://schemas.microsoft.com/sharepoint/v3/contenttype/forms">
+  <Display>DocumentLibraryForm</Display>
+  <Edit>DocumentLibraryForm</Edit>
+  <New>DocumentLibraryForm</New>
+</FormTemplates>
 </file>
 
-<file path=customXml/itemProps2.xml><?xml version="1.0" encoding="utf-8"?>
-<ds:datastoreItem xmlns:ds="http://schemas.openxmlformats.org/officeDocument/2006/customXml" ds:itemID="{CABF691C-888B-4061-8A6F-D5CE84A0254B}">
-  <ds:schemaRefs>
-    <ds:schemaRef ds:uri="http://schemas.microsoft.com/sharepoint/v3/contenttype/forms"/>
-  </ds:schemaRefs>
-</ds:datastoreItem>
+<file path=customXml/item3.xml><?xml version="1.0" encoding="utf-8"?>
+<p:properties xmlns:p="http://schemas.microsoft.com/office/2006/metadata/properties" xmlns:xsi="http://www.w3.org/2001/XMLSchema-instance" xmlns:pc="http://schemas.microsoft.com/office/infopath/2007/PartnerControls">
+  <documentManagement>
+    <_ip_UnifiedCompliancePolicyUIAction xmlns="http://schemas.microsoft.com/sharepoint/v3" xsi:nil="true"/>
+    <Image xmlns="71af3243-3dd4-4a8d-8c0d-dd76da1f02a5">
+      <Url xsi:nil="true"/>
+      <Description xsi:nil="true"/>
+    </Image>
+    <Status xmlns="71af3243-3dd4-4a8d-8c0d-dd76da1f02a5">Not started</Status>
+    <Background xmlns="71af3243-3dd4-4a8d-8c0d-dd76da1f02a5">false</Background>
+    <_ip_UnifiedCompliancePolicyProperties xmlns="http://schemas.microsoft.com/sharepoint/v3" xsi:nil="true"/>
+    <ImageTagsTaxHTField xmlns="71af3243-3dd4-4a8d-8c0d-dd76da1f02a5">
+      <Terms xmlns="http://schemas.microsoft.com/office/infopath/2007/PartnerControls"/>
+    </ImageTagsTaxHTField>
+    <TaxCatchAll xmlns="230e9df3-be65-4c73-a93b-d1236ebd677e" xsi:nil="true"/>
+    <MediaServiceKeyPoints xmlns="71af3243-3dd4-4a8d-8c0d-dd76da1f02a5" xsi:nil="true"/>
+  </documentManagement>
+</p:properties>
 </file>
 
-<file path=customXml/itemProps3.xml><?xml version="1.0" encoding="utf-8"?>
+<file path=customXml/itemProps1.xml><?xml version="1.0" encoding="utf-8"?>
 <ds:datastoreItem xmlns:ds="http://schemas.openxmlformats.org/officeDocument/2006/customXml" ds:itemID="{5EDE3176-A15D-46A3-BDDB-64A0D7363224}">
   <ds:schemaRefs>
     <ds:schemaRef ds:uri="http://schemas.microsoft.com/office/2006/metadata/contentType"/>
@@ -12812,6 +13541,26 @@
 </ds:datastoreItem>
 </file>
 
+<file path=customXml/itemProps2.xml><?xml version="1.0" encoding="utf-8"?>
+<ds:datastoreItem xmlns:ds="http://schemas.openxmlformats.org/officeDocument/2006/customXml" ds:itemID="{CABF691C-888B-4061-8A6F-D5CE84A0254B}">
+  <ds:schemaRefs>
+    <ds:schemaRef ds:uri="http://schemas.microsoft.com/sharepoint/v3/contenttype/forms"/>
+  </ds:schemaRefs>
+</ds:datastoreItem>
+</file>
+
+<file path=customXml/itemProps3.xml><?xml version="1.0" encoding="utf-8"?>
+<ds:datastoreItem xmlns:ds="http://schemas.openxmlformats.org/officeDocument/2006/customXml" ds:itemID="{49168DCE-134F-4610-A6AA-88CEBE8D71D2}">
+  <ds:schemaRefs>
+    <ds:schemaRef ds:uri="http://schemas.microsoft.com/office/2006/metadata/properties"/>
+    <ds:schemaRef ds:uri="http://schemas.microsoft.com/office/infopath/2007/PartnerControls"/>
+    <ds:schemaRef ds:uri="http://schemas.microsoft.com/sharepoint/v3"/>
+    <ds:schemaRef ds:uri="71af3243-3dd4-4a8d-8c0d-dd76da1f02a5"/>
+    <ds:schemaRef ds:uri="230e9df3-be65-4c73-a93b-d1236ebd677e"/>
+  </ds:schemaRefs>
+</ds:datastoreItem>
+</file>
+
 <file path=docMetadata/LabelInfo.xml><?xml version="1.0" encoding="utf-8"?>
 <clbl:labelList xmlns:clbl="http://schemas.microsoft.com/office/2020/mipLabelMetadata"/>
 </file>
--- a/SimpliFinance.pptx
+++ b/SimpliFinance.pptx
@@ -1,14 +1,14 @@
 
 <file path=ppt/presentation.xml><?xml version="1.0" encoding="utf-8"?>
-<p:presentation xmlns:a="http://schemas.openxmlformats.org/drawingml/2006/main" xmlns:r="http://schemas.openxmlformats.org/officeDocument/2006/relationships" xmlns:p="http://schemas.openxmlformats.org/presentationml/2006/main" showSpecialPlsOnTitleSld="0" saveSubsetFonts="1" autoCompressPictures="0">
+<p:presentation xmlns:a="http://schemas.openxmlformats.org/drawingml/2006/main" xmlns:r="http://schemas.openxmlformats.org/officeDocument/2006/relationships" xmlns:p="http://schemas.openxmlformats.org/presentationml/2006/main" saveSubsetFonts="1" autoCompressPictures="0">
   <p:sldMasterIdLst>
     <p:sldMasterId id="2147483648" r:id="rId4"/>
   </p:sldMasterIdLst>
   <p:notesMasterIdLst>
-    <p:notesMasterId r:id="rId20"/>
+    <p:notesMasterId r:id="rId16"/>
   </p:notesMasterIdLst>
   <p:handoutMasterIdLst>
-    <p:handoutMasterId r:id="rId21"/>
+    <p:handoutMasterId r:id="rId17"/>
   </p:handoutMasterIdLst>
   <p:sldIdLst>
     <p:sldId id="256" r:id="rId5"/>
@@ -19,13 +19,9 @@
     <p:sldId id="280" r:id="rId10"/>
     <p:sldId id="258" r:id="rId11"/>
     <p:sldId id="287" r:id="rId12"/>
-    <p:sldId id="281" r:id="rId13"/>
-    <p:sldId id="282" r:id="rId14"/>
-    <p:sldId id="266" r:id="rId15"/>
-    <p:sldId id="283" r:id="rId16"/>
-    <p:sldId id="284" r:id="rId17"/>
-    <p:sldId id="285" r:id="rId18"/>
-    <p:sldId id="271" r:id="rId19"/>
+    <p:sldId id="289" r:id="rId13"/>
+    <p:sldId id="288" r:id="rId14"/>
+    <p:sldId id="271" r:id="rId15"/>
   </p:sldIdLst>
   <p:sldSz cx="12192000" cy="6858000"/>
   <p:notesSz cx="6858000" cy="9144000"/>
@@ -717,7 +713,18 @@
           <a:bodyPr/>
           <a:lstStyle/>
           <a:p>
-            <a:endParaRPr lang="en-US" dirty="0"/>
+            <a:r>
+              <a:rPr lang="en-US" dirty="0"/>
+              <a:t>Hello everyone, I am Ryan Waterman, and I am excited to welcome to my presentation of </a:t>
+            </a:r>
+            <a:r>
+              <a:rPr lang="en-US" dirty="0" err="1"/>
+              <a:t>SimpliFinance</a:t>
+            </a:r>
+            <a:r>
+              <a:rPr lang="en-US" dirty="0"/>
+              <a:t>, a generative AI based application that aims to simplify market research and stock analysis for retail investors.</a:t>
+            </a:r>
           </a:p>
         </p:txBody>
       </p:sp>
@@ -801,6 +808,148 @@
           <a:bodyPr/>
           <a:lstStyle/>
           <a:p>
+            <a:r>
+              <a:rPr lang="en-US" dirty="0"/>
+              <a:t>Portfolio analysis:</a:t>
+            </a:r>
+          </a:p>
+          <a:p>
+            <a:pPr marL="171450" indent="-171450">
+              <a:buFont typeface="Arial" panose="020B0604020202020204" pitchFamily="34" charset="0"/>
+              <a:buChar char="•"/>
+            </a:pPr>
+            <a:r>
+              <a:rPr lang="en-US" dirty="0"/>
+              <a:t>The user can upload a CSV formatted report of their portfolio to query against (these can be exported through brokerage accounts)</a:t>
+            </a:r>
+          </a:p>
+          <a:p>
+            <a:pPr marL="628650" lvl="1" indent="-171450">
+              <a:buFont typeface="Arial" panose="020B0604020202020204" pitchFamily="34" charset="0"/>
+              <a:buChar char="•"/>
+            </a:pPr>
+            <a:r>
+              <a:rPr lang="en-US" dirty="0"/>
+              <a:t>Which stocks are most over/under valued (buy more, take profit and reallocate)</a:t>
+            </a:r>
+          </a:p>
+          <a:p>
+            <a:pPr marL="628650" lvl="1" indent="-171450">
+              <a:buFont typeface="Arial" panose="020B0604020202020204" pitchFamily="34" charset="0"/>
+              <a:buChar char="•"/>
+            </a:pPr>
+            <a:r>
+              <a:rPr lang="en-US" dirty="0"/>
+              <a:t>Suggestions for diversification</a:t>
+            </a:r>
+          </a:p>
+          <a:p>
+            <a:pPr marL="628650" lvl="1" indent="-171450">
+              <a:buFont typeface="Arial" panose="020B0604020202020204" pitchFamily="34" charset="0"/>
+              <a:buChar char="•"/>
+            </a:pPr>
+            <a:r>
+              <a:rPr lang="en-US" dirty="0"/>
+              <a:t>Search for competing companies and compare to current holdings</a:t>
+            </a:r>
+          </a:p>
+          <a:p>
+            <a:pPr marL="0" lvl="0" indent="0">
+              <a:buFont typeface="Arial" panose="020B0604020202020204" pitchFamily="34" charset="0"/>
+              <a:buNone/>
+            </a:pPr>
+            <a:endParaRPr lang="en-US" dirty="0"/>
+          </a:p>
+          <a:p>
+            <a:pPr marL="0" lvl="0" indent="0">
+              <a:buFont typeface="Arial" panose="020B0604020202020204" pitchFamily="34" charset="0"/>
+              <a:buNone/>
+            </a:pPr>
+            <a:r>
+              <a:rPr lang="en-US" dirty="0"/>
+              <a:t>Chat history/contextual memory:</a:t>
+            </a:r>
+          </a:p>
+          <a:p>
+            <a:pPr marL="171450" lvl="0" indent="-171450">
+              <a:buFont typeface="Arial" panose="020B0604020202020204" pitchFamily="34" charset="0"/>
+              <a:buChar char="•"/>
+            </a:pPr>
+            <a:r>
+              <a:rPr lang="en-US" dirty="0"/>
+              <a:t>Data persistence via Literal AI</a:t>
+            </a:r>
+          </a:p>
+          <a:p>
+            <a:pPr marL="628650" lvl="1" indent="-171450">
+              <a:buFont typeface="Arial" panose="020B0604020202020204" pitchFamily="34" charset="0"/>
+              <a:buChar char="•"/>
+            </a:pPr>
+            <a:r>
+              <a:rPr lang="en-US" dirty="0"/>
+              <a:t>See/access old conversations</a:t>
+            </a:r>
+          </a:p>
+          <a:p>
+            <a:pPr marL="171450" lvl="0" indent="-171450">
+              <a:buFont typeface="Arial" panose="020B0604020202020204" pitchFamily="34" charset="0"/>
+              <a:buChar char="•"/>
+            </a:pPr>
+            <a:r>
+              <a:rPr lang="en-US" dirty="0"/>
+              <a:t>Contextual memory</a:t>
+            </a:r>
+          </a:p>
+          <a:p>
+            <a:pPr marL="628650" lvl="1" indent="-171450">
+              <a:buFont typeface="Arial" panose="020B0604020202020204" pitchFamily="34" charset="0"/>
+              <a:buChar char="•"/>
+            </a:pPr>
+            <a:r>
+              <a:rPr lang="en-US" dirty="0"/>
+              <a:t>Model retains knowledge of previous interactions</a:t>
+            </a:r>
+          </a:p>
+          <a:p>
+            <a:pPr marL="171450" lvl="0" indent="-171450">
+              <a:buFont typeface="Arial" panose="020B0604020202020204" pitchFamily="34" charset="0"/>
+              <a:buChar char="•"/>
+            </a:pPr>
+            <a:endParaRPr lang="en-US" dirty="0"/>
+          </a:p>
+          <a:p>
+            <a:pPr marL="0" lvl="0" indent="0">
+              <a:buFont typeface="Arial" panose="020B0604020202020204" pitchFamily="34" charset="0"/>
+              <a:buNone/>
+            </a:pPr>
+            <a:r>
+              <a:rPr lang="en-US" dirty="0"/>
+              <a:t>Less precision of speech:</a:t>
+            </a:r>
+          </a:p>
+          <a:p>
+            <a:pPr marL="171450" lvl="0" indent="-171450">
+              <a:buFont typeface="Arial" panose="020B0604020202020204" pitchFamily="34" charset="0"/>
+              <a:buChar char="•"/>
+            </a:pPr>
+            <a:r>
+              <a:rPr lang="en-US" dirty="0"/>
+              <a:t>Build </a:t>
+            </a:r>
+            <a:r>
+              <a:rPr lang="en-US" dirty="0" err="1"/>
+              <a:t>guardbands</a:t>
+            </a:r>
+            <a:r>
+              <a:rPr lang="en-US" dirty="0"/>
+              <a:t> that guide the model to more detailed responses for less explicit prompts</a:t>
+            </a:r>
+          </a:p>
+          <a:p>
+            <a:pPr marL="171450" lvl="0" indent="-171450">
+              <a:buFont typeface="Arial" panose="020B0604020202020204" pitchFamily="34" charset="0"/>
+              <a:buChar char="•"/>
+            </a:pPr>
             <a:endParaRPr lang="en-US" dirty="0"/>
           </a:p>
         </p:txBody>
@@ -822,7 +971,7 @@
           <a:p>
             <a:fld id="{22289C57-55D7-40A4-A101-E74FAC7A092B}" type="slidenum">
               <a:rPr lang="en-US" smtClean="0"/>
-              <a:t>11</a:t>
+              <a:t>10</a:t>
             </a:fld>
             <a:endParaRPr lang="en-US" dirty="0"/>
           </a:p>
@@ -831,7 +980,7 @@
     </p:spTree>
     <p:extLst>
       <p:ext uri="{BB962C8B-B14F-4D97-AF65-F5344CB8AC3E}">
-        <p14:creationId xmlns:p14="http://schemas.microsoft.com/office/powerpoint/2010/main" val="3105683219"/>
+        <p14:creationId xmlns:p14="http://schemas.microsoft.com/office/powerpoint/2010/main" val="10549718"/>
       </p:ext>
     </p:extLst>
   </p:cSld>
@@ -906,259 +1055,7 @@
           <a:p>
             <a:fld id="{22289C57-55D7-40A4-A101-E74FAC7A092B}" type="slidenum">
               <a:rPr lang="en-US" smtClean="0"/>
-              <a:t>12</a:t>
-            </a:fld>
-            <a:endParaRPr lang="en-US" dirty="0"/>
-          </a:p>
-        </p:txBody>
-      </p:sp>
-    </p:spTree>
-    <p:extLst>
-      <p:ext uri="{BB962C8B-B14F-4D97-AF65-F5344CB8AC3E}">
-        <p14:creationId xmlns:p14="http://schemas.microsoft.com/office/powerpoint/2010/main" val="840986708"/>
-      </p:ext>
-    </p:extLst>
-  </p:cSld>
-  <p:clrMapOvr>
-    <a:masterClrMapping/>
-  </p:clrMapOvr>
-</p:notes>
-</file>
-
-<file path=ppt/notesSlides/notesSlide12.xml><?xml version="1.0" encoding="utf-8"?>
-<p:notes xmlns:a="http://schemas.openxmlformats.org/drawingml/2006/main" xmlns:r="http://schemas.openxmlformats.org/officeDocument/2006/relationships" xmlns:p="http://schemas.openxmlformats.org/presentationml/2006/main">
-  <p:cSld>
-    <p:spTree>
-      <p:nvGrpSpPr>
-        <p:cNvPr id="1" name=""/>
-        <p:cNvGrpSpPr/>
-        <p:nvPr/>
-      </p:nvGrpSpPr>
-      <p:grpSpPr>
-        <a:xfrm>
-          <a:off x="0" y="0"/>
-          <a:ext cx="0" cy="0"/>
-          <a:chOff x="0" y="0"/>
-          <a:chExt cx="0" cy="0"/>
-        </a:xfrm>
-      </p:grpSpPr>
-      <p:sp>
-        <p:nvSpPr>
-          <p:cNvPr id="2" name="Slide Image Placeholder 1"/>
-          <p:cNvSpPr>
-            <a:spLocks noGrp="1" noRot="1" noChangeAspect="1"/>
-          </p:cNvSpPr>
-          <p:nvPr>
-            <p:ph type="sldImg"/>
-          </p:nvPr>
-        </p:nvSpPr>
-        <p:spPr/>
-      </p:sp>
-      <p:sp>
-        <p:nvSpPr>
-          <p:cNvPr id="3" name="Notes Placeholder 2"/>
-          <p:cNvSpPr>
-            <a:spLocks noGrp="1"/>
-          </p:cNvSpPr>
-          <p:nvPr>
-            <p:ph type="body" idx="1"/>
-          </p:nvPr>
-        </p:nvSpPr>
-        <p:spPr/>
-        <p:txBody>
-          <a:bodyPr/>
-          <a:lstStyle/>
-          <a:p>
-            <a:endParaRPr lang="en-US" dirty="0"/>
-          </a:p>
-        </p:txBody>
-      </p:sp>
-      <p:sp>
-        <p:nvSpPr>
-          <p:cNvPr id="4" name="Slide Number Placeholder 3"/>
-          <p:cNvSpPr>
-            <a:spLocks noGrp="1"/>
-          </p:cNvSpPr>
-          <p:nvPr>
-            <p:ph type="sldNum" sz="quarter" idx="5"/>
-          </p:nvPr>
-        </p:nvSpPr>
-        <p:spPr/>
-        <p:txBody>
-          <a:bodyPr/>
-          <a:lstStyle/>
-          <a:p>
-            <a:fld id="{22289C57-55D7-40A4-A101-E74FAC7A092B}" type="slidenum">
-              <a:rPr lang="en-US" smtClean="0"/>
-              <a:t>13</a:t>
-            </a:fld>
-            <a:endParaRPr lang="en-US" dirty="0"/>
-          </a:p>
-        </p:txBody>
-      </p:sp>
-    </p:spTree>
-    <p:extLst>
-      <p:ext uri="{BB962C8B-B14F-4D97-AF65-F5344CB8AC3E}">
-        <p14:creationId xmlns:p14="http://schemas.microsoft.com/office/powerpoint/2010/main" val="575465472"/>
-      </p:ext>
-    </p:extLst>
-  </p:cSld>
-  <p:clrMapOvr>
-    <a:masterClrMapping/>
-  </p:clrMapOvr>
-</p:notes>
-</file>
-
-<file path=ppt/notesSlides/notesSlide13.xml><?xml version="1.0" encoding="utf-8"?>
-<p:notes xmlns:a="http://schemas.openxmlformats.org/drawingml/2006/main" xmlns:r="http://schemas.openxmlformats.org/officeDocument/2006/relationships" xmlns:p="http://schemas.openxmlformats.org/presentationml/2006/main">
-  <p:cSld>
-    <p:spTree>
-      <p:nvGrpSpPr>
-        <p:cNvPr id="1" name=""/>
-        <p:cNvGrpSpPr/>
-        <p:nvPr/>
-      </p:nvGrpSpPr>
-      <p:grpSpPr>
-        <a:xfrm>
-          <a:off x="0" y="0"/>
-          <a:ext cx="0" cy="0"/>
-          <a:chOff x="0" y="0"/>
-          <a:chExt cx="0" cy="0"/>
-        </a:xfrm>
-      </p:grpSpPr>
-      <p:sp>
-        <p:nvSpPr>
-          <p:cNvPr id="2" name="Slide Image Placeholder 1"/>
-          <p:cNvSpPr>
-            <a:spLocks noGrp="1" noRot="1" noChangeAspect="1"/>
-          </p:cNvSpPr>
-          <p:nvPr>
-            <p:ph type="sldImg"/>
-          </p:nvPr>
-        </p:nvSpPr>
-        <p:spPr/>
-      </p:sp>
-      <p:sp>
-        <p:nvSpPr>
-          <p:cNvPr id="3" name="Notes Placeholder 2"/>
-          <p:cNvSpPr>
-            <a:spLocks noGrp="1"/>
-          </p:cNvSpPr>
-          <p:nvPr>
-            <p:ph type="body" idx="1"/>
-          </p:nvPr>
-        </p:nvSpPr>
-        <p:spPr/>
-        <p:txBody>
-          <a:bodyPr/>
-          <a:lstStyle/>
-          <a:p>
-            <a:endParaRPr lang="en-US" dirty="0"/>
-          </a:p>
-        </p:txBody>
-      </p:sp>
-      <p:sp>
-        <p:nvSpPr>
-          <p:cNvPr id="4" name="Slide Number Placeholder 3"/>
-          <p:cNvSpPr>
-            <a:spLocks noGrp="1"/>
-          </p:cNvSpPr>
-          <p:nvPr>
-            <p:ph type="sldNum" sz="quarter" idx="5"/>
-          </p:nvPr>
-        </p:nvSpPr>
-        <p:spPr/>
-        <p:txBody>
-          <a:bodyPr/>
-          <a:lstStyle/>
-          <a:p>
-            <a:fld id="{22289C57-55D7-40A4-A101-E74FAC7A092B}" type="slidenum">
-              <a:rPr lang="en-US" smtClean="0"/>
-              <a:t>14</a:t>
-            </a:fld>
-            <a:endParaRPr lang="en-US" dirty="0"/>
-          </a:p>
-        </p:txBody>
-      </p:sp>
-    </p:spTree>
-    <p:extLst>
-      <p:ext uri="{BB962C8B-B14F-4D97-AF65-F5344CB8AC3E}">
-        <p14:creationId xmlns:p14="http://schemas.microsoft.com/office/powerpoint/2010/main" val="537756"/>
-      </p:ext>
-    </p:extLst>
-  </p:cSld>
-  <p:clrMapOvr>
-    <a:masterClrMapping/>
-  </p:clrMapOvr>
-</p:notes>
-</file>
-
-<file path=ppt/notesSlides/notesSlide14.xml><?xml version="1.0" encoding="utf-8"?>
-<p:notes xmlns:a="http://schemas.openxmlformats.org/drawingml/2006/main" xmlns:r="http://schemas.openxmlformats.org/officeDocument/2006/relationships" xmlns:p="http://schemas.openxmlformats.org/presentationml/2006/main">
-  <p:cSld>
-    <p:spTree>
-      <p:nvGrpSpPr>
-        <p:cNvPr id="1" name=""/>
-        <p:cNvGrpSpPr/>
-        <p:nvPr/>
-      </p:nvGrpSpPr>
-      <p:grpSpPr>
-        <a:xfrm>
-          <a:off x="0" y="0"/>
-          <a:ext cx="0" cy="0"/>
-          <a:chOff x="0" y="0"/>
-          <a:chExt cx="0" cy="0"/>
-        </a:xfrm>
-      </p:grpSpPr>
-      <p:sp>
-        <p:nvSpPr>
-          <p:cNvPr id="2" name="Slide Image Placeholder 1"/>
-          <p:cNvSpPr>
-            <a:spLocks noGrp="1" noRot="1" noChangeAspect="1"/>
-          </p:cNvSpPr>
-          <p:nvPr>
-            <p:ph type="sldImg"/>
-          </p:nvPr>
-        </p:nvSpPr>
-        <p:spPr/>
-      </p:sp>
-      <p:sp>
-        <p:nvSpPr>
-          <p:cNvPr id="3" name="Notes Placeholder 2"/>
-          <p:cNvSpPr>
-            <a:spLocks noGrp="1"/>
-          </p:cNvSpPr>
-          <p:nvPr>
-            <p:ph type="body" idx="1"/>
-          </p:nvPr>
-        </p:nvSpPr>
-        <p:spPr/>
-        <p:txBody>
-          <a:bodyPr/>
-          <a:lstStyle/>
-          <a:p>
-            <a:endParaRPr lang="en-US" dirty="0"/>
-          </a:p>
-        </p:txBody>
-      </p:sp>
-      <p:sp>
-        <p:nvSpPr>
-          <p:cNvPr id="4" name="Slide Number Placeholder 3"/>
-          <p:cNvSpPr>
-            <a:spLocks noGrp="1"/>
-          </p:cNvSpPr>
-          <p:nvPr>
-            <p:ph type="sldNum" sz="quarter" idx="5"/>
-          </p:nvPr>
-        </p:nvSpPr>
-        <p:spPr/>
-        <p:txBody>
-          <a:bodyPr/>
-          <a:lstStyle/>
-          <a:p>
-            <a:fld id="{22289C57-55D7-40A4-A101-E74FAC7A092B}" type="slidenum">
-              <a:rPr lang="en-US" smtClean="0"/>
-              <a:t>15</a:t>
+              <a:t>11</a:t>
             </a:fld>
             <a:endParaRPr lang="en-US" dirty="0"/>
           </a:p>
@@ -1223,28 +1120,17 @@
           <a:p>
             <a:r>
               <a:rPr lang="en-US" dirty="0"/>
-              <a:t>Future improvements- wolfram alpha</a:t>
-            </a:r>
-          </a:p>
-          <a:p>
-            <a:r>
-              <a:rPr lang="en-US" dirty="0"/>
-              <a:t>Human in the loop </a:t>
-            </a:r>
-            <a:r>
-              <a:rPr lang="en-US" dirty="0" err="1"/>
-              <a:t>langgraph</a:t>
-            </a:r>
+              <a:t>Here is a quick overview of the agenda for this presentation.</a:t>
+            </a:r>
+          </a:p>
+          <a:p>
             <a:endParaRPr lang="en-US" dirty="0"/>
           </a:p>
           <a:p>
             <a:r>
               <a:rPr lang="en-US" dirty="0"/>
-              <a:t>Conversation buffer memory</a:t>
-            </a:r>
-          </a:p>
-          <a:p>
-            <a:endParaRPr lang="en-US" dirty="0"/>
+              <a:t>We will review the problem that Simplifinance aims to solve, then dive into the </a:t>
+            </a:r>
           </a:p>
         </p:txBody>
       </p:sp>
@@ -1412,7 +1298,105 @@
           <a:bodyPr/>
           <a:lstStyle/>
           <a:p>
+            <a:pPr marL="0" indent="0">
+              <a:buFont typeface="Arial" panose="020B0604020202020204" pitchFamily="34" charset="0"/>
+              <a:buNone/>
+            </a:pPr>
+            <a:r>
+              <a:rPr lang="en-US" dirty="0"/>
+              <a:t>The problem statement can be boiled down to “Performing market research is complex and time consuming.”</a:t>
+            </a:r>
+          </a:p>
+          <a:p>
+            <a:pPr marL="0" indent="0">
+              <a:buFont typeface="Arial" panose="020B0604020202020204" pitchFamily="34" charset="0"/>
+              <a:buNone/>
+            </a:pPr>
             <a:endParaRPr lang="en-US" dirty="0"/>
+          </a:p>
+          <a:p>
+            <a:pPr marL="0" indent="0">
+              <a:buFont typeface="Arial" panose="020B0604020202020204" pitchFamily="34" charset="0"/>
+              <a:buNone/>
+            </a:pPr>
+            <a:r>
+              <a:rPr lang="en-US" dirty="0"/>
+              <a:t>For some background as to why this is important to me:</a:t>
+            </a:r>
+          </a:p>
+          <a:p>
+            <a:pPr marL="0" indent="0">
+              <a:buFont typeface="Arial" panose="020B0604020202020204" pitchFamily="34" charset="0"/>
+              <a:buNone/>
+            </a:pPr>
+            <a:endParaRPr lang="en-US" dirty="0"/>
+          </a:p>
+          <a:p>
+            <a:pPr marL="171450" indent="-171450">
+              <a:buFont typeface="Arial" panose="020B0604020202020204" pitchFamily="34" charset="0"/>
+              <a:buChar char="•"/>
+            </a:pPr>
+            <a:r>
+              <a:rPr lang="en-US" b="0" dirty="0"/>
+              <a:t>I found interest in investing at 18</a:t>
+            </a:r>
+          </a:p>
+          <a:p>
+            <a:pPr marL="171450" lvl="0" indent="-171450">
+              <a:buFont typeface="Arial" panose="020B0604020202020204" pitchFamily="34" charset="0"/>
+              <a:buChar char="•"/>
+            </a:pPr>
+            <a:r>
+              <a:rPr lang="en-US" b="0" dirty="0"/>
+              <a:t>Small NH town, minimum wage, felt trapped by </a:t>
+            </a:r>
+          </a:p>
+          <a:p>
+            <a:pPr marL="171450" lvl="0" indent="-171450">
+              <a:buFont typeface="Arial" panose="020B0604020202020204" pitchFamily="34" charset="0"/>
+              <a:buChar char="•"/>
+            </a:pPr>
+            <a:r>
+              <a:rPr lang="en-US" b="0" dirty="0"/>
+              <a:t>Wanted my money to work for me</a:t>
+            </a:r>
+          </a:p>
+          <a:p>
+            <a:pPr marL="171450" lvl="0" indent="-171450">
+              <a:buFont typeface="Arial" panose="020B0604020202020204" pitchFamily="34" charset="0"/>
+              <a:buChar char="•"/>
+            </a:pPr>
+            <a:r>
+              <a:rPr lang="en-US" b="0" dirty="0"/>
+              <a:t>Too busy with school (mechanical engineering)/work to devote time to learning the intricacies of the market</a:t>
+            </a:r>
+          </a:p>
+          <a:p>
+            <a:pPr marL="171450" lvl="0" indent="-171450">
+              <a:buFont typeface="Arial" panose="020B0604020202020204" pitchFamily="34" charset="0"/>
+              <a:buChar char="•"/>
+            </a:pPr>
+            <a:r>
+              <a:rPr lang="en-US" b="0" dirty="0"/>
+              <a:t>Saw some success with large tech stocks (Apple, Microsoft)</a:t>
+            </a:r>
+          </a:p>
+          <a:p>
+            <a:pPr marL="171450" lvl="0" indent="-171450">
+              <a:buFont typeface="Arial" panose="020B0604020202020204" pitchFamily="34" charset="0"/>
+              <a:buChar char="•"/>
+            </a:pPr>
+            <a:r>
+              <a:rPr lang="en-US" b="0" dirty="0"/>
+              <a:t>Did okay in the short term, but I learned I that I am missing some fundamental steps in becoming a good investor</a:t>
+            </a:r>
+          </a:p>
+          <a:p>
+            <a:pPr marL="0" lvl="0" indent="0">
+              <a:buFont typeface="Arial" panose="020B0604020202020204" pitchFamily="34" charset="0"/>
+              <a:buNone/>
+            </a:pPr>
+            <a:endParaRPr lang="en-US" b="0" dirty="0"/>
           </a:p>
         </p:txBody>
       </p:sp>
@@ -1433,7 +1417,7 @@
           <a:p>
             <a:fld id="{22289C57-55D7-40A4-A101-E74FAC7A092B}" type="slidenum">
               <a:rPr lang="en-US" smtClean="0"/>
-              <a:t>5</a:t>
+              <a:t>4</a:t>
             </a:fld>
             <a:endParaRPr lang="en-US" dirty="0"/>
           </a:p>
@@ -1442,7 +1426,7 @@
     </p:spTree>
     <p:extLst>
       <p:ext uri="{BB962C8B-B14F-4D97-AF65-F5344CB8AC3E}">
-        <p14:creationId xmlns:p14="http://schemas.microsoft.com/office/powerpoint/2010/main" val="2090324125"/>
+        <p14:creationId xmlns:p14="http://schemas.microsoft.com/office/powerpoint/2010/main" val="302322116"/>
       </p:ext>
     </p:extLst>
   </p:cSld>
@@ -1496,7 +1480,121 @@
           <a:bodyPr/>
           <a:lstStyle/>
           <a:p>
-            <a:endParaRPr lang="en-US" dirty="0"/>
+            <a:pPr marL="0" lvl="0" indent="0">
+              <a:buFont typeface="Arial" panose="020B0604020202020204" pitchFamily="34" charset="0"/>
+              <a:buNone/>
+            </a:pPr>
+            <a:r>
+              <a:rPr lang="en-US" b="0" dirty="0"/>
+              <a:t>Attributes of a good investor:</a:t>
+            </a:r>
+          </a:p>
+          <a:p>
+            <a:pPr marL="171450" lvl="0" indent="-171450">
+              <a:buFont typeface="Arial" panose="020B0604020202020204" pitchFamily="34" charset="0"/>
+              <a:buChar char="•"/>
+            </a:pPr>
+            <a:r>
+              <a:rPr lang="en-US" b="0" dirty="0"/>
+              <a:t>Understands the business model and core values of a company</a:t>
+            </a:r>
+          </a:p>
+          <a:p>
+            <a:pPr marL="171450" lvl="0" indent="-171450">
+              <a:buFont typeface="Arial" panose="020B0604020202020204" pitchFamily="34" charset="0"/>
+              <a:buChar char="•"/>
+            </a:pPr>
+            <a:r>
+              <a:rPr lang="en-US" b="0" dirty="0"/>
+              <a:t>Compiles up-to-date and relevant information</a:t>
+            </a:r>
+          </a:p>
+          <a:p>
+            <a:pPr marL="171450" lvl="0" indent="-171450">
+              <a:buFont typeface="Arial" panose="020B0604020202020204" pitchFamily="34" charset="0"/>
+              <a:buChar char="•"/>
+            </a:pPr>
+            <a:r>
+              <a:rPr lang="en-US" b="0" dirty="0"/>
+              <a:t>Determine the value of a company (a bit of foreshadowing… this is hard)</a:t>
+            </a:r>
+          </a:p>
+          <a:p>
+            <a:pPr marL="171450" lvl="0" indent="-171450">
+              <a:buFont typeface="Arial" panose="020B0604020202020204" pitchFamily="34" charset="0"/>
+              <a:buChar char="•"/>
+            </a:pPr>
+            <a:r>
+              <a:rPr lang="en-US" b="0" dirty="0"/>
+              <a:t>Analyze the competition</a:t>
+            </a:r>
+          </a:p>
+          <a:p>
+            <a:pPr marL="171450" lvl="0" indent="-171450">
+              <a:buFont typeface="Arial" panose="020B0604020202020204" pitchFamily="34" charset="0"/>
+              <a:buChar char="•"/>
+            </a:pPr>
+            <a:r>
+              <a:rPr lang="en-US" b="0" dirty="0"/>
+              <a:t>Diversify the portfolio</a:t>
+            </a:r>
+          </a:p>
+          <a:p>
+            <a:pPr marL="0" lvl="0" indent="0">
+              <a:buFont typeface="Arial" panose="020B0604020202020204" pitchFamily="34" charset="0"/>
+              <a:buNone/>
+            </a:pPr>
+            <a:endParaRPr lang="en-US" b="0" dirty="0"/>
+          </a:p>
+          <a:p>
+            <a:pPr marL="0" lvl="0" indent="0">
+              <a:buFont typeface="Arial" panose="020B0604020202020204" pitchFamily="34" charset="0"/>
+              <a:buNone/>
+            </a:pPr>
+            <a:r>
+              <a:rPr lang="en-US" b="0" dirty="0"/>
+              <a:t>To continue with the story… fast forward seven years</a:t>
+            </a:r>
+          </a:p>
+          <a:p>
+            <a:pPr marL="171450" lvl="0" indent="-171450">
+              <a:buFont typeface="Arial" panose="020B0604020202020204" pitchFamily="34" charset="0"/>
+              <a:buChar char="•"/>
+            </a:pPr>
+            <a:r>
+              <a:rPr lang="en-US" b="0" dirty="0"/>
+              <a:t>Now out of school</a:t>
+            </a:r>
+          </a:p>
+          <a:p>
+            <a:pPr marL="171450" lvl="0" indent="-171450">
+              <a:buFont typeface="Arial" panose="020B0604020202020204" pitchFamily="34" charset="0"/>
+              <a:buChar char="•"/>
+            </a:pPr>
+            <a:r>
+              <a:rPr lang="en-US" b="0" dirty="0"/>
+              <a:t>Shockingly, still just as busy</a:t>
+            </a:r>
+          </a:p>
+          <a:p>
+            <a:pPr marL="171450" lvl="0" indent="-171450">
+              <a:buFont typeface="Arial" panose="020B0604020202020204" pitchFamily="34" charset="0"/>
+              <a:buChar char="•"/>
+            </a:pPr>
+            <a:r>
+              <a:rPr lang="en-US" b="0" dirty="0"/>
+              <a:t>I want to continue to bridge the gap from naive to informed investor</a:t>
+            </a:r>
+          </a:p>
+          <a:p>
+            <a:pPr marL="171450" lvl="0" indent="-171450">
+              <a:buFont typeface="Arial" panose="020B0604020202020204" pitchFamily="34" charset="0"/>
+              <a:buChar char="•"/>
+            </a:pPr>
+            <a:r>
+              <a:rPr lang="en-US" b="0" dirty="0"/>
+              <a:t>Instead of devoting time to learning finance skills, I learned to code… </a:t>
+            </a:r>
           </a:p>
         </p:txBody>
       </p:sp>
@@ -1517,7 +1615,7 @@
           <a:p>
             <a:fld id="{22289C57-55D7-40A4-A101-E74FAC7A092B}" type="slidenum">
               <a:rPr lang="en-US" smtClean="0"/>
-              <a:t>6</a:t>
+              <a:t>5</a:t>
             </a:fld>
             <a:endParaRPr lang="en-US" dirty="0"/>
           </a:p>
@@ -1526,7 +1624,7 @@
     </p:spTree>
     <p:extLst>
       <p:ext uri="{BB962C8B-B14F-4D97-AF65-F5344CB8AC3E}">
-        <p14:creationId xmlns:p14="http://schemas.microsoft.com/office/powerpoint/2010/main" val="2066144023"/>
+        <p14:creationId xmlns:p14="http://schemas.microsoft.com/office/powerpoint/2010/main" val="2090324125"/>
       </p:ext>
     </p:extLst>
   </p:cSld>
@@ -1580,6 +1678,14 @@
           <a:bodyPr/>
           <a:lstStyle/>
           <a:p>
+            <a:r>
+              <a:rPr lang="en-US" dirty="0"/>
+              <a:t>From this arises </a:t>
+            </a:r>
+            <a:r>
+              <a:rPr lang="en-US" dirty="0" err="1"/>
+              <a:t>SimpliFinance</a:t>
+            </a:r>
             <a:endParaRPr lang="en-US" dirty="0"/>
           </a:p>
         </p:txBody>
@@ -1601,7 +1707,7 @@
           <a:p>
             <a:fld id="{22289C57-55D7-40A4-A101-E74FAC7A092B}" type="slidenum">
               <a:rPr lang="en-US" smtClean="0"/>
-              <a:t>7</a:t>
+              <a:t>6</a:t>
             </a:fld>
             <a:endParaRPr lang="en-US" dirty="0"/>
           </a:p>
@@ -1610,7 +1716,7 @@
     </p:spTree>
     <p:extLst>
       <p:ext uri="{BB962C8B-B14F-4D97-AF65-F5344CB8AC3E}">
-        <p14:creationId xmlns:p14="http://schemas.microsoft.com/office/powerpoint/2010/main" val="2843954456"/>
+        <p14:creationId xmlns:p14="http://schemas.microsoft.com/office/powerpoint/2010/main" val="2066144023"/>
       </p:ext>
     </p:extLst>
   </p:cSld>
@@ -1664,7 +1770,241 @@
           <a:bodyPr/>
           <a:lstStyle/>
           <a:p>
+            <a:r>
+              <a:rPr lang="en-US" dirty="0" err="1"/>
+              <a:t>SimpliFinance</a:t>
+            </a:r>
+            <a:r>
+              <a:rPr lang="en-US" dirty="0"/>
+              <a:t> integrates a large tool suite into ChatGPT’s GPT-4o model.</a:t>
+            </a:r>
+          </a:p>
+          <a:p>
             <a:endParaRPr lang="en-US" dirty="0"/>
+          </a:p>
+          <a:p>
+            <a:r>
+              <a:rPr lang="en-US" dirty="0"/>
+              <a:t>Key challenges:</a:t>
+            </a:r>
+          </a:p>
+          <a:p>
+            <a:pPr marL="171450" indent="-171450">
+              <a:buFont typeface="Arial" panose="020B0604020202020204" pitchFamily="34" charset="0"/>
+              <a:buChar char="•"/>
+            </a:pPr>
+            <a:r>
+              <a:rPr lang="en-US" dirty="0"/>
+              <a:t>GPT-4o was trained in late 2023, but the stock market is a highly dynamic, rapidly changing system</a:t>
+            </a:r>
+          </a:p>
+          <a:p>
+            <a:pPr marL="628650" lvl="1" indent="-171450">
+              <a:buFont typeface="Arial" panose="020B0604020202020204" pitchFamily="34" charset="0"/>
+              <a:buChar char="•"/>
+            </a:pPr>
+            <a:r>
+              <a:rPr lang="en-US" dirty="0"/>
+              <a:t>To tackle this custom date, time, and fiscal quarter retrieval tools were built</a:t>
+            </a:r>
+          </a:p>
+          <a:p>
+            <a:pPr marL="628650" lvl="1" indent="-171450">
+              <a:buFont typeface="Arial" panose="020B0604020202020204" pitchFamily="34" charset="0"/>
+              <a:buChar char="•"/>
+            </a:pPr>
+            <a:r>
+              <a:rPr lang="en-US" dirty="0"/>
+              <a:t>Integrated access to the Polygon API, a leading stock market database with 15 years of historical data</a:t>
+            </a:r>
+          </a:p>
+          <a:p>
+            <a:pPr marL="1085850" lvl="2" indent="-171450">
+              <a:buFont typeface="Arial" panose="020B0604020202020204" pitchFamily="34" charset="0"/>
+              <a:buChar char="•"/>
+            </a:pPr>
+            <a:r>
+              <a:rPr lang="en-US" dirty="0"/>
+              <a:t>Financials (balance sheets for a given time frame)</a:t>
+            </a:r>
+          </a:p>
+          <a:p>
+            <a:pPr marL="1085850" lvl="2" indent="-171450">
+              <a:buFont typeface="Arial" panose="020B0604020202020204" pitchFamily="34" charset="0"/>
+              <a:buChar char="•"/>
+            </a:pPr>
+            <a:r>
+              <a:rPr lang="en-US" dirty="0"/>
+              <a:t>Aggregate stock info (price on different dates, over different time frames)</a:t>
+            </a:r>
+          </a:p>
+          <a:p>
+            <a:pPr marL="628650" lvl="1" indent="-171450">
+              <a:buFont typeface="Arial" panose="020B0604020202020204" pitchFamily="34" charset="0"/>
+              <a:buChar char="•"/>
+            </a:pPr>
+            <a:r>
+              <a:rPr lang="en-US" dirty="0"/>
+              <a:t>Integrated access to the DuckDuckGo Search API (essentially a programmatically accessible search engine.)</a:t>
+            </a:r>
+          </a:p>
+          <a:p>
+            <a:pPr marL="1085850" lvl="2" indent="-171450">
+              <a:buFont typeface="Arial" panose="020B0604020202020204" pitchFamily="34" charset="0"/>
+              <a:buChar char="•"/>
+            </a:pPr>
+            <a:r>
+              <a:rPr lang="en-US" dirty="0"/>
+              <a:t>Retrieve news articles, with links</a:t>
+            </a:r>
+          </a:p>
+          <a:p>
+            <a:pPr marL="1085850" lvl="2" indent="-171450">
+              <a:buFont typeface="Arial" panose="020B0604020202020204" pitchFamily="34" charset="0"/>
+              <a:buChar char="•"/>
+            </a:pPr>
+            <a:r>
+              <a:rPr lang="en-US" dirty="0"/>
+              <a:t>Search for data that isn’t returned by the other tools</a:t>
+            </a:r>
+          </a:p>
+          <a:p>
+            <a:pPr marL="171450" lvl="0" indent="-171450">
+              <a:buFont typeface="Arial" panose="020B0604020202020204" pitchFamily="34" charset="0"/>
+              <a:buChar char="•"/>
+            </a:pPr>
+            <a:r>
+              <a:rPr lang="en-US" dirty="0"/>
+              <a:t>Retrieval Augmented Generation</a:t>
+            </a:r>
+          </a:p>
+          <a:p>
+            <a:pPr marL="628650" lvl="1" indent="-171450">
+              <a:buFont typeface="Arial" panose="020B0604020202020204" pitchFamily="34" charset="0"/>
+              <a:buChar char="•"/>
+            </a:pPr>
+            <a:r>
+              <a:rPr lang="en-US" dirty="0"/>
+              <a:t>EDGAR Database is available through the SEC</a:t>
+            </a:r>
+          </a:p>
+          <a:p>
+            <a:pPr marL="628650" lvl="1" indent="-171450">
+              <a:buFont typeface="Arial" panose="020B0604020202020204" pitchFamily="34" charset="0"/>
+              <a:buChar char="•"/>
+            </a:pPr>
+            <a:r>
+              <a:rPr lang="en-US" dirty="0"/>
+              <a:t>This database contains </a:t>
+            </a:r>
+            <a:r>
+              <a:rPr lang="en-US" b="1" dirty="0"/>
+              <a:t>ALL</a:t>
+            </a:r>
+            <a:r>
+              <a:rPr lang="en-US" b="0" dirty="0"/>
+              <a:t> of the financial filings for every publicly traded company</a:t>
+            </a:r>
+          </a:p>
+          <a:p>
+            <a:pPr marL="628650" lvl="1" indent="-171450">
+              <a:buFont typeface="Arial" panose="020B0604020202020204" pitchFamily="34" charset="0"/>
+              <a:buChar char="•"/>
+            </a:pPr>
+            <a:r>
+              <a:rPr lang="en-US" b="0" dirty="0"/>
+              <a:t>Pulled the most recent reports for every company in the S&amp;P 500</a:t>
+            </a:r>
+          </a:p>
+          <a:p>
+            <a:pPr marL="1085850" lvl="2" indent="-171450">
+              <a:buFont typeface="Arial" panose="020B0604020202020204" pitchFamily="34" charset="0"/>
+              <a:buChar char="•"/>
+            </a:pPr>
+            <a:r>
+              <a:rPr lang="en-US" b="0" dirty="0"/>
+              <a:t>10-K, for example</a:t>
+            </a:r>
+          </a:p>
+          <a:p>
+            <a:pPr marL="1543050" lvl="3" indent="-171450">
+              <a:buFont typeface="Arial" panose="020B0604020202020204" pitchFamily="34" charset="0"/>
+              <a:buChar char="•"/>
+            </a:pPr>
+            <a:r>
+              <a:rPr lang="en-US" b="0" dirty="0"/>
+              <a:t>Exhaustive, audited report on the financial health of the company</a:t>
+            </a:r>
+          </a:p>
+          <a:p>
+            <a:pPr marL="628650" lvl="1" indent="-171450">
+              <a:buFont typeface="Arial" panose="020B0604020202020204" pitchFamily="34" charset="0"/>
+              <a:buChar char="•"/>
+            </a:pPr>
+            <a:r>
+              <a:rPr lang="en-US" b="0" dirty="0"/>
+              <a:t>These reports are very useful for understanding business operations and leadership decisions</a:t>
+            </a:r>
+          </a:p>
+          <a:p>
+            <a:pPr marL="1085850" lvl="2" indent="-171450">
+              <a:buFont typeface="Arial" panose="020B0604020202020204" pitchFamily="34" charset="0"/>
+              <a:buChar char="•"/>
+            </a:pPr>
+            <a:r>
+              <a:rPr lang="en-US" b="0" dirty="0"/>
+              <a:t>This information may not be public otherwise.</a:t>
+            </a:r>
+          </a:p>
+          <a:p>
+            <a:pPr marL="171450" lvl="0" indent="-171450">
+              <a:buFont typeface="Arial" panose="020B0604020202020204" pitchFamily="34" charset="0"/>
+              <a:buChar char="•"/>
+            </a:pPr>
+            <a:r>
+              <a:rPr lang="en-US" b="0" dirty="0"/>
+              <a:t>Custom analysis tools</a:t>
+            </a:r>
+          </a:p>
+          <a:p>
+            <a:pPr marL="628650" lvl="1" indent="-171450">
+              <a:buFont typeface="Arial" panose="020B0604020202020204" pitchFamily="34" charset="0"/>
+              <a:buChar char="•"/>
+            </a:pPr>
+            <a:r>
+              <a:rPr lang="en-US" b="0" dirty="0"/>
+              <a:t>Retrieve Discounted Cash Flow valuation </a:t>
+            </a:r>
+          </a:p>
+          <a:p>
+            <a:pPr marL="1085850" lvl="2" indent="-171450">
+              <a:buFont typeface="Arial" panose="020B0604020202020204" pitchFamily="34" charset="0"/>
+              <a:buChar char="•"/>
+            </a:pPr>
+            <a:r>
+              <a:rPr lang="en-US" b="0" dirty="0"/>
+              <a:t>Based on historical cash flow, projected future cash flow, growth rate of the stock and several other factors.</a:t>
+            </a:r>
+          </a:p>
+          <a:p>
+            <a:pPr marL="1085850" lvl="2" indent="-171450">
+              <a:buFont typeface="Arial" panose="020B0604020202020204" pitchFamily="34" charset="0"/>
+              <a:buChar char="•"/>
+            </a:pPr>
+            <a:r>
+              <a:rPr lang="en-US" b="0" dirty="0"/>
+              <a:t>Common valuation tool that is very complex and requires a large amount of data</a:t>
+            </a:r>
+          </a:p>
+          <a:p>
+            <a:pPr marL="628650" lvl="1" indent="-171450">
+              <a:buFont typeface="Arial" panose="020B0604020202020204" pitchFamily="34" charset="0"/>
+              <a:buChar char="•"/>
+            </a:pPr>
+            <a:r>
+              <a:rPr lang="en-US" b="0" dirty="0"/>
+              <a:t>Custom function to compute the valuation of a stock based on the current stock price and the DCF valuation</a:t>
+            </a:r>
           </a:p>
         </p:txBody>
       </p:sp>
@@ -1685,7 +2025,7 @@
           <a:p>
             <a:fld id="{22289C57-55D7-40A4-A101-E74FAC7A092B}" type="slidenum">
               <a:rPr lang="en-US" smtClean="0"/>
-              <a:t>8</a:t>
+              <a:t>7</a:t>
             </a:fld>
             <a:endParaRPr lang="en-US" dirty="0"/>
           </a:p>
@@ -1694,7 +2034,7 @@
     </p:spTree>
     <p:extLst>
       <p:ext uri="{BB962C8B-B14F-4D97-AF65-F5344CB8AC3E}">
-        <p14:creationId xmlns:p14="http://schemas.microsoft.com/office/powerpoint/2010/main" val="4133499905"/>
+        <p14:creationId xmlns:p14="http://schemas.microsoft.com/office/powerpoint/2010/main" val="2843954456"/>
       </p:ext>
     </p:extLst>
   </p:cSld>
@@ -1748,6 +2088,237 @@
           <a:bodyPr/>
           <a:lstStyle/>
           <a:p>
+            <a:r>
+              <a:rPr lang="en-US" dirty="0" err="1"/>
+              <a:t>SimpliFinance</a:t>
+            </a:r>
+            <a:r>
+              <a:rPr lang="en-US" dirty="0"/>
+              <a:t> was developed with this ‘Hierarchy of Criticality’</a:t>
+            </a:r>
+          </a:p>
+          <a:p>
+            <a:endParaRPr lang="en-US" dirty="0"/>
+          </a:p>
+          <a:p>
+            <a:r>
+              <a:rPr lang="en-US" dirty="0"/>
+              <a:t>At the top:</a:t>
+            </a:r>
+          </a:p>
+          <a:p>
+            <a:pPr marL="171450" indent="-171450">
+              <a:buFont typeface="Arial" panose="020B0604020202020204" pitchFamily="34" charset="0"/>
+              <a:buChar char="•"/>
+            </a:pPr>
+            <a:r>
+              <a:rPr lang="en-US" dirty="0"/>
+              <a:t>Accuracy</a:t>
+            </a:r>
+          </a:p>
+          <a:p>
+            <a:pPr marL="628650" lvl="1" indent="-171450">
+              <a:buFont typeface="Arial" panose="020B0604020202020204" pitchFamily="34" charset="0"/>
+              <a:buChar char="•"/>
+            </a:pPr>
+            <a:r>
+              <a:rPr lang="en-US" dirty="0"/>
+              <a:t>All information returned to the user should be factually correct and grounded by a source</a:t>
+            </a:r>
+          </a:p>
+          <a:p>
+            <a:pPr marL="628650" lvl="1" indent="-171450">
+              <a:buFont typeface="Arial" panose="020B0604020202020204" pitchFamily="34" charset="0"/>
+              <a:buChar char="•"/>
+            </a:pPr>
+            <a:r>
+              <a:rPr lang="en-US" dirty="0"/>
+              <a:t>GPT-4o should not implicitly compute any of the values of interest</a:t>
+            </a:r>
+          </a:p>
+          <a:p>
+            <a:pPr marL="171450" lvl="0" indent="-171450">
+              <a:buFont typeface="Arial" panose="020B0604020202020204" pitchFamily="34" charset="0"/>
+              <a:buChar char="•"/>
+            </a:pPr>
+            <a:r>
+              <a:rPr lang="en-US" dirty="0"/>
+              <a:t>Versatility</a:t>
+            </a:r>
+          </a:p>
+          <a:p>
+            <a:pPr marL="628650" lvl="1" indent="-171450">
+              <a:buFont typeface="Arial" panose="020B0604020202020204" pitchFamily="34" charset="0"/>
+              <a:buChar char="•"/>
+            </a:pPr>
+            <a:r>
+              <a:rPr lang="en-US" dirty="0"/>
+              <a:t>Maintain a lot of the core functionality of GPT-4o, try not to confine it to a specific use case</a:t>
+            </a:r>
+          </a:p>
+          <a:p>
+            <a:pPr marL="1085850" lvl="2" indent="-171450">
+              <a:buFont typeface="Arial" panose="020B0604020202020204" pitchFamily="34" charset="0"/>
+              <a:buChar char="•"/>
+            </a:pPr>
+            <a:r>
+              <a:rPr lang="en-US" dirty="0"/>
+              <a:t>Can be used as a ‘funny cat video’ search tool </a:t>
+            </a:r>
+          </a:p>
+          <a:p>
+            <a:pPr marL="628650" lvl="1" indent="-171450">
+              <a:buFont typeface="Arial" panose="020B0604020202020204" pitchFamily="34" charset="0"/>
+              <a:buChar char="•"/>
+            </a:pPr>
+            <a:r>
+              <a:rPr lang="en-US" dirty="0"/>
+              <a:t>Access to a vast, interwoven tool set </a:t>
+            </a:r>
+          </a:p>
+          <a:p>
+            <a:pPr marL="1085850" lvl="2" indent="-171450">
+              <a:buFont typeface="Arial" panose="020B0604020202020204" pitchFamily="34" charset="0"/>
+              <a:buChar char="•"/>
+            </a:pPr>
+            <a:r>
+              <a:rPr lang="en-US" dirty="0"/>
+              <a:t>Each tool has a dedicated purpose, some tools are required to utilize other tools</a:t>
+            </a:r>
+          </a:p>
+          <a:p>
+            <a:pPr marL="171450" lvl="0" indent="-171450">
+              <a:buFont typeface="Arial" panose="020B0604020202020204" pitchFamily="34" charset="0"/>
+              <a:buChar char="•"/>
+            </a:pPr>
+            <a:r>
+              <a:rPr lang="en-US" dirty="0"/>
+              <a:t>Redundant data sources</a:t>
+            </a:r>
+          </a:p>
+          <a:p>
+            <a:pPr marL="628650" lvl="1" indent="-171450">
+              <a:buFont typeface="Arial" panose="020B0604020202020204" pitchFamily="34" charset="0"/>
+              <a:buChar char="•"/>
+            </a:pPr>
+            <a:r>
+              <a:rPr lang="en-US" dirty="0"/>
+              <a:t>The model can retrieve the same information from multiple sources</a:t>
+            </a:r>
+          </a:p>
+          <a:p>
+            <a:pPr marL="1085850" lvl="2" indent="-171450">
+              <a:buFont typeface="Arial" panose="020B0604020202020204" pitchFamily="34" charset="0"/>
+              <a:buChar char="•"/>
+            </a:pPr>
+            <a:r>
+              <a:rPr lang="en-US" dirty="0"/>
+              <a:t>That said, each source may provide unique data that is relevant to the target information.</a:t>
+            </a:r>
+          </a:p>
+          <a:p>
+            <a:pPr marL="1085850" lvl="2" indent="-171450">
+              <a:buFont typeface="Arial" panose="020B0604020202020204" pitchFamily="34" charset="0"/>
+              <a:buChar char="•"/>
+            </a:pPr>
+            <a:r>
+              <a:rPr lang="en-US" dirty="0"/>
+              <a:t>The model can discern which source is optimal based on the language of the input from the user.</a:t>
+            </a:r>
+          </a:p>
+          <a:p>
+            <a:pPr marL="0" lvl="0" indent="0">
+              <a:buFont typeface="Arial" panose="020B0604020202020204" pitchFamily="34" charset="0"/>
+              <a:buNone/>
+            </a:pPr>
+            <a:endParaRPr lang="en-US" dirty="0"/>
+          </a:p>
+          <a:p>
+            <a:pPr marL="0" lvl="0" indent="0">
+              <a:buFont typeface="Arial" panose="020B0604020202020204" pitchFamily="34" charset="0"/>
+              <a:buNone/>
+            </a:pPr>
+            <a:r>
+              <a:rPr lang="en-US" dirty="0"/>
+              <a:t>The next tier includes response time and an intuitive UI</a:t>
+            </a:r>
+          </a:p>
+          <a:p>
+            <a:pPr marL="171450" lvl="0" indent="-171450">
+              <a:buFont typeface="Arial" panose="020B0604020202020204" pitchFamily="34" charset="0"/>
+              <a:buChar char="•"/>
+            </a:pPr>
+            <a:r>
+              <a:rPr lang="en-US" dirty="0"/>
+              <a:t>Selected GPT-4o for performance</a:t>
+            </a:r>
+          </a:p>
+          <a:p>
+            <a:pPr marL="171450" lvl="0" indent="-171450">
+              <a:buFont typeface="Arial" panose="020B0604020202020204" pitchFamily="34" charset="0"/>
+              <a:buChar char="•"/>
+            </a:pPr>
+            <a:r>
+              <a:rPr lang="en-US" dirty="0"/>
+              <a:t>Provide base prompt that showcase some of the best use cases for the application</a:t>
+            </a:r>
+          </a:p>
+          <a:p>
+            <a:pPr marL="171450" lvl="0" indent="-171450">
+              <a:buFont typeface="Arial" panose="020B0604020202020204" pitchFamily="34" charset="0"/>
+              <a:buChar char="•"/>
+            </a:pPr>
+            <a:endParaRPr lang="en-US" dirty="0"/>
+          </a:p>
+          <a:p>
+            <a:pPr marL="0" lvl="0" indent="0">
+              <a:buFont typeface="Arial" panose="020B0604020202020204" pitchFamily="34" charset="0"/>
+              <a:buNone/>
+            </a:pPr>
+            <a:r>
+              <a:rPr lang="en-US" dirty="0"/>
+              <a:t>Next, I wanted streamed responses. This is a great indication to the user that the model is actively working on the task at hand</a:t>
+            </a:r>
+          </a:p>
+          <a:p>
+            <a:pPr marL="0" lvl="0" indent="0">
+              <a:buFont typeface="Arial" panose="020B0604020202020204" pitchFamily="34" charset="0"/>
+              <a:buNone/>
+            </a:pPr>
+            <a:endParaRPr lang="en-US" dirty="0"/>
+          </a:p>
+          <a:p>
+            <a:pPr marL="0" lvl="0" indent="0">
+              <a:buFont typeface="Arial" panose="020B0604020202020204" pitchFamily="34" charset="0"/>
+              <a:buNone/>
+            </a:pPr>
+            <a:r>
+              <a:rPr lang="en-US" dirty="0"/>
+              <a:t>Finally, some additional features that we will touch on later that did not make it to the current version of the application.</a:t>
+            </a:r>
+          </a:p>
+          <a:p>
+            <a:pPr marL="0" lvl="0" indent="0">
+              <a:buFont typeface="Arial" panose="020B0604020202020204" pitchFamily="34" charset="0"/>
+              <a:buNone/>
+            </a:pPr>
+            <a:endParaRPr lang="en-US" dirty="0"/>
+          </a:p>
+          <a:p>
+            <a:pPr marL="0" lvl="0" indent="0">
+              <a:buFont typeface="Arial" panose="020B0604020202020204" pitchFamily="34" charset="0"/>
+              <a:buNone/>
+            </a:pPr>
+            <a:r>
+              <a:rPr lang="en-US" dirty="0"/>
+              <a:t>With that, let’s move to the demonstration:</a:t>
+            </a:r>
+          </a:p>
+          <a:p>
+            <a:pPr marL="0" lvl="0" indent="0">
+              <a:buFont typeface="Arial" panose="020B0604020202020204" pitchFamily="34" charset="0"/>
+              <a:buNone/>
+            </a:pPr>
             <a:endParaRPr lang="en-US" dirty="0"/>
           </a:p>
         </p:txBody>
@@ -1769,7 +2340,7 @@
           <a:p>
             <a:fld id="{22289C57-55D7-40A4-A101-E74FAC7A092B}" type="slidenum">
               <a:rPr lang="en-US" smtClean="0"/>
-              <a:t>9</a:t>
+              <a:t>8</a:t>
             </a:fld>
             <a:endParaRPr lang="en-US" dirty="0"/>
           </a:p>
@@ -1778,7 +2349,7 @@
     </p:spTree>
     <p:extLst>
       <p:ext uri="{BB962C8B-B14F-4D97-AF65-F5344CB8AC3E}">
-        <p14:creationId xmlns:p14="http://schemas.microsoft.com/office/powerpoint/2010/main" val="1025326889"/>
+        <p14:creationId xmlns:p14="http://schemas.microsoft.com/office/powerpoint/2010/main" val="4133499905"/>
       </p:ext>
     </p:extLst>
   </p:cSld>
@@ -1832,6 +2403,91 @@
           <a:bodyPr/>
           <a:lstStyle/>
           <a:p>
+            <a:pPr marL="171450" indent="-171450">
+              <a:buFont typeface="Arial" panose="020B0604020202020204" pitchFamily="34" charset="0"/>
+              <a:buChar char="•"/>
+            </a:pPr>
+            <a:r>
+              <a:rPr lang="en-US" dirty="0"/>
+              <a:t>Select each of the seed prompts and review the responses</a:t>
+            </a:r>
+          </a:p>
+          <a:p>
+            <a:pPr marL="171450" indent="-171450">
+              <a:buFont typeface="Arial" panose="020B0604020202020204" pitchFamily="34" charset="0"/>
+              <a:buChar char="•"/>
+            </a:pPr>
+            <a:r>
+              <a:rPr lang="en-US" dirty="0"/>
+              <a:t>If running low on time, highlight market research and financial analysis</a:t>
+            </a:r>
+          </a:p>
+          <a:p>
+            <a:pPr marL="171450" indent="-171450">
+              <a:buFont typeface="Arial" panose="020B0604020202020204" pitchFamily="34" charset="0"/>
+              <a:buChar char="•"/>
+            </a:pPr>
+            <a:r>
+              <a:rPr lang="en-US" dirty="0"/>
+              <a:t>Prove that it can be used as a funny cat video search engine</a:t>
+            </a:r>
+          </a:p>
+          <a:p>
+            <a:pPr marL="0" indent="0">
+              <a:buFont typeface="Arial" panose="020B0604020202020204" pitchFamily="34" charset="0"/>
+              <a:buNone/>
+            </a:pPr>
+            <a:endParaRPr lang="en-US" b="0" i="0" dirty="0">
+              <a:solidFill>
+                <a:srgbClr val="EEEEEE"/>
+              </a:solidFill>
+              <a:effectLst/>
+              <a:highlight>
+                <a:srgbClr val="212121"/>
+              </a:highlight>
+              <a:latin typeface="Inter"/>
+            </a:endParaRPr>
+          </a:p>
+          <a:p>
+            <a:pPr marL="0" indent="0">
+              <a:buFont typeface="Arial" panose="020B0604020202020204" pitchFamily="34" charset="0"/>
+              <a:buNone/>
+            </a:pPr>
+            <a:r>
+              <a:rPr lang="en-US" b="0" i="0" dirty="0">
+                <a:solidFill>
+                  <a:srgbClr val="EEEEEE"/>
+                </a:solidFill>
+                <a:effectLst/>
+                <a:highlight>
+                  <a:srgbClr val="212121"/>
+                </a:highlight>
+                <a:latin typeface="Inter"/>
+              </a:rPr>
+              <a:t>Can you find me links to funny cat videos</a:t>
+            </a:r>
+          </a:p>
+          <a:p>
+            <a:pPr marL="0" indent="0">
+              <a:buFont typeface="Arial" panose="020B0604020202020204" pitchFamily="34" charset="0"/>
+              <a:buNone/>
+            </a:pPr>
+            <a:endParaRPr lang="en-US" b="0" i="0" dirty="0">
+              <a:solidFill>
+                <a:srgbClr val="EEEEEE"/>
+              </a:solidFill>
+              <a:effectLst/>
+              <a:highlight>
+                <a:srgbClr val="212121"/>
+              </a:highlight>
+              <a:latin typeface="Inter"/>
+            </a:endParaRPr>
+          </a:p>
+          <a:p>
+            <a:pPr marL="0" indent="0">
+              <a:buFont typeface="Arial" panose="020B0604020202020204" pitchFamily="34" charset="0"/>
+              <a:buNone/>
+            </a:pPr>
             <a:endParaRPr lang="en-US" dirty="0"/>
           </a:p>
         </p:txBody>
@@ -1853,7 +2509,7 @@
           <a:p>
             <a:fld id="{22289C57-55D7-40A4-A101-E74FAC7A092B}" type="slidenum">
               <a:rPr lang="en-US" smtClean="0"/>
-              <a:t>10</a:t>
+              <a:t>9</a:t>
             </a:fld>
             <a:endParaRPr lang="en-US" dirty="0"/>
           </a:p>
@@ -1862,7 +2518,7 @@
     </p:spTree>
     <p:extLst>
       <p:ext uri="{BB962C8B-B14F-4D97-AF65-F5344CB8AC3E}">
-        <p14:creationId xmlns:p14="http://schemas.microsoft.com/office/powerpoint/2010/main" val="236659336"/>
+        <p14:creationId xmlns:p14="http://schemas.microsoft.com/office/powerpoint/2010/main" val="2904921313"/>
       </p:ext>
     </p:extLst>
   </p:cSld>
@@ -2235,10 +2891,7 @@
             </a:lvl1pPr>
           </a:lstStyle>
           <a:p>
-            <a:r>
-              <a:rPr lang="en-US" dirty="0"/>
-              <a:t>PRESENTATION TITLE</a:t>
-            </a:r>
+            <a:endParaRPr lang="en-US" dirty="0"/>
           </a:p>
         </p:txBody>
       </p:sp>
@@ -2887,10 +3540,7 @@
             </a:lvl1pPr>
           </a:lstStyle>
           <a:p>
-            <a:r>
-              <a:rPr lang="en-US" dirty="0"/>
-              <a:t>PRESENTATION TITLE</a:t>
-            </a:r>
+            <a:endParaRPr lang="en-US" dirty="0"/>
           </a:p>
         </p:txBody>
       </p:sp>
@@ -3228,10 +3878,7 @@
             </a:lvl1pPr>
           </a:lstStyle>
           <a:p>
-            <a:r>
-              <a:rPr lang="en-US" dirty="0"/>
-              <a:t>PRESENTATION TITLE</a:t>
-            </a:r>
+            <a:endParaRPr lang="en-US" dirty="0"/>
           </a:p>
         </p:txBody>
       </p:sp>
@@ -3503,10 +4150,7 @@
             </a:lvl1pPr>
           </a:lstStyle>
           <a:p>
-            <a:r>
-              <a:rPr lang="en-US" dirty="0"/>
-              <a:t>PRESENTATION TITLE</a:t>
-            </a:r>
+            <a:endParaRPr lang="en-US" dirty="0"/>
           </a:p>
         </p:txBody>
       </p:sp>
@@ -3833,10 +4477,7 @@
             </a:lvl1pPr>
           </a:lstStyle>
           <a:p>
-            <a:r>
-              <a:rPr lang="en-US" dirty="0"/>
-              <a:t>PRESENTATION TITLE</a:t>
-            </a:r>
+            <a:endParaRPr lang="en-US" dirty="0"/>
           </a:p>
         </p:txBody>
       </p:sp>
@@ -4703,10 +5344,7 @@
             </a:lvl1pPr>
           </a:lstStyle>
           <a:p>
-            <a:r>
-              <a:rPr lang="en-US" dirty="0"/>
-              <a:t>PRESENTATION TITLE</a:t>
-            </a:r>
+            <a:endParaRPr lang="en-US" dirty="0"/>
           </a:p>
         </p:txBody>
       </p:sp>
@@ -5415,10 +6053,7 @@
             </a:lvl1pPr>
           </a:lstStyle>
           <a:p>
-            <a:r>
-              <a:rPr lang="en-US" dirty="0"/>
-              <a:t>PRESENTATION TITLE</a:t>
-            </a:r>
+            <a:endParaRPr lang="en-US" dirty="0"/>
           </a:p>
         </p:txBody>
       </p:sp>
@@ -6070,10 +6705,7 @@
             </a:lvl1pPr>
           </a:lstStyle>
           <a:p>
-            <a:r>
-              <a:rPr lang="en-US" dirty="0"/>
-              <a:t>PRESENTATION TITLE</a:t>
-            </a:r>
+            <a:endParaRPr lang="en-US" dirty="0"/>
           </a:p>
         </p:txBody>
       </p:sp>
@@ -6459,10 +7091,7 @@
             </a:lvl1pPr>
           </a:lstStyle>
           <a:p>
-            <a:r>
-              <a:rPr lang="en-US" dirty="0"/>
-              <a:t>PRESENTATION TITLE</a:t>
-            </a:r>
+            <a:endParaRPr lang="en-US" dirty="0"/>
           </a:p>
         </p:txBody>
       </p:sp>
@@ -6855,10 +7484,7 @@
             </a:lvl1pPr>
           </a:lstStyle>
           <a:p>
-            <a:r>
-              <a:rPr lang="en-US" dirty="0"/>
-              <a:t>PRESENTATION TITLE</a:t>
-            </a:r>
+            <a:endParaRPr lang="en-US" dirty="0"/>
           </a:p>
         </p:txBody>
       </p:sp>
@@ -7251,8 +7877,8 @@
         </p:nvSpPr>
         <p:spPr>
           <a:xfrm>
-            <a:off x="6740091" y="3594834"/>
-            <a:ext cx="4941771" cy="3200400"/>
+            <a:off x="7478400" y="4898936"/>
+            <a:ext cx="4179570" cy="1524735"/>
           </a:xfrm>
         </p:spPr>
         <p:txBody>
@@ -7260,7 +7886,7 @@
           <a:lstStyle/>
           <a:p>
             <a:r>
-              <a:rPr lang="en-US" dirty="0" err="1"/>
+              <a:rPr lang="en-US" dirty="0"/>
               <a:t>Simplifinance</a:t>
             </a:r>
             <a:br>
@@ -7311,7 +7937,7 @@
           <p:cNvPr id="2" name="Title 1">
             <a:extLst>
               <a:ext uri="{FF2B5EF4-FFF2-40B4-BE49-F238E27FC236}">
-                <a16:creationId xmlns:a16="http://schemas.microsoft.com/office/drawing/2014/main" id="{8B27D9B3-B64F-656A-0D99-161A6C0F518F}"/>
+                <a16:creationId xmlns:a16="http://schemas.microsoft.com/office/drawing/2014/main" id="{F144646A-3670-66FD-F4B5-8A019C4E13B9}"/>
               </a:ext>
             </a:extLst>
           </p:cNvPr>
@@ -7322,29 +7948,24 @@
             <p:ph type="title"/>
           </p:nvPr>
         </p:nvSpPr>
-        <p:spPr>
-          <a:xfrm>
-            <a:off x="1341120" y="558801"/>
-            <a:ext cx="9953308" cy="1780860"/>
-          </a:xfrm>
-        </p:spPr>
+        <p:spPr/>
         <p:txBody>
           <a:bodyPr/>
           <a:lstStyle/>
           <a:p>
             <a:r>
               <a:rPr lang="en-US" dirty="0"/>
-              <a:t>Navigating Q&amp;A Sessions</a:t>
+              <a:t>What’s next?</a:t>
             </a:r>
           </a:p>
         </p:txBody>
       </p:sp>
       <p:sp>
         <p:nvSpPr>
-          <p:cNvPr id="13" name="Text Placeholder 12">
+          <p:cNvPr id="3" name="Content Placeholder 2">
             <a:extLst>
               <a:ext uri="{FF2B5EF4-FFF2-40B4-BE49-F238E27FC236}">
-                <a16:creationId xmlns:a16="http://schemas.microsoft.com/office/drawing/2014/main" id="{7E5B6E40-3A7D-ACF7-AA38-25977D322D81}"/>
+                <a16:creationId xmlns:a16="http://schemas.microsoft.com/office/drawing/2014/main" id="{63BD7449-5BAD-136D-431A-8063C6DB349A}"/>
               </a:ext>
             </a:extLst>
           </p:cNvPr>
@@ -7352,46 +7973,13 @@
             <a:spLocks noGrp="1"/>
           </p:cNvSpPr>
           <p:nvPr>
-            <p:ph type="body" idx="1"/>
+            <p:ph idx="1"/>
           </p:nvPr>
         </p:nvSpPr>
         <p:spPr>
           <a:xfrm>
-            <a:off x="1341120" y="2960877"/>
-            <a:ext cx="2722880" cy="351284"/>
-          </a:xfrm>
-        </p:spPr>
-        <p:txBody>
-          <a:bodyPr/>
-          <a:lstStyle/>
-          <a:p>
-            <a:r>
-              <a:rPr lang="en-US" dirty="0"/>
-              <a:t>Preparing for questions</a:t>
-            </a:r>
-          </a:p>
-        </p:txBody>
-      </p:sp>
-      <p:sp>
-        <p:nvSpPr>
-          <p:cNvPr id="36" name="Content Placeholder 35">
-            <a:extLst>
-              <a:ext uri="{FF2B5EF4-FFF2-40B4-BE49-F238E27FC236}">
-                <a16:creationId xmlns:a16="http://schemas.microsoft.com/office/drawing/2014/main" id="{E71298F0-74F1-FECA-0F02-495F9A2EBA7B}"/>
-              </a:ext>
-            </a:extLst>
-          </p:cNvPr>
-          <p:cNvSpPr>
-            <a:spLocks noGrp="1"/>
-          </p:cNvSpPr>
-          <p:nvPr>
-            <p:ph sz="half" idx="15"/>
-          </p:nvPr>
-        </p:nvSpPr>
-        <p:spPr>
-          <a:xfrm>
-            <a:off x="1341120" y="3392035"/>
-            <a:ext cx="2722880" cy="2907164"/>
+            <a:off x="1333500" y="2674012"/>
+            <a:ext cx="3080100" cy="3741187"/>
           </a:xfrm>
         </p:spPr>
         <p:txBody>
@@ -7400,31 +7988,53 @@
           </a:bodyPr>
           <a:lstStyle/>
           <a:p>
-            <a:r>
-              <a:rPr lang="en-US" dirty="0"/>
-              <a:t>Know your material in advance</a:t>
-            </a:r>
-          </a:p>
-          <a:p>
-            <a:r>
-              <a:rPr lang="en-US" dirty="0"/>
-              <a:t>Anticipate common questions</a:t>
-            </a:r>
-          </a:p>
-          <a:p>
-            <a:r>
-              <a:rPr lang="en-US" dirty="0"/>
-              <a:t>Rehearse your responses</a:t>
+            <a:pPr marL="285750" indent="-285750">
+              <a:buFont typeface="Arial" panose="020B0604020202020204" pitchFamily="34" charset="0"/>
+              <a:buChar char="•"/>
+            </a:pPr>
+            <a:r>
+              <a:rPr lang="en-US" dirty="0"/>
+              <a:t>Integrate portfolio analysis</a:t>
+            </a:r>
+          </a:p>
+          <a:p>
+            <a:pPr marL="285750" indent="-285750">
+              <a:buFont typeface="Arial" panose="020B0604020202020204" pitchFamily="34" charset="0"/>
+              <a:buChar char="•"/>
+            </a:pPr>
+            <a:r>
+              <a:rPr lang="en-US" dirty="0"/>
+              <a:t>Chat history/contextual memory</a:t>
+            </a:r>
+          </a:p>
+          <a:p>
+            <a:pPr marL="285750" indent="-285750">
+              <a:buFont typeface="Arial" panose="020B0604020202020204" pitchFamily="34" charset="0"/>
+              <a:buChar char="•"/>
+            </a:pPr>
+            <a:r>
+              <a:rPr lang="en-US" dirty="0"/>
+              <a:t>Less precision of speech required by the user</a:t>
+            </a:r>
+          </a:p>
+          <a:p>
+            <a:pPr marL="285750" indent="-285750">
+              <a:buFont typeface="Arial" panose="020B0604020202020204" pitchFamily="34" charset="0"/>
+              <a:buChar char="•"/>
+            </a:pPr>
+            <a:r>
+              <a:rPr lang="en-US" dirty="0"/>
+              <a:t>Generally, improve repeatability and fix bugs</a:t>
             </a:r>
           </a:p>
         </p:txBody>
       </p:sp>
       <p:sp>
         <p:nvSpPr>
-          <p:cNvPr id="15" name="Text Placeholder 14">
+          <p:cNvPr id="4" name="Slide Number Placeholder 3">
             <a:extLst>
               <a:ext uri="{FF2B5EF4-FFF2-40B4-BE49-F238E27FC236}">
-                <a16:creationId xmlns:a16="http://schemas.microsoft.com/office/drawing/2014/main" id="{A536BD54-EFA1-25A2-9F04-4F22C36E2A5D}"/>
+                <a16:creationId xmlns:a16="http://schemas.microsoft.com/office/drawing/2014/main" id="{1649C688-7A06-838D-9AF0-E7DAA06138FC}"/>
               </a:ext>
             </a:extLst>
           </p:cNvPr>
@@ -7432,114 +8042,10 @@
             <a:spLocks noGrp="1"/>
           </p:cNvSpPr>
           <p:nvPr>
-            <p:ph type="body" idx="10"/>
+            <p:ph type="sldNum" sz="quarter" idx="12"/>
           </p:nvPr>
         </p:nvSpPr>
-        <p:spPr>
-          <a:xfrm>
-            <a:off x="4754881" y="2960877"/>
-            <a:ext cx="5516880" cy="351284"/>
-          </a:xfrm>
-        </p:spPr>
-        <p:txBody>
-          <a:bodyPr/>
-          <a:lstStyle/>
-          <a:p>
-            <a:r>
-              <a:rPr lang="en-US" dirty="0"/>
-              <a:t>Maintaining composure</a:t>
-            </a:r>
-          </a:p>
-          <a:p>
-            <a:endParaRPr lang="en-US" dirty="0"/>
-          </a:p>
-        </p:txBody>
-      </p:sp>
-      <p:sp>
-        <p:nvSpPr>
-          <p:cNvPr id="14" name="Content Placeholder 13">
-            <a:extLst>
-              <a:ext uri="{FF2B5EF4-FFF2-40B4-BE49-F238E27FC236}">
-                <a16:creationId xmlns:a16="http://schemas.microsoft.com/office/drawing/2014/main" id="{5112969F-EB84-49D5-7100-1FB28870FB30}"/>
-              </a:ext>
-            </a:extLst>
-          </p:cNvPr>
-          <p:cNvSpPr>
-            <a:spLocks noGrp="1"/>
-          </p:cNvSpPr>
-          <p:nvPr>
-            <p:ph sz="half" idx="14"/>
-          </p:nvPr>
-        </p:nvSpPr>
-        <p:spPr>
-          <a:xfrm>
-            <a:off x="4754881" y="3324859"/>
-            <a:ext cx="5506720" cy="3031489"/>
-          </a:xfrm>
-        </p:spPr>
-        <p:txBody>
-          <a:bodyPr>
-            <a:normAutofit/>
-          </a:bodyPr>
-          <a:lstStyle/>
-          <a:p>
-            <a:r>
-              <a:rPr lang="en-US" dirty="0"/>
-              <a:t>Maintaining composure during the Q&amp;A session is essential for projecting confidence and authority. Consider the following tips for staying composed:</a:t>
-            </a:r>
-          </a:p>
-          <a:p>
-            <a:pPr lvl="1"/>
-            <a:r>
-              <a:rPr lang="en-US" dirty="0"/>
-              <a:t>Stay calm</a:t>
-            </a:r>
-          </a:p>
-          <a:p>
-            <a:pPr lvl="1"/>
-            <a:r>
-              <a:rPr lang="en-US" dirty="0"/>
-              <a:t>Actively listen</a:t>
-            </a:r>
-          </a:p>
-          <a:p>
-            <a:pPr lvl="1"/>
-            <a:r>
-              <a:rPr lang="en-US" dirty="0"/>
-              <a:t>Pause and reflect</a:t>
-            </a:r>
-          </a:p>
-          <a:p>
-            <a:pPr lvl="1"/>
-            <a:r>
-              <a:rPr lang="en-US" dirty="0"/>
-              <a:t>Maintain eye contact</a:t>
-            </a:r>
-          </a:p>
-        </p:txBody>
-      </p:sp>
-      <p:sp>
-        <p:nvSpPr>
-          <p:cNvPr id="68" name="Slide Number Placeholder 67">
-            <a:extLst>
-              <a:ext uri="{FF2B5EF4-FFF2-40B4-BE49-F238E27FC236}">
-                <a16:creationId xmlns:a16="http://schemas.microsoft.com/office/drawing/2014/main" id="{AA0ACADD-CC4E-851C-DA07-C22DB97FA23E}"/>
-              </a:ext>
-            </a:extLst>
-          </p:cNvPr>
-          <p:cNvSpPr>
-            <a:spLocks noGrp="1"/>
-          </p:cNvSpPr>
-          <p:nvPr>
-            <p:ph type="sldNum" sz="quarter" idx="13"/>
-          </p:nvPr>
-        </p:nvSpPr>
-        <p:spPr>
-          <a:xfrm>
-            <a:off x="10373350" y="6356349"/>
-            <a:ext cx="987552" cy="365125"/>
-          </a:xfrm>
-        </p:spPr>
+        <p:spPr/>
         <p:txBody>
           <a:bodyPr/>
           <a:lstStyle/>
@@ -7556,7 +8062,7 @@
     </p:spTree>
     <p:extLst>
       <p:ext uri="{BB962C8B-B14F-4D97-AF65-F5344CB8AC3E}">
-        <p14:creationId xmlns:p14="http://schemas.microsoft.com/office/powerpoint/2010/main" val="636929804"/>
+        <p14:creationId xmlns:p14="http://schemas.microsoft.com/office/powerpoint/2010/main" val="3013944542"/>
       </p:ext>
     </p:extLst>
   </p:cSld>
@@ -7588,1659 +8094,6 @@
           <p:cNvPr id="2" name="Title 1">
             <a:extLst>
               <a:ext uri="{FF2B5EF4-FFF2-40B4-BE49-F238E27FC236}">
-                <a16:creationId xmlns:a16="http://schemas.microsoft.com/office/drawing/2014/main" id="{4518FC28-E0BD-4387-B8BE-9965D1A57FF1}"/>
-              </a:ext>
-            </a:extLst>
-          </p:cNvPr>
-          <p:cNvSpPr>
-            <a:spLocks noGrp="1"/>
-          </p:cNvSpPr>
-          <p:nvPr>
-            <p:ph type="title"/>
-          </p:nvPr>
-        </p:nvSpPr>
-        <p:spPr>
-          <a:xfrm>
-            <a:off x="5476874" y="1671639"/>
-            <a:ext cx="5884027" cy="1204912"/>
-          </a:xfrm>
-        </p:spPr>
-        <p:txBody>
-          <a:bodyPr/>
-          <a:lstStyle/>
-          <a:p>
-            <a:r>
-              <a:rPr lang="en-US" dirty="0"/>
-              <a:t>Speaking Impact</a:t>
-            </a:r>
-          </a:p>
-        </p:txBody>
-      </p:sp>
-      <p:pic>
-        <p:nvPicPr>
-          <p:cNvPr id="47" name="Picture Placeholder 46" descr="A person smiling with a shadow on the wall">
-            <a:extLst>
-              <a:ext uri="{FF2B5EF4-FFF2-40B4-BE49-F238E27FC236}">
-                <a16:creationId xmlns:a16="http://schemas.microsoft.com/office/drawing/2014/main" id="{F55BC7A4-EE4B-7EFC-C325-408D66C3CBA7}"/>
-              </a:ext>
-            </a:extLst>
-          </p:cNvPr>
-          <p:cNvPicPr>
-            <a:picLocks noGrp="1" noChangeAspect="1"/>
-          </p:cNvPicPr>
-          <p:nvPr>
-            <p:ph type="pic" sz="quarter" idx="13"/>
-          </p:nvPr>
-        </p:nvPicPr>
-        <p:blipFill>
-          <a:blip r:embed="rId3"/>
-          <a:srcRect l="112" r="112"/>
-          <a:stretch/>
-        </p:blipFill>
-        <p:spPr>
-          <a:xfrm>
-            <a:off x="-28230" y="-9144"/>
-            <a:ext cx="5481955" cy="6876288"/>
-          </a:xfrm>
-        </p:spPr>
-      </p:pic>
-      <p:sp>
-        <p:nvSpPr>
-          <p:cNvPr id="6" name="Slide Number Placeholder 5">
-            <a:extLst>
-              <a:ext uri="{FF2B5EF4-FFF2-40B4-BE49-F238E27FC236}">
-                <a16:creationId xmlns:a16="http://schemas.microsoft.com/office/drawing/2014/main" id="{7C4B8313-9270-4128-8674-3A3E42B806BC}"/>
-              </a:ext>
-            </a:extLst>
-          </p:cNvPr>
-          <p:cNvSpPr>
-            <a:spLocks noGrp="1"/>
-          </p:cNvSpPr>
-          <p:nvPr>
-            <p:ph type="sldNum" sz="quarter" idx="12"/>
-          </p:nvPr>
-        </p:nvSpPr>
-        <p:spPr>
-          <a:xfrm>
-            <a:off x="10373350" y="6356349"/>
-            <a:ext cx="987552" cy="365125"/>
-          </a:xfrm>
-        </p:spPr>
-        <p:txBody>
-          <a:bodyPr/>
-          <a:lstStyle/>
-          <a:p>
-            <a:fld id="{A49DFD55-3C28-40EF-9E31-A92D2E4017FF}" type="slidenum">
-              <a:rPr lang="en-US" smtClean="0"/>
-              <a:pPr/>
-              <a:t>11</a:t>
-            </a:fld>
-            <a:endParaRPr lang="en-US" dirty="0"/>
-          </a:p>
-        </p:txBody>
-      </p:sp>
-      <p:sp>
-        <p:nvSpPr>
-          <p:cNvPr id="3" name="Text Placeholder 2">
-            <a:extLst>
-              <a:ext uri="{FF2B5EF4-FFF2-40B4-BE49-F238E27FC236}">
-                <a16:creationId xmlns:a16="http://schemas.microsoft.com/office/drawing/2014/main" id="{FED19BCA-B61F-4EA6-A1FB-CCA3BD8506FB}"/>
-              </a:ext>
-            </a:extLst>
-          </p:cNvPr>
-          <p:cNvSpPr>
-            <a:spLocks noGrp="1"/>
-          </p:cNvSpPr>
-          <p:nvPr>
-            <p:ph sz="half" idx="14"/>
-          </p:nvPr>
-        </p:nvSpPr>
-        <p:spPr>
-          <a:xfrm>
-            <a:off x="5453725" y="3660774"/>
-            <a:ext cx="5907176" cy="2536826"/>
-          </a:xfrm>
-        </p:spPr>
-        <p:txBody>
-          <a:bodyPr>
-            <a:noAutofit/>
-          </a:bodyPr>
-          <a:lstStyle/>
-          <a:p>
-            <a:r>
-              <a:rPr lang="en-US" dirty="0"/>
-              <a:t>Your ability to communicate effectively will leave a lasting impact on your audience</a:t>
-            </a:r>
-          </a:p>
-          <a:p>
-            <a:r>
-              <a:rPr lang="en-US" dirty="0"/>
-              <a:t>Effectively communicating involves not only delivering a message but also resonating with the experiences, values, and emotions of those listening </a:t>
-            </a:r>
-          </a:p>
-        </p:txBody>
-      </p:sp>
-      <p:cxnSp>
-        <p:nvCxnSpPr>
-          <p:cNvPr id="23" name="Straight Connector 22">
-            <a:extLst>
-              <a:ext uri="{FF2B5EF4-FFF2-40B4-BE49-F238E27FC236}">
-                <a16:creationId xmlns:a16="http://schemas.microsoft.com/office/drawing/2014/main" id="{D87F08D6-2CA7-4A5A-BE34-07113DCA535D}"/>
-              </a:ext>
-              <a:ext uri="{C183D7F6-B498-43B3-948B-1728B52AA6E4}">
-                <adec:decorative xmlns:adec="http://schemas.microsoft.com/office/drawing/2017/decorative" val="1"/>
-              </a:ext>
-            </a:extLst>
-          </p:cNvPr>
-          <p:cNvCxnSpPr>
-            <a:cxnSpLocks/>
-          </p:cNvCxnSpPr>
-          <p:nvPr userDrawn="1"/>
-        </p:nvCxnSpPr>
-        <p:spPr>
-          <a:xfrm flipH="1" flipV="1">
-            <a:off x="0" y="876300"/>
-            <a:ext cx="5246255" cy="1709882"/>
-          </a:xfrm>
-          <a:prstGeom prst="line">
-            <a:avLst/>
-          </a:prstGeom>
-          <a:ln>
-            <a:solidFill>
-              <a:schemeClr val="tx1"/>
-            </a:solidFill>
-          </a:ln>
-        </p:spPr>
-        <p:style>
-          <a:lnRef idx="1">
-            <a:schemeClr val="accent1"/>
-          </a:lnRef>
-          <a:fillRef idx="0">
-            <a:schemeClr val="accent1"/>
-          </a:fillRef>
-          <a:effectRef idx="0">
-            <a:schemeClr val="accent1"/>
-          </a:effectRef>
-          <a:fontRef idx="minor">
-            <a:schemeClr val="tx1"/>
-          </a:fontRef>
-        </p:style>
-      </p:cxnSp>
-    </p:spTree>
-    <p:extLst>
-      <p:ext uri="{BB962C8B-B14F-4D97-AF65-F5344CB8AC3E}">
-        <p14:creationId xmlns:p14="http://schemas.microsoft.com/office/powerpoint/2010/main" val="1742861620"/>
-      </p:ext>
-    </p:extLst>
-  </p:cSld>
-  <p:clrMapOvr>
-    <a:masterClrMapping/>
-  </p:clrMapOvr>
-</p:sld>
-</file>
-
-<file path=ppt/slides/slide12.xml><?xml version="1.0" encoding="utf-8"?>
-<p:sld xmlns:a="http://schemas.openxmlformats.org/drawingml/2006/main" xmlns:r="http://schemas.openxmlformats.org/officeDocument/2006/relationships" xmlns:p="http://schemas.openxmlformats.org/presentationml/2006/main">
-  <p:cSld>
-    <p:spTree>
-      <p:nvGrpSpPr>
-        <p:cNvPr id="1" name=""/>
-        <p:cNvGrpSpPr/>
-        <p:nvPr/>
-      </p:nvGrpSpPr>
-      <p:grpSpPr>
-        <a:xfrm>
-          <a:off x="0" y="0"/>
-          <a:ext cx="0" cy="0"/>
-          <a:chOff x="0" y="0"/>
-          <a:chExt cx="0" cy="0"/>
-        </a:xfrm>
-      </p:grpSpPr>
-      <p:sp>
-        <p:nvSpPr>
-          <p:cNvPr id="3" name="Title 2">
-            <a:extLst>
-              <a:ext uri="{FF2B5EF4-FFF2-40B4-BE49-F238E27FC236}">
-                <a16:creationId xmlns:a16="http://schemas.microsoft.com/office/drawing/2014/main" id="{4321055C-5E33-5D21-2A6E-21827FA88ED3}"/>
-              </a:ext>
-            </a:extLst>
-          </p:cNvPr>
-          <p:cNvSpPr>
-            <a:spLocks noGrp="1"/>
-          </p:cNvSpPr>
-          <p:nvPr>
-            <p:ph type="title"/>
-          </p:nvPr>
-        </p:nvSpPr>
-        <p:spPr>
-          <a:xfrm>
-            <a:off x="838201" y="895350"/>
-            <a:ext cx="3247662" cy="1917700"/>
-          </a:xfrm>
-        </p:spPr>
-        <p:txBody>
-          <a:bodyPr>
-            <a:normAutofit/>
-          </a:bodyPr>
-          <a:lstStyle/>
-          <a:p>
-            <a:r>
-              <a:rPr lang="en-US" dirty="0"/>
-              <a:t>Dynamic </a:t>
-            </a:r>
-            <a:br>
-              <a:rPr lang="en-US" dirty="0"/>
-            </a:br>
-            <a:r>
-              <a:rPr lang="en-US" dirty="0"/>
-              <a:t>delivery</a:t>
-            </a:r>
-          </a:p>
-        </p:txBody>
-      </p:sp>
-      <p:sp>
-        <p:nvSpPr>
-          <p:cNvPr id="6" name="Text Placeholder 5">
-            <a:extLst>
-              <a:ext uri="{FF2B5EF4-FFF2-40B4-BE49-F238E27FC236}">
-                <a16:creationId xmlns:a16="http://schemas.microsoft.com/office/drawing/2014/main" id="{B587B122-1579-FDB8-443B-F05E622163C3}"/>
-              </a:ext>
-            </a:extLst>
-          </p:cNvPr>
-          <p:cNvSpPr>
-            <a:spLocks noGrp="1"/>
-          </p:cNvSpPr>
-          <p:nvPr>
-            <p:ph sz="half" idx="16"/>
-          </p:nvPr>
-        </p:nvSpPr>
-        <p:spPr>
-          <a:xfrm>
-            <a:off x="838200" y="2813049"/>
-            <a:ext cx="3247662" cy="3238499"/>
-          </a:xfrm>
-        </p:spPr>
-        <p:txBody>
-          <a:bodyPr>
-            <a:normAutofit/>
-          </a:bodyPr>
-          <a:lstStyle/>
-          <a:p>
-            <a:r>
-              <a:rPr lang="en-US"/>
-              <a:t>Learn to infuse energy into your delivery to leave a lasting impression</a:t>
-            </a:r>
-          </a:p>
-          <a:p>
-            <a:r>
-              <a:rPr lang="en-US"/>
-              <a:t>One of the goals of effective communication is to motivate your audience</a:t>
-            </a:r>
-            <a:endParaRPr lang="en-US" dirty="0"/>
-          </a:p>
-        </p:txBody>
-      </p:sp>
-      <p:graphicFrame>
-        <p:nvGraphicFramePr>
-          <p:cNvPr id="10" name="Table Placeholder 2">
-            <a:extLst>
-              <a:ext uri="{FF2B5EF4-FFF2-40B4-BE49-F238E27FC236}">
-                <a16:creationId xmlns:a16="http://schemas.microsoft.com/office/drawing/2014/main" id="{98ED67AF-B48B-F5F8-E2FD-1C98C42C4D54}"/>
-              </a:ext>
-            </a:extLst>
-          </p:cNvPr>
-          <p:cNvGraphicFramePr>
-            <a:graphicFrameLocks noGrp="1"/>
-          </p:cNvGraphicFramePr>
-          <p:nvPr>
-            <p:ph type="tbl" sz="quarter" idx="14"/>
-            <p:extLst>
-              <p:ext uri="{D42A27DB-BD31-4B8C-83A1-F6EECF244321}">
-                <p14:modId xmlns:p14="http://schemas.microsoft.com/office/powerpoint/2010/main" val="774504910"/>
-              </p:ext>
-            </p:extLst>
-          </p:nvPr>
-        </p:nvGraphicFramePr>
-        <p:xfrm>
-          <a:off x="4216400" y="895350"/>
-          <a:ext cx="7137404" cy="5115889"/>
-        </p:xfrm>
-        <a:graphic>
-          <a:graphicData uri="http://schemas.openxmlformats.org/drawingml/2006/table">
-            <a:tbl>
-              <a:tblPr firstRow="1" bandRow="1">
-                <a:tableStyleId>{7E9639D4-E3E2-4D34-9284-5A2195B3D0D7}</a:tableStyleId>
-              </a:tblPr>
-              <a:tblGrid>
-                <a:gridCol w="1784351">
-                  <a:extLst>
-                    <a:ext uri="{9D8B030D-6E8A-4147-A177-3AD203B41FA5}">
-                      <a16:colId xmlns:a16="http://schemas.microsoft.com/office/drawing/2014/main" val="127040821"/>
-                    </a:ext>
-                  </a:extLst>
-                </a:gridCol>
-                <a:gridCol w="1784351">
-                  <a:extLst>
-                    <a:ext uri="{9D8B030D-6E8A-4147-A177-3AD203B41FA5}">
-                      <a16:colId xmlns:a16="http://schemas.microsoft.com/office/drawing/2014/main" val="149845700"/>
-                    </a:ext>
-                  </a:extLst>
-                </a:gridCol>
-                <a:gridCol w="1784351">
-                  <a:extLst>
-                    <a:ext uri="{9D8B030D-6E8A-4147-A177-3AD203B41FA5}">
-                      <a16:colId xmlns:a16="http://schemas.microsoft.com/office/drawing/2014/main" val="3119692462"/>
-                    </a:ext>
-                  </a:extLst>
-                </a:gridCol>
-                <a:gridCol w="1784351">
-                  <a:extLst>
-                    <a:ext uri="{9D8B030D-6E8A-4147-A177-3AD203B41FA5}">
-                      <a16:colId xmlns:a16="http://schemas.microsoft.com/office/drawing/2014/main" val="3472639139"/>
-                    </a:ext>
-                  </a:extLst>
-                </a:gridCol>
-              </a:tblGrid>
-              <a:tr h="810285">
-                <a:tc>
-                  <a:txBody>
-                    <a:bodyPr/>
-                    <a:lstStyle/>
-                    <a:p>
-                      <a:pPr algn="ctr"/>
-                      <a:r>
-                        <a:rPr lang="en-US" b="0" dirty="0"/>
-                        <a:t>METRIC</a:t>
-                      </a:r>
-                    </a:p>
-                  </a:txBody>
-                  <a:tcPr anchor="ctr"/>
-                </a:tc>
-                <a:tc>
-                  <a:txBody>
-                    <a:bodyPr/>
-                    <a:lstStyle/>
-                    <a:p>
-                      <a:pPr algn="ctr"/>
-                      <a:r>
-                        <a:rPr lang="en-US" b="0" dirty="0"/>
-                        <a:t>MEASUREMENT</a:t>
-                      </a:r>
-                    </a:p>
-                  </a:txBody>
-                  <a:tcPr anchor="ctr"/>
-                </a:tc>
-                <a:tc>
-                  <a:txBody>
-                    <a:bodyPr/>
-                    <a:lstStyle/>
-                    <a:p>
-                      <a:pPr algn="ctr"/>
-                      <a:r>
-                        <a:rPr lang="en-US" b="0" dirty="0"/>
-                        <a:t>TARGET</a:t>
-                      </a:r>
-                    </a:p>
-                  </a:txBody>
-                  <a:tcPr anchor="ctr"/>
-                </a:tc>
-                <a:tc>
-                  <a:txBody>
-                    <a:bodyPr/>
-                    <a:lstStyle/>
-                    <a:p>
-                      <a:pPr algn="ctr"/>
-                      <a:r>
-                        <a:rPr lang="en-US" b="0" dirty="0"/>
-                        <a:t>ACTUAL</a:t>
-                      </a:r>
-                    </a:p>
-                  </a:txBody>
-                  <a:tcPr anchor="ctr"/>
-                </a:tc>
-                <a:extLst>
-                  <a:ext uri="{0D108BD9-81ED-4DB2-BD59-A6C34878D82A}">
-                    <a16:rowId xmlns:a16="http://schemas.microsoft.com/office/drawing/2014/main" val="3298013591"/>
-                  </a:ext>
-                </a:extLst>
-              </a:tr>
-              <a:tr h="839540">
-                <a:tc>
-                  <a:txBody>
-                    <a:bodyPr/>
-                    <a:lstStyle/>
-                    <a:p>
-                      <a:pPr algn="ctr"/>
-                      <a:r>
-                        <a:rPr lang="en-US" dirty="0"/>
-                        <a:t>Audience attendance</a:t>
-                      </a:r>
-                    </a:p>
-                  </a:txBody>
-                  <a:tcPr anchor="ctr"/>
-                </a:tc>
-                <a:tc>
-                  <a:txBody>
-                    <a:bodyPr/>
-                    <a:lstStyle/>
-                    <a:p>
-                      <a:pPr algn="ctr"/>
-                      <a:r>
-                        <a:rPr lang="en-US" dirty="0"/>
-                        <a:t># of attendees</a:t>
-                      </a:r>
-                    </a:p>
-                  </a:txBody>
-                  <a:tcPr anchor="ctr"/>
-                </a:tc>
-                <a:tc>
-                  <a:txBody>
-                    <a:bodyPr/>
-                    <a:lstStyle/>
-                    <a:p>
-                      <a:pPr algn="ctr"/>
-                      <a:r>
-                        <a:rPr lang="en-US" dirty="0"/>
-                        <a:t>150</a:t>
-                      </a:r>
-                    </a:p>
-                  </a:txBody>
-                  <a:tcPr anchor="ctr"/>
-                </a:tc>
-                <a:tc>
-                  <a:txBody>
-                    <a:bodyPr/>
-                    <a:lstStyle/>
-                    <a:p>
-                      <a:pPr algn="ctr"/>
-                      <a:r>
-                        <a:rPr lang="en-US" dirty="0"/>
-                        <a:t>120</a:t>
-                      </a:r>
-                    </a:p>
-                  </a:txBody>
-                  <a:tcPr anchor="ctr"/>
-                </a:tc>
-                <a:extLst>
-                  <a:ext uri="{0D108BD9-81ED-4DB2-BD59-A6C34878D82A}">
-                    <a16:rowId xmlns:a16="http://schemas.microsoft.com/office/drawing/2014/main" val="3873867931"/>
-                  </a:ext>
-                </a:extLst>
-              </a:tr>
-              <a:tr h="839540">
-                <a:tc>
-                  <a:txBody>
-                    <a:bodyPr/>
-                    <a:lstStyle/>
-                    <a:p>
-                      <a:pPr algn="ctr"/>
-                      <a:r>
-                        <a:rPr lang="en-US" dirty="0"/>
-                        <a:t>Engagement duration</a:t>
-                      </a:r>
-                    </a:p>
-                  </a:txBody>
-                  <a:tcPr anchor="ctr"/>
-                </a:tc>
-                <a:tc>
-                  <a:txBody>
-                    <a:bodyPr/>
-                    <a:lstStyle/>
-                    <a:p>
-                      <a:pPr algn="ctr"/>
-                      <a:r>
-                        <a:rPr lang="en-US" dirty="0"/>
-                        <a:t>Minutes</a:t>
-                      </a:r>
-                    </a:p>
-                  </a:txBody>
-                  <a:tcPr anchor="ctr"/>
-                </a:tc>
-                <a:tc>
-                  <a:txBody>
-                    <a:bodyPr/>
-                    <a:lstStyle/>
-                    <a:p>
-                      <a:pPr algn="ctr"/>
-                      <a:r>
-                        <a:rPr lang="en-US" dirty="0"/>
-                        <a:t>60</a:t>
-                      </a:r>
-                    </a:p>
-                  </a:txBody>
-                  <a:tcPr anchor="ctr"/>
-                </a:tc>
-                <a:tc>
-                  <a:txBody>
-                    <a:bodyPr/>
-                    <a:lstStyle/>
-                    <a:p>
-                      <a:pPr algn="ctr"/>
-                      <a:r>
-                        <a:rPr lang="en-US" dirty="0"/>
-                        <a:t>75</a:t>
-                      </a:r>
-                    </a:p>
-                  </a:txBody>
-                  <a:tcPr anchor="ctr"/>
-                </a:tc>
-                <a:extLst>
-                  <a:ext uri="{0D108BD9-81ED-4DB2-BD59-A6C34878D82A}">
-                    <a16:rowId xmlns:a16="http://schemas.microsoft.com/office/drawing/2014/main" val="85209771"/>
-                  </a:ext>
-                </a:extLst>
-              </a:tr>
-              <a:tr h="587640">
-                <a:tc>
-                  <a:txBody>
-                    <a:bodyPr/>
-                    <a:lstStyle/>
-                    <a:p>
-                      <a:pPr algn="ctr"/>
-                      <a:r>
-                        <a:rPr lang="en-US" dirty="0"/>
-                        <a:t>Q&amp;A interaction</a:t>
-                      </a:r>
-                    </a:p>
-                  </a:txBody>
-                  <a:tcPr anchor="ctr"/>
-                </a:tc>
-                <a:tc>
-                  <a:txBody>
-                    <a:bodyPr/>
-                    <a:lstStyle/>
-                    <a:p>
-                      <a:pPr algn="ctr"/>
-                      <a:r>
-                        <a:rPr lang="en-US" dirty="0"/>
-                        <a:t># of questions</a:t>
-                      </a:r>
-                    </a:p>
-                  </a:txBody>
-                  <a:tcPr anchor="ctr"/>
-                </a:tc>
-                <a:tc>
-                  <a:txBody>
-                    <a:bodyPr/>
-                    <a:lstStyle/>
-                    <a:p>
-                      <a:pPr algn="ctr"/>
-                      <a:r>
-                        <a:rPr lang="en-US" dirty="0"/>
-                        <a:t>10</a:t>
-                      </a:r>
-                    </a:p>
-                  </a:txBody>
-                  <a:tcPr anchor="ctr"/>
-                </a:tc>
-                <a:tc>
-                  <a:txBody>
-                    <a:bodyPr/>
-                    <a:lstStyle/>
-                    <a:p>
-                      <a:pPr algn="ctr"/>
-                      <a:r>
-                        <a:rPr lang="en-US" dirty="0"/>
-                        <a:t>15</a:t>
-                      </a:r>
-                    </a:p>
-                  </a:txBody>
-                  <a:tcPr anchor="ctr"/>
-                </a:tc>
-                <a:extLst>
-                  <a:ext uri="{0D108BD9-81ED-4DB2-BD59-A6C34878D82A}">
-                    <a16:rowId xmlns:a16="http://schemas.microsoft.com/office/drawing/2014/main" val="4061031278"/>
-                  </a:ext>
-                </a:extLst>
-              </a:tr>
-              <a:tr h="839540">
-                <a:tc>
-                  <a:txBody>
-                    <a:bodyPr/>
-                    <a:lstStyle/>
-                    <a:p>
-                      <a:pPr algn="ctr"/>
-                      <a:r>
-                        <a:rPr lang="en-US" dirty="0"/>
-                        <a:t>Positive feedback</a:t>
-                      </a:r>
-                    </a:p>
-                  </a:txBody>
-                  <a:tcPr anchor="ctr"/>
-                </a:tc>
-                <a:tc>
-                  <a:txBody>
-                    <a:bodyPr/>
-                    <a:lstStyle/>
-                    <a:p>
-                      <a:pPr algn="ctr"/>
-                      <a:r>
-                        <a:rPr lang="en-US" dirty="0"/>
-                        <a:t>Percentage (%)</a:t>
-                      </a:r>
-                    </a:p>
-                  </a:txBody>
-                  <a:tcPr anchor="ctr"/>
-                </a:tc>
-                <a:tc>
-                  <a:txBody>
-                    <a:bodyPr/>
-                    <a:lstStyle/>
-                    <a:p>
-                      <a:pPr algn="ctr"/>
-                      <a:r>
-                        <a:rPr lang="en-US" dirty="0"/>
-                        <a:t>90</a:t>
-                      </a:r>
-                    </a:p>
-                  </a:txBody>
-                  <a:tcPr anchor="ctr"/>
-                </a:tc>
-                <a:tc>
-                  <a:txBody>
-                    <a:bodyPr/>
-                    <a:lstStyle/>
-                    <a:p>
-                      <a:pPr algn="ctr"/>
-                      <a:r>
-                        <a:rPr lang="en-US" dirty="0"/>
-                        <a:t>95</a:t>
-                      </a:r>
-                    </a:p>
-                  </a:txBody>
-                  <a:tcPr anchor="ctr"/>
-                </a:tc>
-                <a:extLst>
-                  <a:ext uri="{0D108BD9-81ED-4DB2-BD59-A6C34878D82A}">
-                    <a16:rowId xmlns:a16="http://schemas.microsoft.com/office/drawing/2014/main" val="3591840781"/>
-                  </a:ext>
-                </a:extLst>
-              </a:tr>
-              <a:tr h="1199344">
-                <a:tc>
-                  <a:txBody>
-                    <a:bodyPr/>
-                    <a:lstStyle/>
-                    <a:p>
-                      <a:pPr algn="ctr"/>
-                      <a:r>
-                        <a:rPr lang="en-US" dirty="0"/>
-                        <a:t>Rate of information retention</a:t>
-                      </a:r>
-                    </a:p>
-                  </a:txBody>
-                  <a:tcPr anchor="ctr"/>
-                </a:tc>
-                <a:tc>
-                  <a:txBody>
-                    <a:bodyPr/>
-                    <a:lstStyle/>
-                    <a:p>
-                      <a:pPr algn="ctr"/>
-                      <a:r>
-                        <a:rPr lang="en-US" dirty="0"/>
-                        <a:t>Percentage (%)</a:t>
-                      </a:r>
-                    </a:p>
-                  </a:txBody>
-                  <a:tcPr anchor="ctr"/>
-                </a:tc>
-                <a:tc>
-                  <a:txBody>
-                    <a:bodyPr/>
-                    <a:lstStyle/>
-                    <a:p>
-                      <a:pPr algn="ctr"/>
-                      <a:r>
-                        <a:rPr lang="en-US" dirty="0"/>
-                        <a:t>80</a:t>
-                      </a:r>
-                    </a:p>
-                  </a:txBody>
-                  <a:tcPr anchor="ctr"/>
-                </a:tc>
-                <a:tc>
-                  <a:txBody>
-                    <a:bodyPr/>
-                    <a:lstStyle/>
-                    <a:p>
-                      <a:pPr algn="ctr"/>
-                      <a:r>
-                        <a:rPr lang="en-US" dirty="0"/>
-                        <a:t>85</a:t>
-                      </a:r>
-                    </a:p>
-                  </a:txBody>
-                  <a:tcPr anchor="ctr"/>
-                </a:tc>
-                <a:extLst>
-                  <a:ext uri="{0D108BD9-81ED-4DB2-BD59-A6C34878D82A}">
-                    <a16:rowId xmlns:a16="http://schemas.microsoft.com/office/drawing/2014/main" val="335389741"/>
-                  </a:ext>
-                </a:extLst>
-              </a:tr>
-            </a:tbl>
-          </a:graphicData>
-        </a:graphic>
-      </p:graphicFrame>
-      <p:sp>
-        <p:nvSpPr>
-          <p:cNvPr id="5" name="Slide Number Placeholder 4">
-            <a:extLst>
-              <a:ext uri="{FF2B5EF4-FFF2-40B4-BE49-F238E27FC236}">
-                <a16:creationId xmlns:a16="http://schemas.microsoft.com/office/drawing/2014/main" id="{E74B0ADB-527F-A58C-9372-D8502ED6F918}"/>
-              </a:ext>
-            </a:extLst>
-          </p:cNvPr>
-          <p:cNvSpPr>
-            <a:spLocks noGrp="1"/>
-          </p:cNvSpPr>
-          <p:nvPr>
-            <p:ph type="sldNum" sz="quarter" idx="12"/>
-          </p:nvPr>
-        </p:nvSpPr>
-        <p:spPr>
-          <a:xfrm>
-            <a:off x="10373350" y="6356349"/>
-            <a:ext cx="987552" cy="365125"/>
-          </a:xfrm>
-        </p:spPr>
-        <p:txBody>
-          <a:bodyPr/>
-          <a:lstStyle/>
-          <a:p>
-            <a:fld id="{A49DFD55-3C28-40EF-9E31-A92D2E4017FF}" type="slidenum">
-              <a:rPr lang="en-US" smtClean="0"/>
-              <a:pPr/>
-              <a:t>12</a:t>
-            </a:fld>
-            <a:endParaRPr lang="en-US" dirty="0"/>
-          </a:p>
-        </p:txBody>
-      </p:sp>
-    </p:spTree>
-    <p:extLst>
-      <p:ext uri="{BB962C8B-B14F-4D97-AF65-F5344CB8AC3E}">
-        <p14:creationId xmlns:p14="http://schemas.microsoft.com/office/powerpoint/2010/main" val="1658164610"/>
-      </p:ext>
-    </p:extLst>
-  </p:cSld>
-  <p:clrMapOvr>
-    <a:masterClrMapping/>
-  </p:clrMapOvr>
-</p:sld>
-</file>
-
-<file path=ppt/slides/slide13.xml><?xml version="1.0" encoding="utf-8"?>
-<p:sld xmlns:a="http://schemas.openxmlformats.org/drawingml/2006/main" xmlns:r="http://schemas.openxmlformats.org/officeDocument/2006/relationships" xmlns:p="http://schemas.openxmlformats.org/presentationml/2006/main">
-  <p:cSld>
-    <p:spTree>
-      <p:nvGrpSpPr>
-        <p:cNvPr id="1" name=""/>
-        <p:cNvGrpSpPr/>
-        <p:nvPr/>
-      </p:nvGrpSpPr>
-      <p:grpSpPr>
-        <a:xfrm>
-          <a:off x="0" y="0"/>
-          <a:ext cx="0" cy="0"/>
-          <a:chOff x="0" y="0"/>
-          <a:chExt cx="0" cy="0"/>
-        </a:xfrm>
-      </p:grpSpPr>
-      <p:sp>
-        <p:nvSpPr>
-          <p:cNvPr id="17" name="Title 1">
-            <a:extLst>
-              <a:ext uri="{FF2B5EF4-FFF2-40B4-BE49-F238E27FC236}">
-                <a16:creationId xmlns:a16="http://schemas.microsoft.com/office/drawing/2014/main" id="{09140014-73D5-419B-8867-972BB18D52D4}"/>
-              </a:ext>
-            </a:extLst>
-          </p:cNvPr>
-          <p:cNvSpPr>
-            <a:spLocks noGrp="1"/>
-          </p:cNvSpPr>
-          <p:nvPr>
-            <p:ph type="title"/>
-          </p:nvPr>
-        </p:nvSpPr>
-        <p:spPr>
-          <a:xfrm>
-            <a:off x="838200" y="337192"/>
-            <a:ext cx="5655197" cy="1997867"/>
-          </a:xfrm>
-        </p:spPr>
-        <p:txBody>
-          <a:bodyPr anchor="b"/>
-          <a:lstStyle/>
-          <a:p>
-            <a:r>
-              <a:rPr lang="en-US" dirty="0"/>
-              <a:t>Final tips &amp; takeaways</a:t>
-            </a:r>
-          </a:p>
-        </p:txBody>
-      </p:sp>
-      <p:sp>
-        <p:nvSpPr>
-          <p:cNvPr id="6" name="Text Placeholder 5">
-            <a:extLst>
-              <a:ext uri="{FF2B5EF4-FFF2-40B4-BE49-F238E27FC236}">
-                <a16:creationId xmlns:a16="http://schemas.microsoft.com/office/drawing/2014/main" id="{D2E1CF79-4FDC-8CAF-CC16-E309A2C49758}"/>
-              </a:ext>
-            </a:extLst>
-          </p:cNvPr>
-          <p:cNvSpPr>
-            <a:spLocks noGrp="1"/>
-          </p:cNvSpPr>
-          <p:nvPr>
-            <p:ph type="body" idx="1"/>
-          </p:nvPr>
-        </p:nvSpPr>
-        <p:spPr>
-          <a:xfrm>
-            <a:off x="838200" y="2705177"/>
-            <a:ext cx="5733772" cy="448990"/>
-          </a:xfrm>
-        </p:spPr>
-        <p:txBody>
-          <a:bodyPr/>
-          <a:lstStyle/>
-          <a:p>
-            <a:r>
-              <a:rPr lang="en-US" dirty="0"/>
-              <a:t>Practice makes perfect</a:t>
-            </a:r>
-          </a:p>
-        </p:txBody>
-      </p:sp>
-      <p:sp>
-        <p:nvSpPr>
-          <p:cNvPr id="20" name="Content Placeholder 3">
-            <a:extLst>
-              <a:ext uri="{FF2B5EF4-FFF2-40B4-BE49-F238E27FC236}">
-                <a16:creationId xmlns:a16="http://schemas.microsoft.com/office/drawing/2014/main" id="{33D8731E-4977-402E-8BFD-895B4D0544CC}"/>
-              </a:ext>
-            </a:extLst>
-          </p:cNvPr>
-          <p:cNvSpPr>
-            <a:spLocks noGrp="1"/>
-          </p:cNvSpPr>
-          <p:nvPr>
-            <p:ph sz="half" idx="2"/>
-          </p:nvPr>
-        </p:nvSpPr>
-        <p:spPr>
-          <a:xfrm>
-            <a:off x="838199" y="3154166"/>
-            <a:ext cx="5733773" cy="3032733"/>
-          </a:xfrm>
-        </p:spPr>
-        <p:txBody>
-          <a:bodyPr>
-            <a:noAutofit/>
-          </a:bodyPr>
-          <a:lstStyle/>
-          <a:p>
-            <a:r>
-              <a:rPr lang="en-US" dirty="0"/>
-              <a:t>Consistent rehearsal</a:t>
-            </a:r>
-          </a:p>
-          <a:p>
-            <a:pPr lvl="1"/>
-            <a:r>
-              <a:rPr lang="en-US" dirty="0"/>
-              <a:t>Strengthen your familiarity</a:t>
-            </a:r>
-          </a:p>
-          <a:p>
-            <a:r>
-              <a:rPr lang="en-US" dirty="0"/>
-              <a:t>Refine delivery style</a:t>
-            </a:r>
-          </a:p>
-          <a:p>
-            <a:pPr lvl="1"/>
-            <a:r>
-              <a:rPr lang="en-US" dirty="0"/>
-              <a:t>Pacing, tone, and emphasis</a:t>
-            </a:r>
-          </a:p>
-          <a:p>
-            <a:r>
-              <a:rPr lang="en-US" dirty="0"/>
-              <a:t>Timing and transitions</a:t>
-            </a:r>
-          </a:p>
-          <a:p>
-            <a:pPr lvl="1"/>
-            <a:r>
-              <a:rPr lang="en-US" dirty="0"/>
-              <a:t>Aim for seamless, professional delivery</a:t>
-            </a:r>
-          </a:p>
-          <a:p>
-            <a:r>
-              <a:rPr lang="en-US" dirty="0"/>
-              <a:t>Practice audience</a:t>
-            </a:r>
-          </a:p>
-          <a:p>
-            <a:pPr lvl="1"/>
-            <a:r>
-              <a:rPr lang="en-US" dirty="0"/>
-              <a:t>Enlist colleagues to listen &amp; provide feedback</a:t>
-            </a:r>
-          </a:p>
-          <a:p>
-            <a:endParaRPr lang="en-US" dirty="0"/>
-          </a:p>
-        </p:txBody>
-      </p:sp>
-      <p:sp>
-        <p:nvSpPr>
-          <p:cNvPr id="34" name="Text Placeholder 33">
-            <a:extLst>
-              <a:ext uri="{FF2B5EF4-FFF2-40B4-BE49-F238E27FC236}">
-                <a16:creationId xmlns:a16="http://schemas.microsoft.com/office/drawing/2014/main" id="{AE07A905-8B37-D13F-25D3-1D3BCDB86B0B}"/>
-              </a:ext>
-            </a:extLst>
-          </p:cNvPr>
-          <p:cNvSpPr>
-            <a:spLocks noGrp="1"/>
-          </p:cNvSpPr>
-          <p:nvPr>
-            <p:ph type="body" sz="quarter" idx="3"/>
-          </p:nvPr>
-        </p:nvSpPr>
-        <p:spPr>
-          <a:xfrm>
-            <a:off x="7887108" y="2705177"/>
-            <a:ext cx="3943627" cy="448989"/>
-          </a:xfrm>
-        </p:spPr>
-        <p:txBody>
-          <a:bodyPr/>
-          <a:lstStyle/>
-          <a:p>
-            <a:r>
-              <a:rPr lang="en-US" dirty="0"/>
-              <a:t>Continue improving</a:t>
-            </a:r>
-          </a:p>
-        </p:txBody>
-      </p:sp>
-      <p:sp>
-        <p:nvSpPr>
-          <p:cNvPr id="35" name="Content Placeholder 34">
-            <a:extLst>
-              <a:ext uri="{FF2B5EF4-FFF2-40B4-BE49-F238E27FC236}">
-                <a16:creationId xmlns:a16="http://schemas.microsoft.com/office/drawing/2014/main" id="{4E9A764F-6B65-050E-E561-82F77339D164}"/>
-              </a:ext>
-            </a:extLst>
-          </p:cNvPr>
-          <p:cNvSpPr>
-            <a:spLocks noGrp="1"/>
-          </p:cNvSpPr>
-          <p:nvPr>
-            <p:ph sz="half" idx="14"/>
-          </p:nvPr>
-        </p:nvSpPr>
-        <p:spPr>
-          <a:xfrm>
-            <a:off x="7887107" y="3164867"/>
-            <a:ext cx="3943627" cy="3032733"/>
-          </a:xfrm>
-        </p:spPr>
-        <p:txBody>
-          <a:bodyPr>
-            <a:normAutofit/>
-          </a:bodyPr>
-          <a:lstStyle/>
-          <a:p>
-            <a:r>
-              <a:rPr lang="en-US" dirty="0"/>
-              <a:t>Seek feedback</a:t>
-            </a:r>
-          </a:p>
-          <a:p>
-            <a:r>
-              <a:rPr lang="en-US" dirty="0"/>
-              <a:t>Reflect on performance</a:t>
-            </a:r>
-          </a:p>
-          <a:p>
-            <a:r>
-              <a:rPr lang="en-US" dirty="0"/>
-              <a:t>Explore new techniques</a:t>
-            </a:r>
-          </a:p>
-          <a:p>
-            <a:r>
-              <a:rPr lang="en-US" dirty="0"/>
-              <a:t>Set personal goals</a:t>
-            </a:r>
-          </a:p>
-          <a:p>
-            <a:r>
-              <a:rPr lang="en-US" dirty="0"/>
-              <a:t>Iterate and adapt</a:t>
-            </a:r>
-          </a:p>
-        </p:txBody>
-      </p:sp>
-      <p:sp>
-        <p:nvSpPr>
-          <p:cNvPr id="9" name="Slide Number Placeholder 8">
-            <a:extLst>
-              <a:ext uri="{FF2B5EF4-FFF2-40B4-BE49-F238E27FC236}">
-                <a16:creationId xmlns:a16="http://schemas.microsoft.com/office/drawing/2014/main" id="{C396FFDC-ADE8-4009-A466-A81787258E88}"/>
-              </a:ext>
-            </a:extLst>
-          </p:cNvPr>
-          <p:cNvSpPr>
-            <a:spLocks noGrp="1"/>
-          </p:cNvSpPr>
-          <p:nvPr>
-            <p:ph type="sldNum" sz="quarter" idx="12"/>
-          </p:nvPr>
-        </p:nvSpPr>
-        <p:spPr>
-          <a:xfrm>
-            <a:off x="8610600" y="6356350"/>
-            <a:ext cx="2743200" cy="365125"/>
-          </a:xfrm>
-        </p:spPr>
-        <p:txBody>
-          <a:bodyPr/>
-          <a:lstStyle/>
-          <a:p>
-            <a:fld id="{A49DFD55-3C28-40EF-9E31-A92D2E4017FF}" type="slidenum">
-              <a:rPr lang="en-US" smtClean="0"/>
-              <a:pPr/>
-              <a:t>13</a:t>
-            </a:fld>
-            <a:endParaRPr lang="en-US" dirty="0"/>
-          </a:p>
-        </p:txBody>
-      </p:sp>
-    </p:spTree>
-    <p:extLst>
-      <p:ext uri="{BB962C8B-B14F-4D97-AF65-F5344CB8AC3E}">
-        <p14:creationId xmlns:p14="http://schemas.microsoft.com/office/powerpoint/2010/main" val="2403577982"/>
-      </p:ext>
-    </p:extLst>
-  </p:cSld>
-  <p:clrMapOvr>
-    <a:masterClrMapping/>
-  </p:clrMapOvr>
-</p:sld>
-</file>
-
-<file path=ppt/slides/slide14.xml><?xml version="1.0" encoding="utf-8"?>
-<p:sld xmlns:a="http://schemas.openxmlformats.org/drawingml/2006/main" xmlns:r="http://schemas.openxmlformats.org/officeDocument/2006/relationships" xmlns:p="http://schemas.openxmlformats.org/presentationml/2006/main">
-  <p:cSld>
-    <p:spTree>
-      <p:nvGrpSpPr>
-        <p:cNvPr id="1" name=""/>
-        <p:cNvGrpSpPr/>
-        <p:nvPr/>
-      </p:nvGrpSpPr>
-      <p:grpSpPr>
-        <a:xfrm>
-          <a:off x="0" y="0"/>
-          <a:ext cx="0" cy="0"/>
-          <a:chOff x="0" y="0"/>
-          <a:chExt cx="0" cy="0"/>
-        </a:xfrm>
-      </p:grpSpPr>
-      <p:sp>
-        <p:nvSpPr>
-          <p:cNvPr id="8" name="Title 2">
-            <a:extLst>
-              <a:ext uri="{FF2B5EF4-FFF2-40B4-BE49-F238E27FC236}">
-                <a16:creationId xmlns:a16="http://schemas.microsoft.com/office/drawing/2014/main" id="{3E5FEE2D-79E5-4C1D-8BF7-EE619CA7039A}"/>
-              </a:ext>
-            </a:extLst>
-          </p:cNvPr>
-          <p:cNvSpPr>
-            <a:spLocks noGrp="1"/>
-          </p:cNvSpPr>
-          <p:nvPr>
-            <p:ph type="title"/>
-          </p:nvPr>
-        </p:nvSpPr>
-        <p:spPr>
-          <a:xfrm>
-            <a:off x="838200" y="353550"/>
-            <a:ext cx="10515600" cy="1325563"/>
-          </a:xfrm>
-        </p:spPr>
-        <p:txBody>
-          <a:bodyPr anchor="b"/>
-          <a:lstStyle/>
-          <a:p>
-            <a:r>
-              <a:rPr lang="en-US" dirty="0"/>
-              <a:t>Speaking engagement metrics</a:t>
-            </a:r>
-          </a:p>
-        </p:txBody>
-      </p:sp>
-      <p:graphicFrame>
-        <p:nvGraphicFramePr>
-          <p:cNvPr id="13" name="Table Placeholder 2">
-            <a:extLst>
-              <a:ext uri="{FF2B5EF4-FFF2-40B4-BE49-F238E27FC236}">
-                <a16:creationId xmlns:a16="http://schemas.microsoft.com/office/drawing/2014/main" id="{4A94C7BE-6E60-66F0-EFD4-2F452B0D743A}"/>
-              </a:ext>
-            </a:extLst>
-          </p:cNvPr>
-          <p:cNvGraphicFramePr>
-            <a:graphicFrameLocks noGrp="1"/>
-          </p:cNvGraphicFramePr>
-          <p:nvPr>
-            <p:ph type="tbl" sz="quarter" idx="14"/>
-            <p:extLst>
-              <p:ext uri="{D42A27DB-BD31-4B8C-83A1-F6EECF244321}">
-                <p14:modId xmlns:p14="http://schemas.microsoft.com/office/powerpoint/2010/main" val="1224246859"/>
-              </p:ext>
-            </p:extLst>
-          </p:nvPr>
-        </p:nvGraphicFramePr>
-        <p:xfrm>
-          <a:off x="838200" y="2111375"/>
-          <a:ext cx="10515601" cy="3570968"/>
-        </p:xfrm>
-        <a:graphic>
-          <a:graphicData uri="http://schemas.openxmlformats.org/drawingml/2006/table">
-            <a:tbl>
-              <a:tblPr firstRow="1" bandRow="1">
-                <a:tableStyleId>{7E9639D4-E3E2-4D34-9284-5A2195B3D0D7}</a:tableStyleId>
-              </a:tblPr>
-              <a:tblGrid>
-                <a:gridCol w="3433998">
-                  <a:extLst>
-                    <a:ext uri="{9D8B030D-6E8A-4147-A177-3AD203B41FA5}">
-                      <a16:colId xmlns:a16="http://schemas.microsoft.com/office/drawing/2014/main" val="127040821"/>
-                    </a:ext>
-                  </a:extLst>
-                </a:gridCol>
-                <a:gridCol w="2450892">
-                  <a:extLst>
-                    <a:ext uri="{9D8B030D-6E8A-4147-A177-3AD203B41FA5}">
-                      <a16:colId xmlns:a16="http://schemas.microsoft.com/office/drawing/2014/main" val="149845700"/>
-                    </a:ext>
-                  </a:extLst>
-                </a:gridCol>
-                <a:gridCol w="2375942">
-                  <a:extLst>
-                    <a:ext uri="{9D8B030D-6E8A-4147-A177-3AD203B41FA5}">
-                      <a16:colId xmlns:a16="http://schemas.microsoft.com/office/drawing/2014/main" val="3119692462"/>
-                    </a:ext>
-                  </a:extLst>
-                </a:gridCol>
-                <a:gridCol w="2254769">
-                  <a:extLst>
-                    <a:ext uri="{9D8B030D-6E8A-4147-A177-3AD203B41FA5}">
-                      <a16:colId xmlns:a16="http://schemas.microsoft.com/office/drawing/2014/main" val="3472639139"/>
-                    </a:ext>
-                  </a:extLst>
-                </a:gridCol>
-              </a:tblGrid>
-              <a:tr h="733347">
-                <a:tc>
-                  <a:txBody>
-                    <a:bodyPr/>
-                    <a:lstStyle/>
-                    <a:p>
-                      <a:pPr algn="ctr"/>
-                      <a:r>
-                        <a:rPr lang="en-US" b="0" dirty="0"/>
-                        <a:t>IMPACT FACTOR</a:t>
-                      </a:r>
-                    </a:p>
-                  </a:txBody>
-                  <a:tcPr anchor="ctr"/>
-                </a:tc>
-                <a:tc>
-                  <a:txBody>
-                    <a:bodyPr/>
-                    <a:lstStyle/>
-                    <a:p>
-                      <a:pPr algn="ctr"/>
-                      <a:r>
-                        <a:rPr lang="en-US" b="0" dirty="0"/>
-                        <a:t>MEASUREMENT</a:t>
-                      </a:r>
-                    </a:p>
-                  </a:txBody>
-                  <a:tcPr anchor="ctr"/>
-                </a:tc>
-                <a:tc>
-                  <a:txBody>
-                    <a:bodyPr/>
-                    <a:lstStyle/>
-                    <a:p>
-                      <a:pPr algn="ctr"/>
-                      <a:r>
-                        <a:rPr lang="en-US" b="0" dirty="0"/>
-                        <a:t>TARGET</a:t>
-                      </a:r>
-                    </a:p>
-                  </a:txBody>
-                  <a:tcPr anchor="ctr"/>
-                </a:tc>
-                <a:tc>
-                  <a:txBody>
-                    <a:bodyPr/>
-                    <a:lstStyle/>
-                    <a:p>
-                      <a:pPr algn="ctr"/>
-                      <a:r>
-                        <a:rPr lang="en-US" b="0" dirty="0"/>
-                        <a:t>ACHIEVED</a:t>
-                      </a:r>
-                    </a:p>
-                  </a:txBody>
-                  <a:tcPr anchor="ctr"/>
-                </a:tc>
-                <a:extLst>
-                  <a:ext uri="{0D108BD9-81ED-4DB2-BD59-A6C34878D82A}">
-                    <a16:rowId xmlns:a16="http://schemas.microsoft.com/office/drawing/2014/main" val="3298013591"/>
-                  </a:ext>
-                </a:extLst>
-              </a:tr>
-              <a:tr h="531843">
-                <a:tc>
-                  <a:txBody>
-                    <a:bodyPr/>
-                    <a:lstStyle/>
-                    <a:p>
-                      <a:pPr algn="ctr"/>
-                      <a:r>
-                        <a:rPr lang="en-US" dirty="0"/>
-                        <a:t>Audience interaction</a:t>
-                      </a:r>
-                    </a:p>
-                  </a:txBody>
-                  <a:tcPr anchor="ctr"/>
-                </a:tc>
-                <a:tc>
-                  <a:txBody>
-                    <a:bodyPr/>
-                    <a:lstStyle/>
-                    <a:p>
-                      <a:pPr algn="ctr"/>
-                      <a:r>
-                        <a:rPr lang="en-US" dirty="0"/>
-                        <a:t>Percentage (%)</a:t>
-                      </a:r>
-                    </a:p>
-                  </a:txBody>
-                  <a:tcPr anchor="ctr"/>
-                </a:tc>
-                <a:tc>
-                  <a:txBody>
-                    <a:bodyPr/>
-                    <a:lstStyle/>
-                    <a:p>
-                      <a:pPr algn="ctr"/>
-                      <a:r>
-                        <a:rPr lang="en-US" dirty="0"/>
-                        <a:t>85</a:t>
-                      </a:r>
-                    </a:p>
-                  </a:txBody>
-                  <a:tcPr anchor="ctr"/>
-                </a:tc>
-                <a:tc>
-                  <a:txBody>
-                    <a:bodyPr/>
-                    <a:lstStyle/>
-                    <a:p>
-                      <a:pPr algn="ctr"/>
-                      <a:r>
-                        <a:rPr lang="en-US" dirty="0"/>
-                        <a:t>88</a:t>
-                      </a:r>
-                    </a:p>
-                  </a:txBody>
-                  <a:tcPr anchor="ctr"/>
-                </a:tc>
-                <a:extLst>
-                  <a:ext uri="{0D108BD9-81ED-4DB2-BD59-A6C34878D82A}">
-                    <a16:rowId xmlns:a16="http://schemas.microsoft.com/office/drawing/2014/main" val="3873867931"/>
-                  </a:ext>
-                </a:extLst>
-              </a:tr>
-              <a:tr h="531843">
-                <a:tc>
-                  <a:txBody>
-                    <a:bodyPr/>
-                    <a:lstStyle/>
-                    <a:p>
-                      <a:pPr algn="ctr"/>
-                      <a:r>
-                        <a:rPr lang="en-US" dirty="0"/>
-                        <a:t>Knowledge retention</a:t>
-                      </a:r>
-                    </a:p>
-                  </a:txBody>
-                  <a:tcPr anchor="ctr"/>
-                </a:tc>
-                <a:tc>
-                  <a:txBody>
-                    <a:bodyPr/>
-                    <a:lstStyle/>
-                    <a:p>
-                      <a:pPr algn="ctr"/>
-                      <a:r>
-                        <a:rPr lang="en-US" dirty="0"/>
-                        <a:t>Percentage (%)</a:t>
-                      </a:r>
-                    </a:p>
-                  </a:txBody>
-                  <a:tcPr anchor="ctr"/>
-                </a:tc>
-                <a:tc>
-                  <a:txBody>
-                    <a:bodyPr/>
-                    <a:lstStyle/>
-                    <a:p>
-                      <a:pPr algn="ctr"/>
-                      <a:r>
-                        <a:rPr lang="en-US" dirty="0"/>
-                        <a:t>75</a:t>
-                      </a:r>
-                    </a:p>
-                  </a:txBody>
-                  <a:tcPr anchor="ctr"/>
-                </a:tc>
-                <a:tc>
-                  <a:txBody>
-                    <a:bodyPr/>
-                    <a:lstStyle/>
-                    <a:p>
-                      <a:pPr algn="ctr"/>
-                      <a:r>
-                        <a:rPr lang="en-US" dirty="0"/>
-                        <a:t>80</a:t>
-                      </a:r>
-                    </a:p>
-                  </a:txBody>
-                  <a:tcPr anchor="ctr"/>
-                </a:tc>
-                <a:extLst>
-                  <a:ext uri="{0D108BD9-81ED-4DB2-BD59-A6C34878D82A}">
-                    <a16:rowId xmlns:a16="http://schemas.microsoft.com/office/drawing/2014/main" val="85209771"/>
-                  </a:ext>
-                </a:extLst>
-              </a:tr>
-              <a:tr h="531843">
-                <a:tc>
-                  <a:txBody>
-                    <a:bodyPr/>
-                    <a:lstStyle/>
-                    <a:p>
-                      <a:pPr algn="ctr"/>
-                      <a:r>
-                        <a:rPr lang="en-US" dirty="0"/>
-                        <a:t>Post-presentation surveys</a:t>
-                      </a:r>
-                    </a:p>
-                  </a:txBody>
-                  <a:tcPr anchor="ctr"/>
-                </a:tc>
-                <a:tc>
-                  <a:txBody>
-                    <a:bodyPr/>
-                    <a:lstStyle/>
-                    <a:p>
-                      <a:pPr algn="ctr"/>
-                      <a:r>
-                        <a:rPr lang="en-US" dirty="0"/>
-                        <a:t>Average rating</a:t>
-                      </a:r>
-                    </a:p>
-                  </a:txBody>
-                  <a:tcPr anchor="ctr"/>
-                </a:tc>
-                <a:tc>
-                  <a:txBody>
-                    <a:bodyPr/>
-                    <a:lstStyle/>
-                    <a:p>
-                      <a:pPr algn="ctr"/>
-                      <a:r>
-                        <a:rPr lang="en-US" dirty="0"/>
-                        <a:t>4.2</a:t>
-                      </a:r>
-                    </a:p>
-                  </a:txBody>
-                  <a:tcPr anchor="ctr"/>
-                </a:tc>
-                <a:tc>
-                  <a:txBody>
-                    <a:bodyPr/>
-                    <a:lstStyle/>
-                    <a:p>
-                      <a:pPr algn="ctr"/>
-                      <a:r>
-                        <a:rPr lang="en-US" dirty="0"/>
-                        <a:t>4.5</a:t>
-                      </a:r>
-                    </a:p>
-                  </a:txBody>
-                  <a:tcPr anchor="ctr"/>
-                </a:tc>
-                <a:extLst>
-                  <a:ext uri="{0D108BD9-81ED-4DB2-BD59-A6C34878D82A}">
-                    <a16:rowId xmlns:a16="http://schemas.microsoft.com/office/drawing/2014/main" val="4061031278"/>
-                  </a:ext>
-                </a:extLst>
-              </a:tr>
-              <a:tr h="531843">
-                <a:tc>
-                  <a:txBody>
-                    <a:bodyPr/>
-                    <a:lstStyle/>
-                    <a:p>
-                      <a:pPr algn="ctr"/>
-                      <a:r>
-                        <a:rPr lang="en-US" dirty="0"/>
-                        <a:t>Referral rate</a:t>
-                      </a:r>
-                    </a:p>
-                  </a:txBody>
-                  <a:tcPr anchor="ctr"/>
-                </a:tc>
-                <a:tc>
-                  <a:txBody>
-                    <a:bodyPr/>
-                    <a:lstStyle/>
-                    <a:p>
-                      <a:pPr algn="ctr"/>
-                      <a:r>
-                        <a:rPr lang="en-US" dirty="0"/>
-                        <a:t>Percentage (%)</a:t>
-                      </a:r>
-                    </a:p>
-                  </a:txBody>
-                  <a:tcPr anchor="ctr"/>
-                </a:tc>
-                <a:tc>
-                  <a:txBody>
-                    <a:bodyPr/>
-                    <a:lstStyle/>
-                    <a:p>
-                      <a:pPr algn="ctr"/>
-                      <a:r>
-                        <a:rPr lang="en-US" dirty="0"/>
-                        <a:t>10</a:t>
-                      </a:r>
-                    </a:p>
-                  </a:txBody>
-                  <a:tcPr anchor="ctr"/>
-                </a:tc>
-                <a:tc>
-                  <a:txBody>
-                    <a:bodyPr/>
-                    <a:lstStyle/>
-                    <a:p>
-                      <a:pPr algn="ctr"/>
-                      <a:r>
-                        <a:rPr lang="en-US" dirty="0"/>
-                        <a:t>12</a:t>
-                      </a:r>
-                    </a:p>
-                  </a:txBody>
-                  <a:tcPr anchor="ctr"/>
-                </a:tc>
-                <a:extLst>
-                  <a:ext uri="{0D108BD9-81ED-4DB2-BD59-A6C34878D82A}">
-                    <a16:rowId xmlns:a16="http://schemas.microsoft.com/office/drawing/2014/main" val="3591840781"/>
-                  </a:ext>
-                </a:extLst>
-              </a:tr>
-              <a:tr h="710249">
-                <a:tc>
-                  <a:txBody>
-                    <a:bodyPr/>
-                    <a:lstStyle/>
-                    <a:p>
-                      <a:pPr algn="ctr"/>
-                      <a:r>
-                        <a:rPr lang="en-US" dirty="0"/>
-                        <a:t>Collaboration opportunities</a:t>
-                      </a:r>
-                    </a:p>
-                  </a:txBody>
-                  <a:tcPr anchor="ctr"/>
-                </a:tc>
-                <a:tc>
-                  <a:txBody>
-                    <a:bodyPr/>
-                    <a:lstStyle/>
-                    <a:p>
-                      <a:pPr algn="ctr"/>
-                      <a:r>
-                        <a:rPr lang="en-US" dirty="0"/>
-                        <a:t># of opportunities</a:t>
-                      </a:r>
-                    </a:p>
-                  </a:txBody>
-                  <a:tcPr anchor="ctr"/>
-                </a:tc>
-                <a:tc>
-                  <a:txBody>
-                    <a:bodyPr/>
-                    <a:lstStyle/>
-                    <a:p>
-                      <a:pPr algn="ctr"/>
-                      <a:r>
-                        <a:rPr lang="en-US" dirty="0"/>
-                        <a:t>8</a:t>
-                      </a:r>
-                    </a:p>
-                  </a:txBody>
-                  <a:tcPr anchor="ctr"/>
-                </a:tc>
-                <a:tc>
-                  <a:txBody>
-                    <a:bodyPr/>
-                    <a:lstStyle/>
-                    <a:p>
-                      <a:pPr algn="ctr"/>
-                      <a:r>
-                        <a:rPr lang="en-US" dirty="0"/>
-                        <a:t>10</a:t>
-                      </a:r>
-                    </a:p>
-                  </a:txBody>
-                  <a:tcPr anchor="ctr"/>
-                </a:tc>
-                <a:extLst>
-                  <a:ext uri="{0D108BD9-81ED-4DB2-BD59-A6C34878D82A}">
-                    <a16:rowId xmlns:a16="http://schemas.microsoft.com/office/drawing/2014/main" val="335389741"/>
-                  </a:ext>
-                </a:extLst>
-              </a:tr>
-            </a:tbl>
-          </a:graphicData>
-        </a:graphic>
-      </p:graphicFrame>
-      <p:sp>
-        <p:nvSpPr>
-          <p:cNvPr id="5" name="Slide Number Placeholder 5">
-            <a:extLst>
-              <a:ext uri="{FF2B5EF4-FFF2-40B4-BE49-F238E27FC236}">
-                <a16:creationId xmlns:a16="http://schemas.microsoft.com/office/drawing/2014/main" id="{4832B776-E386-1CF9-CC8F-2D2FF3EA7066}"/>
-              </a:ext>
-            </a:extLst>
-          </p:cNvPr>
-          <p:cNvSpPr>
-            <a:spLocks noGrp="1"/>
-          </p:cNvSpPr>
-          <p:nvPr>
-            <p:ph type="sldNum" sz="quarter" idx="12"/>
-          </p:nvPr>
-        </p:nvSpPr>
-        <p:spPr>
-          <a:xfrm>
-            <a:off x="10373350" y="6356349"/>
-            <a:ext cx="987552" cy="365125"/>
-          </a:xfrm>
-        </p:spPr>
-        <p:txBody>
-          <a:bodyPr/>
-          <a:lstStyle/>
-          <a:p>
-            <a:fld id="{A49DFD55-3C28-40EF-9E31-A92D2E4017FF}" type="slidenum">
-              <a:rPr lang="en-US" smtClean="0"/>
-              <a:pPr/>
-              <a:t>14</a:t>
-            </a:fld>
-            <a:endParaRPr lang="en-US" dirty="0"/>
-          </a:p>
-        </p:txBody>
-      </p:sp>
-    </p:spTree>
-    <p:extLst>
-      <p:ext uri="{BB962C8B-B14F-4D97-AF65-F5344CB8AC3E}">
-        <p14:creationId xmlns:p14="http://schemas.microsoft.com/office/powerpoint/2010/main" val="2791821786"/>
-      </p:ext>
-    </p:extLst>
-  </p:cSld>
-  <p:clrMapOvr>
-    <a:masterClrMapping/>
-  </p:clrMapOvr>
-</p:sld>
-</file>
-
-<file path=ppt/slides/slide15.xml><?xml version="1.0" encoding="utf-8"?>
-<p:sld xmlns:a="http://schemas.openxmlformats.org/drawingml/2006/main" xmlns:r="http://schemas.openxmlformats.org/officeDocument/2006/relationships" xmlns:p="http://schemas.openxmlformats.org/presentationml/2006/main">
-  <p:cSld>
-    <p:spTree>
-      <p:nvGrpSpPr>
-        <p:cNvPr id="1" name=""/>
-        <p:cNvGrpSpPr/>
-        <p:nvPr/>
-      </p:nvGrpSpPr>
-      <p:grpSpPr>
-        <a:xfrm>
-          <a:off x="0" y="0"/>
-          <a:ext cx="0" cy="0"/>
-          <a:chOff x="0" y="0"/>
-          <a:chExt cx="0" cy="0"/>
-        </a:xfrm>
-      </p:grpSpPr>
-      <p:sp>
-        <p:nvSpPr>
-          <p:cNvPr id="2" name="Title 1">
-            <a:extLst>
-              <a:ext uri="{FF2B5EF4-FFF2-40B4-BE49-F238E27FC236}">
                 <a16:creationId xmlns:a16="http://schemas.microsoft.com/office/drawing/2014/main" id="{8BDF1EDE-5423-435C-B149-87AB1BC22B83}"/>
               </a:ext>
             </a:extLst>
@@ -9254,70 +8107,17 @@
         </p:nvSpPr>
         <p:spPr>
           <a:xfrm>
-            <a:off x="4267200" y="1615736"/>
-            <a:ext cx="4179570" cy="1524735"/>
+            <a:off x="4725900" y="3136764"/>
+            <a:ext cx="2740200" cy="584471"/>
           </a:xfrm>
         </p:spPr>
         <p:txBody>
-          <a:bodyPr/>
+          <a:bodyPr anchor="ctr"/>
           <a:lstStyle/>
           <a:p>
             <a:r>
               <a:rPr lang="en-US" dirty="0"/>
               <a:t>THANK YOU</a:t>
-            </a:r>
-          </a:p>
-        </p:txBody>
-      </p:sp>
-      <p:sp>
-        <p:nvSpPr>
-          <p:cNvPr id="3" name="Subtitle 2">
-            <a:extLst>
-              <a:ext uri="{FF2B5EF4-FFF2-40B4-BE49-F238E27FC236}">
-                <a16:creationId xmlns:a16="http://schemas.microsoft.com/office/drawing/2014/main" id="{AF64C29E-DF30-4DC6-AB95-2016F9A703B6}"/>
-              </a:ext>
-            </a:extLst>
-          </p:cNvPr>
-          <p:cNvSpPr>
-            <a:spLocks noGrp="1"/>
-          </p:cNvSpPr>
-          <p:nvPr>
-            <p:ph type="subTitle" idx="1"/>
-          </p:nvPr>
-        </p:nvSpPr>
-        <p:spPr>
-          <a:xfrm>
-            <a:off x="4267200" y="3238103"/>
-            <a:ext cx="4179570" cy="2850181"/>
-          </a:xfrm>
-        </p:spPr>
-        <p:txBody>
-          <a:bodyPr>
-            <a:noAutofit/>
-          </a:bodyPr>
-          <a:lstStyle/>
-          <a:p>
-            <a:r>
-              <a:rPr lang="en-US" dirty="0"/>
-              <a:t>Brita Tamm</a:t>
-            </a:r>
-          </a:p>
-          <a:p>
-            <a:r>
-              <a:rPr lang="en-US" dirty="0"/>
-              <a:t>502-555-0152</a:t>
-            </a:r>
-          </a:p>
-          <a:p>
-            <a:r>
-              <a:rPr lang="en-US" dirty="0"/>
-              <a:t>brita@firstupconsultants.com</a:t>
-            </a:r>
-          </a:p>
-          <a:p>
-            <a:r>
-              <a:rPr lang="en-US" dirty="0"/>
-              <a:t>www.firstupconsultants.com</a:t>
             </a:r>
           </a:p>
         </p:txBody>
@@ -9351,7 +8151,7 @@
             <a:fld id="{A49DFD55-3C28-40EF-9E31-A92D2E4017FF}" type="slidenum">
               <a:rPr lang="en-US" smtClean="0"/>
               <a:pPr/>
-              <a:t>15</a:t>
+              <a:t>11</a:t>
             </a:fld>
             <a:endParaRPr lang="en-US" dirty="0"/>
           </a:p>
@@ -9456,6 +8256,12 @@
           <a:p>
             <a:r>
               <a:rPr lang="en-US" dirty="0"/>
+              <a:t>Tool Suite</a:t>
+            </a:r>
+          </a:p>
+          <a:p>
+            <a:r>
+              <a:rPr lang="en-US" dirty="0"/>
               <a:t>Design Choices</a:t>
             </a:r>
           </a:p>
@@ -9625,14 +8431,54 @@
             <p:ph type="ctrTitle"/>
           </p:nvPr>
         </p:nvSpPr>
-        <p:spPr/>
+        <p:spPr>
+          <a:xfrm>
+            <a:off x="7452150" y="1349214"/>
+            <a:ext cx="4179570" cy="4159571"/>
+          </a:xfrm>
+        </p:spPr>
         <p:txBody>
           <a:bodyPr/>
           <a:lstStyle/>
           <a:p>
             <a:r>
               <a:rPr lang="en-US" dirty="0"/>
-              <a:t>Performing market research is complex and time consuming</a:t>
+              <a:t>Performing market research </a:t>
+            </a:r>
+            <a:br>
+              <a:rPr lang="en-US" dirty="0"/>
+            </a:br>
+            <a:r>
+              <a:rPr lang="en-US" dirty="0"/>
+              <a:t>is </a:t>
+            </a:r>
+            <a:br>
+              <a:rPr lang="en-US" dirty="0"/>
+            </a:br>
+            <a:r>
+              <a:rPr lang="en-US" dirty="0"/>
+              <a:t>complex </a:t>
+            </a:r>
+            <a:br>
+              <a:rPr lang="en-US" dirty="0"/>
+            </a:br>
+            <a:r>
+              <a:rPr lang="en-US" dirty="0"/>
+              <a:t>and </a:t>
+            </a:r>
+            <a:br>
+              <a:rPr lang="en-US" dirty="0"/>
+            </a:br>
+            <a:r>
+              <a:rPr lang="en-US" dirty="0"/>
+              <a:t>time </a:t>
+            </a:r>
+            <a:br>
+              <a:rPr lang="en-US" dirty="0"/>
+            </a:br>
+            <a:r>
+              <a:rPr lang="en-US" dirty="0"/>
+              <a:t>consuming</a:t>
             </a:r>
           </a:p>
         </p:txBody>
@@ -9654,7 +8500,7 @@
           </p:nvPr>
         </p:nvPicPr>
         <p:blipFill>
-          <a:blip r:embed="rId2"/>
+          <a:blip r:embed="rId3"/>
           <a:srcRect l="2148" r="2148"/>
           <a:stretch/>
         </p:blipFill>
@@ -9755,7 +8601,7 @@
         <p:spPr>
           <a:xfrm>
             <a:off x="344558" y="2345635"/>
-            <a:ext cx="3432312" cy="1938992"/>
+            <a:ext cx="3432312" cy="2677656"/>
           </a:xfrm>
           <a:prstGeom prst="rect">
             <a:avLst/>
@@ -9778,21 +8624,35 @@
                   <a:schemeClr val="accent1"/>
                 </a:solidFill>
               </a:rPr>
+              <a:t>Understand the company</a:t>
+            </a:r>
+          </a:p>
+          <a:p>
+            <a:pPr marL="285750" indent="-285750">
+              <a:buFont typeface="Arial" panose="020B0604020202020204" pitchFamily="34" charset="0"/>
+              <a:buChar char="•"/>
+            </a:pPr>
+            <a:r>
+              <a:rPr lang="en-US" sz="2400" dirty="0">
+                <a:solidFill>
+                  <a:schemeClr val="accent1"/>
+                </a:solidFill>
+              </a:rPr>
+              <a:t>Ensure information is current/relevant</a:t>
+            </a:r>
+          </a:p>
+          <a:p>
+            <a:pPr marL="285750" indent="-285750">
+              <a:buFont typeface="Arial" panose="020B0604020202020204" pitchFamily="34" charset="0"/>
+              <a:buChar char="•"/>
+            </a:pPr>
+            <a:r>
+              <a:rPr lang="en-US" sz="2400" dirty="0">
+                <a:solidFill>
+                  <a:schemeClr val="accent1"/>
+                </a:solidFill>
+              </a:rPr>
               <a:t>Determine valuation</a:t>
-            </a:r>
-          </a:p>
-          <a:p>
-            <a:pPr marL="285750" indent="-285750">
-              <a:buFont typeface="Arial" panose="020B0604020202020204" pitchFamily="34" charset="0"/>
-              <a:buChar char="•"/>
-            </a:pPr>
-            <a:r>
-              <a:rPr lang="en-US" sz="2400" dirty="0">
-                <a:solidFill>
-                  <a:schemeClr val="accent1"/>
-                </a:solidFill>
-              </a:rPr>
-              <a:t>Ensure information is current</a:t>
             </a:r>
           </a:p>
           <a:p>
@@ -9920,24 +8780,27 @@
         </p:nvSpPr>
         <p:spPr>
           <a:xfrm>
-            <a:off x="6991350" y="406400"/>
-            <a:ext cx="4179570" cy="3457971"/>
+            <a:off x="6588150" y="2660200"/>
+            <a:ext cx="4593450" cy="1148800"/>
           </a:xfrm>
         </p:spPr>
         <p:txBody>
-          <a:bodyPr/>
+          <a:bodyPr anchor="t"/>
           <a:lstStyle/>
           <a:p>
             <a:r>
               <a:rPr lang="en-US" dirty="0"/>
-              <a:t>Simplifinance’s</a:t>
+              <a:t>The solution:</a:t>
             </a:r>
             <a:br>
               <a:rPr lang="en-US" dirty="0"/>
             </a:br>
-            <a:r>
-              <a:rPr lang="en-US" dirty="0"/>
-              <a:t>solution</a:t>
+            <a:br>
+              <a:rPr lang="en-US" dirty="0"/>
+            </a:br>
+            <a:r>
+              <a:rPr lang="en-US" dirty="0"/>
+              <a:t>	Simplifinance</a:t>
             </a:r>
           </a:p>
         </p:txBody>
@@ -9998,13 +8861,13 @@
         </p:nvSpPr>
         <p:spPr>
           <a:xfrm>
-            <a:off x="474699" y="1790667"/>
-            <a:ext cx="3485324" cy="562269"/>
+            <a:off x="8722339" y="1351990"/>
+            <a:ext cx="2591562" cy="733110"/>
           </a:xfrm>
         </p:spPr>
         <p:txBody>
-          <a:bodyPr>
-            <a:normAutofit fontScale="92500"/>
+          <a:bodyPr anchor="ctr">
+            <a:normAutofit fontScale="92500" lnSpcReduction="10000"/>
           </a:bodyPr>
           <a:lstStyle/>
           <a:p>
@@ -10012,14 +8875,14 @@
               <a:buNone/>
             </a:pPr>
             <a:r>
-              <a:rPr lang="en-US" sz="2400" dirty="0">
+              <a:rPr lang="en-US" sz="2400" b="1" dirty="0">
                 <a:solidFill>
                   <a:schemeClr val="bg2">
                     <a:lumMod val="90000"/>
                   </a:schemeClr>
                 </a:solidFill>
               </a:rPr>
-              <a:t>Custom analysis functions</a:t>
+              <a:t>Custom Analysis Functions</a:t>
             </a:r>
           </a:p>
         </p:txBody>
@@ -10075,8 +8938,8 @@
         </p:nvSpPr>
         <p:spPr>
           <a:xfrm>
-            <a:off x="474699" y="2352935"/>
-            <a:ext cx="3734874" cy="3023808"/>
+            <a:off x="8150683" y="2350612"/>
+            <a:ext cx="3734874" cy="1333465"/>
           </a:xfrm>
           <a:prstGeom prst="rect">
             <a:avLst/>
@@ -10260,58 +9123,6 @@
                   </a:schemeClr>
                 </a:solidFill>
               </a:rPr>
-              <a:t>Time dependent search</a:t>
-            </a:r>
-          </a:p>
-          <a:p>
-            <a:pPr marL="569214" lvl="2"/>
-            <a:r>
-              <a:rPr lang="en-US" sz="1700" dirty="0">
-                <a:solidFill>
-                  <a:schemeClr val="bg2">
-                    <a:lumMod val="90000"/>
-                  </a:schemeClr>
-                </a:solidFill>
-              </a:rPr>
-              <a:t>Current calendar date</a:t>
-            </a:r>
-          </a:p>
-          <a:p>
-            <a:pPr marL="569214" lvl="2"/>
-            <a:r>
-              <a:rPr lang="en-US" sz="1700" dirty="0">
-                <a:solidFill>
-                  <a:schemeClr val="bg2">
-                    <a:lumMod val="90000"/>
-                  </a:schemeClr>
-                </a:solidFill>
-              </a:rPr>
-              <a:t>Current quarter</a:t>
-            </a:r>
-          </a:p>
-          <a:p>
-            <a:pPr marL="569214" lvl="2"/>
-            <a:r>
-              <a:rPr lang="en-US" sz="1700" dirty="0">
-                <a:solidFill>
-                  <a:schemeClr val="bg2">
-                    <a:lumMod val="90000"/>
-                  </a:schemeClr>
-                </a:solidFill>
-              </a:rPr>
-              <a:t>Current time</a:t>
-            </a:r>
-          </a:p>
-          <a:p>
-            <a:pPr marL="285750" lvl="1"/>
-            <a:r>
-              <a:rPr lang="en-US" sz="1700" dirty="0">
-                <a:solidFill>
-                  <a:schemeClr val="bg2">
-                    <a:lumMod val="90000"/>
-                  </a:schemeClr>
-                </a:solidFill>
-              </a:rPr>
               <a:t>Retrieve Discounted Cash Flow (DCF) valuation</a:t>
             </a:r>
           </a:p>
@@ -10346,15 +9157,15 @@
         </p:nvSpPr>
         <p:spPr>
           <a:xfrm>
-            <a:off x="4415810" y="1790669"/>
-            <a:ext cx="3532655" cy="562269"/>
+            <a:off x="4329671" y="1351990"/>
+            <a:ext cx="3532655" cy="733109"/>
           </a:xfrm>
           <a:prstGeom prst="rect">
             <a:avLst/>
           </a:prstGeom>
         </p:spPr>
         <p:txBody>
-          <a:bodyPr vert="horz" lIns="91440" tIns="45720" rIns="91440" bIns="45720" rtlCol="0">
+          <a:bodyPr vert="horz" lIns="91440" tIns="45720" rIns="91440" bIns="45720" rtlCol="0" anchor="ctr">
             <a:noAutofit/>
           </a:bodyPr>
           <a:lstStyle>
@@ -10527,14 +9338,14 @@
               <a:buNone/>
             </a:pPr>
             <a:r>
-              <a:rPr lang="en-US" sz="2200" dirty="0">
+              <a:rPr lang="en-US" sz="2200" b="1" dirty="0">
                 <a:solidFill>
                   <a:schemeClr val="bg2">
                     <a:lumMod val="90000"/>
                   </a:schemeClr>
                 </a:solidFill>
               </a:rPr>
-              <a:t>Embedded Financial Data</a:t>
+              <a:t>Retrieval Augmented Generation</a:t>
             </a:r>
           </a:p>
         </p:txBody>
@@ -10555,7 +9366,7 @@
         </p:nvSpPr>
         <p:spPr>
           <a:xfrm>
-            <a:off x="4419828" y="2350612"/>
+            <a:off x="4228562" y="2350612"/>
             <a:ext cx="3734874" cy="4388417"/>
           </a:xfrm>
           <a:prstGeom prst="rect">
@@ -10753,7 +9564,7 @@
                   </a:schemeClr>
                 </a:solidFill>
               </a:rPr>
-              <a:t>10-K reports</a:t>
+              <a:t>10-K reports (audited)</a:t>
             </a:r>
           </a:p>
           <a:p>
@@ -10766,7 +9577,7 @@
                   </a:schemeClr>
                 </a:solidFill>
               </a:rPr>
-              <a:t>Annual</a:t>
+              <a:t>Submitted annually</a:t>
             </a:r>
           </a:p>
           <a:p>
@@ -10792,7 +9603,7 @@
                   </a:schemeClr>
                 </a:solidFill>
               </a:rPr>
-              <a:t>10-Q reports</a:t>
+              <a:t>10-Q reports (unaudited)</a:t>
             </a:r>
           </a:p>
           <a:p>
@@ -10805,7 +9616,7 @@
                   </a:schemeClr>
                 </a:solidFill>
               </a:rPr>
-              <a:t>Quarterly</a:t>
+              <a:t>Submitted quarterly</a:t>
             </a:r>
           </a:p>
           <a:p>
@@ -10902,7 +9713,7 @@
         </p:nvSpPr>
         <p:spPr>
           <a:xfrm>
-            <a:off x="4415810" y="495034"/>
+            <a:off x="407552" y="100800"/>
             <a:ext cx="3734874" cy="1015663"/>
           </a:xfrm>
           <a:prstGeom prst="rect">
@@ -10917,7 +9728,7 @@
           <a:lstStyle/>
           <a:p>
             <a:r>
-              <a:rPr lang="en-US" sz="6000" dirty="0">
+              <a:rPr lang="en-US" sz="6000" b="1" dirty="0">
                 <a:solidFill>
                   <a:schemeClr val="bg2">
                     <a:lumMod val="90000"/>
@@ -10945,15 +9756,15 @@
         </p:nvSpPr>
         <p:spPr>
           <a:xfrm>
-            <a:off x="8581745" y="1788343"/>
-            <a:ext cx="3014664" cy="562269"/>
+            <a:off x="765060" y="1351991"/>
+            <a:ext cx="2299648" cy="733109"/>
           </a:xfrm>
           <a:prstGeom prst="rect">
             <a:avLst/>
           </a:prstGeom>
         </p:spPr>
         <p:txBody>
-          <a:bodyPr vert="horz" lIns="91440" tIns="45720" rIns="91440" bIns="45720" rtlCol="0">
+          <a:bodyPr vert="horz" lIns="91440" tIns="45720" rIns="91440" bIns="45720" rtlCol="0" anchor="ctr">
             <a:noAutofit/>
           </a:bodyPr>
           <a:lstStyle>
@@ -11126,7 +9937,7 @@
               <a:buNone/>
             </a:pPr>
             <a:r>
-              <a:rPr lang="en-US" sz="2200" dirty="0">
+              <a:rPr lang="en-US" sz="2200" b="1" dirty="0">
                 <a:solidFill>
                   <a:schemeClr val="bg2">
                     <a:lumMod val="90000"/>
@@ -11154,8 +9965,8 @@
         </p:nvSpPr>
         <p:spPr>
           <a:xfrm>
-            <a:off x="8732829" y="2346638"/>
-            <a:ext cx="3014664" cy="2911296"/>
+            <a:off x="407552" y="2350612"/>
+            <a:ext cx="3014664" cy="4169362"/>
           </a:xfrm>
           <a:prstGeom prst="rect">
             <a:avLst/>
@@ -11163,7 +9974,7 @@
         </p:spPr>
         <p:txBody>
           <a:bodyPr vert="horz" lIns="91440" tIns="45720" rIns="91440" bIns="45720" rtlCol="0">
-            <a:normAutofit/>
+            <a:normAutofit lnSpcReduction="10000"/>
           </a:bodyPr>
           <a:lstStyle>
             <a:lvl1pPr marL="0" indent="0" algn="l" defTabSz="914400" rtl="0" eaLnBrk="1" latinLnBrk="0" hangingPunct="1">
@@ -11339,7 +10150,7 @@
                   </a:schemeClr>
                 </a:solidFill>
               </a:rPr>
-              <a:t>Polygon API</a:t>
+              <a:t>Date/Time Retrieval</a:t>
             </a:r>
           </a:p>
           <a:p>
@@ -11352,7 +10163,7 @@
                   </a:schemeClr>
                 </a:solidFill>
               </a:rPr>
-              <a:t>Financials</a:t>
+              <a:t>Current calendar date</a:t>
             </a:r>
           </a:p>
           <a:p>
@@ -11365,7 +10176,59 @@
                   </a:schemeClr>
                 </a:solidFill>
               </a:rPr>
-              <a:t>Aggregate Stock Info</a:t>
+              <a:t>Current quarter</a:t>
+            </a:r>
+          </a:p>
+          <a:p>
+            <a:pPr marL="569214" lvl="2"/>
+            <a:r>
+              <a:rPr lang="en-US" sz="1700" dirty="0">
+                <a:solidFill>
+                  <a:schemeClr val="bg2">
+                    <a:lumMod val="90000"/>
+                  </a:schemeClr>
+                </a:solidFill>
+              </a:rPr>
+              <a:t>Current time</a:t>
+            </a:r>
+          </a:p>
+          <a:p>
+            <a:pPr marL="285750" lvl="1"/>
+            <a:r>
+              <a:rPr lang="en-US" sz="1700" dirty="0">
+                <a:solidFill>
+                  <a:schemeClr val="bg2">
+                    <a:lumMod val="90000"/>
+                  </a:schemeClr>
+                </a:solidFill>
+              </a:rPr>
+              <a:t>Polygon API</a:t>
+            </a:r>
+          </a:p>
+          <a:p>
+            <a:pPr marL="569214" lvl="2"/>
+            <a:r>
+              <a:rPr lang="en-US" sz="1700" dirty="0">
+                <a:solidFill>
+                  <a:schemeClr val="bg2">
+                    <a:lumMod val="90000"/>
+                  </a:schemeClr>
+                </a:solidFill>
+              </a:rPr>
+              <a:t>Financials</a:t>
+            </a:r>
+          </a:p>
+          <a:p>
+            <a:pPr marL="569214" lvl="2"/>
+            <a:r>
+              <a:rPr lang="en-US" sz="1700" dirty="0">
+                <a:solidFill>
+                  <a:schemeClr val="bg2">
+                    <a:lumMod val="90000"/>
+                  </a:schemeClr>
+                </a:solidFill>
+              </a:rPr>
+              <a:t>Aggregate stock info</a:t>
             </a:r>
           </a:p>
           <a:p>
@@ -11509,7 +10372,7 @@
         </p:nvSpPr>
         <p:spPr>
           <a:xfrm>
-            <a:off x="2280792" y="161404"/>
+            <a:off x="323068" y="34965"/>
             <a:ext cx="7630416" cy="1015663"/>
           </a:xfrm>
           <a:prstGeom prst="rect">
@@ -11524,7 +10387,7 @@
           <a:lstStyle/>
           <a:p>
             <a:r>
-              <a:rPr lang="en-US" sz="6000" dirty="0">
+              <a:rPr lang="en-US" sz="6000" b="1" dirty="0">
                 <a:solidFill>
                   <a:schemeClr val="bg2">
                     <a:lumMod val="90000"/>
@@ -11884,8 +10747,8 @@
         </p:nvSpPr>
         <p:spPr>
           <a:xfrm>
-            <a:off x="6598370" y="3185379"/>
-            <a:ext cx="3014664" cy="1699818"/>
+            <a:off x="6671864" y="3075946"/>
+            <a:ext cx="3228136" cy="1015663"/>
           </a:xfrm>
           <a:prstGeom prst="rect">
             <a:avLst/>
@@ -12069,21 +10932,626 @@
                   </a:schemeClr>
                 </a:solidFill>
               </a:rPr>
-              <a:t>Response time</a:t>
+              <a:t>Response time/detail</a:t>
             </a:r>
           </a:p>
           <a:p>
             <a:pPr marL="342900" lvl="1" indent="-342900"/>
-            <a:endParaRPr lang="en-US" sz="2200" dirty="0">
-              <a:solidFill>
-                <a:schemeClr val="bg2">
-                  <a:lumMod val="90000"/>
-                </a:schemeClr>
-              </a:solidFill>
-            </a:endParaRPr>
+            <a:r>
+              <a:rPr lang="en-US" sz="2200" dirty="0">
+                <a:solidFill>
+                  <a:schemeClr val="bg2">
+                    <a:lumMod val="90000"/>
+                  </a:schemeClr>
+                </a:solidFill>
+              </a:rPr>
+              <a:t>Intuitive Chat UI</a:t>
+            </a:r>
           </a:p>
         </p:txBody>
       </p:sp>
+      <p:sp>
+        <p:nvSpPr>
+          <p:cNvPr id="30" name="Text Placeholder 2">
+            <a:extLst>
+              <a:ext uri="{FF2B5EF4-FFF2-40B4-BE49-F238E27FC236}">
+                <a16:creationId xmlns:a16="http://schemas.microsoft.com/office/drawing/2014/main" id="{55B02CE9-1472-2F61-4F4C-8986E798E1B4}"/>
+              </a:ext>
+            </a:extLst>
+          </p:cNvPr>
+          <p:cNvSpPr txBox="1">
+            <a:spLocks/>
+          </p:cNvSpPr>
+          <p:nvPr/>
+        </p:nvSpPr>
+        <p:spPr>
+          <a:xfrm>
+            <a:off x="7370733" y="4255089"/>
+            <a:ext cx="3014664" cy="466859"/>
+          </a:xfrm>
+          <a:prstGeom prst="rect">
+            <a:avLst/>
+          </a:prstGeom>
+        </p:spPr>
+        <p:txBody>
+          <a:bodyPr vert="horz" lIns="91440" tIns="45720" rIns="91440" bIns="45720" rtlCol="0">
+            <a:noAutofit/>
+          </a:bodyPr>
+          <a:lstStyle>
+            <a:lvl1pPr marL="0" indent="0" algn="l" defTabSz="914400" rtl="0" eaLnBrk="1" latinLnBrk="0" hangingPunct="1">
+              <a:lnSpc>
+                <a:spcPct val="100000"/>
+              </a:lnSpc>
+              <a:spcBef>
+                <a:spcPts val="1000"/>
+              </a:spcBef>
+              <a:buFont typeface="Arial" panose="020B0604020202020204" pitchFamily="34" charset="0"/>
+              <a:buNone/>
+              <a:defRPr sz="1800" b="1" kern="1200" spc="50" baseline="0">
+                <a:solidFill>
+                  <a:schemeClr val="tx1"/>
+                </a:solidFill>
+                <a:latin typeface="+mn-lt"/>
+                <a:ea typeface="+mn-ea"/>
+                <a:cs typeface="+mn-cs"/>
+              </a:defRPr>
+            </a:lvl1pPr>
+            <a:lvl2pPr marL="283464" indent="-285750" algn="l" defTabSz="914400" rtl="0" eaLnBrk="1" latinLnBrk="0" hangingPunct="1">
+              <a:lnSpc>
+                <a:spcPct val="100000"/>
+              </a:lnSpc>
+              <a:spcBef>
+                <a:spcPts val="1000"/>
+              </a:spcBef>
+              <a:buFont typeface="Arial" panose="020B0604020202020204" pitchFamily="34" charset="0"/>
+              <a:buChar char="•"/>
+              <a:defRPr sz="1800" kern="1200" spc="50" baseline="0">
+                <a:solidFill>
+                  <a:schemeClr val="tx1"/>
+                </a:solidFill>
+                <a:latin typeface="+mn-lt"/>
+                <a:ea typeface="+mn-ea"/>
+                <a:cs typeface="+mn-cs"/>
+              </a:defRPr>
+            </a:lvl2pPr>
+            <a:lvl3pPr marL="566928" indent="-285750" algn="l" defTabSz="914400" rtl="0" eaLnBrk="1" latinLnBrk="0" hangingPunct="1">
+              <a:lnSpc>
+                <a:spcPct val="100000"/>
+              </a:lnSpc>
+              <a:spcBef>
+                <a:spcPts val="1000"/>
+              </a:spcBef>
+              <a:buFont typeface="Arial" panose="020B0604020202020204" pitchFamily="34" charset="0"/>
+              <a:buChar char="•"/>
+              <a:defRPr sz="1800" kern="1200" spc="50" baseline="0">
+                <a:solidFill>
+                  <a:schemeClr val="tx1"/>
+                </a:solidFill>
+                <a:latin typeface="+mn-lt"/>
+                <a:ea typeface="+mn-ea"/>
+                <a:cs typeface="+mn-cs"/>
+              </a:defRPr>
+            </a:lvl3pPr>
+            <a:lvl4pPr marL="859536" indent="-285750" algn="l" defTabSz="914400" rtl="0" eaLnBrk="1" latinLnBrk="0" hangingPunct="1">
+              <a:lnSpc>
+                <a:spcPct val="100000"/>
+              </a:lnSpc>
+              <a:spcBef>
+                <a:spcPts val="1000"/>
+              </a:spcBef>
+              <a:buFont typeface="Arial" panose="020B0604020202020204" pitchFamily="34" charset="0"/>
+              <a:buChar char="•"/>
+              <a:defRPr sz="1800" kern="1200" spc="50" baseline="0">
+                <a:solidFill>
+                  <a:schemeClr val="tx1"/>
+                </a:solidFill>
+                <a:latin typeface="+mn-lt"/>
+                <a:ea typeface="+mn-ea"/>
+                <a:cs typeface="+mn-cs"/>
+              </a:defRPr>
+            </a:lvl4pPr>
+            <a:lvl5pPr marL="1143000" indent="-285750" algn="l" defTabSz="914400" rtl="0" eaLnBrk="1" latinLnBrk="0" hangingPunct="1">
+              <a:lnSpc>
+                <a:spcPct val="100000"/>
+              </a:lnSpc>
+              <a:spcBef>
+                <a:spcPts val="1000"/>
+              </a:spcBef>
+              <a:buFont typeface="Arial" panose="020B0604020202020204" pitchFamily="34" charset="0"/>
+              <a:buChar char="•"/>
+              <a:defRPr sz="1800" kern="1200" spc="50" baseline="0">
+                <a:solidFill>
+                  <a:schemeClr val="tx1"/>
+                </a:solidFill>
+                <a:latin typeface="+mn-lt"/>
+                <a:ea typeface="+mn-ea"/>
+                <a:cs typeface="+mn-cs"/>
+              </a:defRPr>
+            </a:lvl5pPr>
+            <a:lvl6pPr marL="2514600" indent="-228600" algn="l" defTabSz="914400" rtl="0" eaLnBrk="1" latinLnBrk="0" hangingPunct="1">
+              <a:lnSpc>
+                <a:spcPct val="90000"/>
+              </a:lnSpc>
+              <a:spcBef>
+                <a:spcPts val="500"/>
+              </a:spcBef>
+              <a:buFont typeface="Arial" panose="020B0604020202020204" pitchFamily="34" charset="0"/>
+              <a:buChar char="•"/>
+              <a:defRPr sz="1800" kern="1200">
+                <a:solidFill>
+                  <a:schemeClr val="tx1"/>
+                </a:solidFill>
+                <a:latin typeface="+mn-lt"/>
+                <a:ea typeface="+mn-ea"/>
+                <a:cs typeface="+mn-cs"/>
+              </a:defRPr>
+            </a:lvl6pPr>
+            <a:lvl7pPr marL="2971800" indent="-228600" algn="l" defTabSz="914400" rtl="0" eaLnBrk="1" latinLnBrk="0" hangingPunct="1">
+              <a:lnSpc>
+                <a:spcPct val="90000"/>
+              </a:lnSpc>
+              <a:spcBef>
+                <a:spcPts val="500"/>
+              </a:spcBef>
+              <a:buFont typeface="Arial" panose="020B0604020202020204" pitchFamily="34" charset="0"/>
+              <a:buChar char="•"/>
+              <a:defRPr sz="1800" kern="1200">
+                <a:solidFill>
+                  <a:schemeClr val="tx1"/>
+                </a:solidFill>
+                <a:latin typeface="+mn-lt"/>
+                <a:ea typeface="+mn-ea"/>
+                <a:cs typeface="+mn-cs"/>
+              </a:defRPr>
+            </a:lvl7pPr>
+            <a:lvl8pPr marL="3429000" indent="-228600" algn="l" defTabSz="914400" rtl="0" eaLnBrk="1" latinLnBrk="0" hangingPunct="1">
+              <a:lnSpc>
+                <a:spcPct val="90000"/>
+              </a:lnSpc>
+              <a:spcBef>
+                <a:spcPts val="500"/>
+              </a:spcBef>
+              <a:buFont typeface="Arial" panose="020B0604020202020204" pitchFamily="34" charset="0"/>
+              <a:buChar char="•"/>
+              <a:defRPr sz="1800" kern="1200">
+                <a:solidFill>
+                  <a:schemeClr val="tx1"/>
+                </a:solidFill>
+                <a:latin typeface="+mn-lt"/>
+                <a:ea typeface="+mn-ea"/>
+                <a:cs typeface="+mn-cs"/>
+              </a:defRPr>
+            </a:lvl8pPr>
+            <a:lvl9pPr marL="3886200" indent="-228600" algn="l" defTabSz="914400" rtl="0" eaLnBrk="1" latinLnBrk="0" hangingPunct="1">
+              <a:lnSpc>
+                <a:spcPct val="90000"/>
+              </a:lnSpc>
+              <a:spcBef>
+                <a:spcPts val="500"/>
+              </a:spcBef>
+              <a:buFont typeface="Arial" panose="020B0604020202020204" pitchFamily="34" charset="0"/>
+              <a:buChar char="•"/>
+              <a:defRPr sz="1800" kern="1200">
+                <a:solidFill>
+                  <a:schemeClr val="tx1"/>
+                </a:solidFill>
+                <a:latin typeface="+mn-lt"/>
+                <a:ea typeface="+mn-ea"/>
+                <a:cs typeface="+mn-cs"/>
+              </a:defRPr>
+            </a:lvl9pPr>
+          </a:lstStyle>
+          <a:p>
+            <a:pPr marL="342900" lvl="1" indent="-342900"/>
+            <a:r>
+              <a:rPr lang="en-US" sz="2200" dirty="0">
+                <a:solidFill>
+                  <a:schemeClr val="bg2">
+                    <a:lumMod val="90000"/>
+                  </a:schemeClr>
+                </a:solidFill>
+              </a:rPr>
+              <a:t>Streamed response</a:t>
+            </a:r>
+          </a:p>
+        </p:txBody>
+      </p:sp>
+      <p:cxnSp>
+        <p:nvCxnSpPr>
+          <p:cNvPr id="31" name="Connector: Elbow 30">
+            <a:extLst>
+              <a:ext uri="{FF2B5EF4-FFF2-40B4-BE49-F238E27FC236}">
+                <a16:creationId xmlns:a16="http://schemas.microsoft.com/office/drawing/2014/main" id="{9610C5EE-E4EC-1816-BA08-38BE8879BE5A}"/>
+              </a:ext>
+            </a:extLst>
+          </p:cNvPr>
+          <p:cNvCxnSpPr>
+            <a:cxnSpLocks/>
+          </p:cNvCxnSpPr>
+          <p:nvPr/>
+        </p:nvCxnSpPr>
+        <p:spPr>
+          <a:xfrm flipV="1">
+            <a:off x="4856922" y="3505200"/>
+            <a:ext cx="1669774" cy="188818"/>
+          </a:xfrm>
+          <a:prstGeom prst="bentConnector3">
+            <a:avLst>
+              <a:gd name="adj1" fmla="val 50000"/>
+            </a:avLst>
+          </a:prstGeom>
+          <a:ln w="76200">
+            <a:solidFill>
+              <a:schemeClr val="bg2">
+                <a:lumMod val="90000"/>
+              </a:schemeClr>
+            </a:solidFill>
+            <a:tailEnd type="triangle"/>
+          </a:ln>
+          <a:effectLst>
+            <a:glow rad="63500">
+              <a:schemeClr val="accent3">
+                <a:satMod val="175000"/>
+                <a:alpha val="40000"/>
+              </a:schemeClr>
+            </a:glow>
+          </a:effectLst>
+        </p:spPr>
+        <p:style>
+          <a:lnRef idx="1">
+            <a:schemeClr val="accent1"/>
+          </a:lnRef>
+          <a:fillRef idx="0">
+            <a:schemeClr val="accent1"/>
+          </a:fillRef>
+          <a:effectRef idx="0">
+            <a:schemeClr val="accent1"/>
+          </a:effectRef>
+          <a:fontRef idx="minor">
+            <a:schemeClr val="tx1"/>
+          </a:fontRef>
+        </p:style>
+      </p:cxnSp>
+      <p:cxnSp>
+        <p:nvCxnSpPr>
+          <p:cNvPr id="35" name="Connector: Elbow 34">
+            <a:extLst>
+              <a:ext uri="{FF2B5EF4-FFF2-40B4-BE49-F238E27FC236}">
+                <a16:creationId xmlns:a16="http://schemas.microsoft.com/office/drawing/2014/main" id="{7E0E3FDE-1A80-8739-10E1-5435D255E00F}"/>
+              </a:ext>
+            </a:extLst>
+          </p:cNvPr>
+          <p:cNvCxnSpPr>
+            <a:cxnSpLocks/>
+          </p:cNvCxnSpPr>
+          <p:nvPr/>
+        </p:nvCxnSpPr>
+        <p:spPr>
+          <a:xfrm flipV="1">
+            <a:off x="5385600" y="4479008"/>
+            <a:ext cx="1850396" cy="240916"/>
+          </a:xfrm>
+          <a:prstGeom prst="bentConnector3">
+            <a:avLst>
+              <a:gd name="adj1" fmla="val 50000"/>
+            </a:avLst>
+          </a:prstGeom>
+          <a:ln w="76200">
+            <a:solidFill>
+              <a:schemeClr val="bg2">
+                <a:lumMod val="90000"/>
+              </a:schemeClr>
+            </a:solidFill>
+            <a:tailEnd type="triangle"/>
+          </a:ln>
+          <a:effectLst>
+            <a:glow rad="63500">
+              <a:schemeClr val="accent3">
+                <a:satMod val="175000"/>
+                <a:alpha val="40000"/>
+              </a:schemeClr>
+            </a:glow>
+          </a:effectLst>
+        </p:spPr>
+        <p:style>
+          <a:lnRef idx="1">
+            <a:schemeClr val="accent1"/>
+          </a:lnRef>
+          <a:fillRef idx="0">
+            <a:schemeClr val="accent1"/>
+          </a:fillRef>
+          <a:effectRef idx="0">
+            <a:schemeClr val="accent1"/>
+          </a:effectRef>
+          <a:fontRef idx="minor">
+            <a:schemeClr val="tx1"/>
+          </a:fontRef>
+        </p:style>
+      </p:cxnSp>
+      <p:sp>
+        <p:nvSpPr>
+          <p:cNvPr id="40" name="Text Placeholder 2">
+            <a:extLst>
+              <a:ext uri="{FF2B5EF4-FFF2-40B4-BE49-F238E27FC236}">
+                <a16:creationId xmlns:a16="http://schemas.microsoft.com/office/drawing/2014/main" id="{08059450-8FD6-F275-AABA-0BA2D9E97422}"/>
+              </a:ext>
+            </a:extLst>
+          </p:cNvPr>
+          <p:cNvSpPr txBox="1">
+            <a:spLocks/>
+          </p:cNvSpPr>
+          <p:nvPr/>
+        </p:nvSpPr>
+        <p:spPr>
+          <a:xfrm>
+            <a:off x="7930768" y="4974825"/>
+            <a:ext cx="3326902" cy="1015663"/>
+          </a:xfrm>
+          <a:prstGeom prst="rect">
+            <a:avLst/>
+          </a:prstGeom>
+        </p:spPr>
+        <p:txBody>
+          <a:bodyPr vert="horz" lIns="91440" tIns="45720" rIns="91440" bIns="45720" rtlCol="0">
+            <a:noAutofit/>
+          </a:bodyPr>
+          <a:lstStyle>
+            <a:lvl1pPr marL="0" indent="0" algn="l" defTabSz="914400" rtl="0" eaLnBrk="1" latinLnBrk="0" hangingPunct="1">
+              <a:lnSpc>
+                <a:spcPct val="100000"/>
+              </a:lnSpc>
+              <a:spcBef>
+                <a:spcPts val="1000"/>
+              </a:spcBef>
+              <a:buFont typeface="Arial" panose="020B0604020202020204" pitchFamily="34" charset="0"/>
+              <a:buNone/>
+              <a:defRPr sz="1800" b="1" kern="1200" spc="50" baseline="0">
+                <a:solidFill>
+                  <a:schemeClr val="tx1"/>
+                </a:solidFill>
+                <a:latin typeface="+mn-lt"/>
+                <a:ea typeface="+mn-ea"/>
+                <a:cs typeface="+mn-cs"/>
+              </a:defRPr>
+            </a:lvl1pPr>
+            <a:lvl2pPr marL="283464" indent="-285750" algn="l" defTabSz="914400" rtl="0" eaLnBrk="1" latinLnBrk="0" hangingPunct="1">
+              <a:lnSpc>
+                <a:spcPct val="100000"/>
+              </a:lnSpc>
+              <a:spcBef>
+                <a:spcPts val="1000"/>
+              </a:spcBef>
+              <a:buFont typeface="Arial" panose="020B0604020202020204" pitchFamily="34" charset="0"/>
+              <a:buChar char="•"/>
+              <a:defRPr sz="1800" kern="1200" spc="50" baseline="0">
+                <a:solidFill>
+                  <a:schemeClr val="tx1"/>
+                </a:solidFill>
+                <a:latin typeface="+mn-lt"/>
+                <a:ea typeface="+mn-ea"/>
+                <a:cs typeface="+mn-cs"/>
+              </a:defRPr>
+            </a:lvl2pPr>
+            <a:lvl3pPr marL="566928" indent="-285750" algn="l" defTabSz="914400" rtl="0" eaLnBrk="1" latinLnBrk="0" hangingPunct="1">
+              <a:lnSpc>
+                <a:spcPct val="100000"/>
+              </a:lnSpc>
+              <a:spcBef>
+                <a:spcPts val="1000"/>
+              </a:spcBef>
+              <a:buFont typeface="Arial" panose="020B0604020202020204" pitchFamily="34" charset="0"/>
+              <a:buChar char="•"/>
+              <a:defRPr sz="1800" kern="1200" spc="50" baseline="0">
+                <a:solidFill>
+                  <a:schemeClr val="tx1"/>
+                </a:solidFill>
+                <a:latin typeface="+mn-lt"/>
+                <a:ea typeface="+mn-ea"/>
+                <a:cs typeface="+mn-cs"/>
+              </a:defRPr>
+            </a:lvl3pPr>
+            <a:lvl4pPr marL="859536" indent="-285750" algn="l" defTabSz="914400" rtl="0" eaLnBrk="1" latinLnBrk="0" hangingPunct="1">
+              <a:lnSpc>
+                <a:spcPct val="100000"/>
+              </a:lnSpc>
+              <a:spcBef>
+                <a:spcPts val="1000"/>
+              </a:spcBef>
+              <a:buFont typeface="Arial" panose="020B0604020202020204" pitchFamily="34" charset="0"/>
+              <a:buChar char="•"/>
+              <a:defRPr sz="1800" kern="1200" spc="50" baseline="0">
+                <a:solidFill>
+                  <a:schemeClr val="tx1"/>
+                </a:solidFill>
+                <a:latin typeface="+mn-lt"/>
+                <a:ea typeface="+mn-ea"/>
+                <a:cs typeface="+mn-cs"/>
+              </a:defRPr>
+            </a:lvl4pPr>
+            <a:lvl5pPr marL="1143000" indent="-285750" algn="l" defTabSz="914400" rtl="0" eaLnBrk="1" latinLnBrk="0" hangingPunct="1">
+              <a:lnSpc>
+                <a:spcPct val="100000"/>
+              </a:lnSpc>
+              <a:spcBef>
+                <a:spcPts val="1000"/>
+              </a:spcBef>
+              <a:buFont typeface="Arial" panose="020B0604020202020204" pitchFamily="34" charset="0"/>
+              <a:buChar char="•"/>
+              <a:defRPr sz="1800" kern="1200" spc="50" baseline="0">
+                <a:solidFill>
+                  <a:schemeClr val="tx1"/>
+                </a:solidFill>
+                <a:latin typeface="+mn-lt"/>
+                <a:ea typeface="+mn-ea"/>
+                <a:cs typeface="+mn-cs"/>
+              </a:defRPr>
+            </a:lvl5pPr>
+            <a:lvl6pPr marL="2514600" indent="-228600" algn="l" defTabSz="914400" rtl="0" eaLnBrk="1" latinLnBrk="0" hangingPunct="1">
+              <a:lnSpc>
+                <a:spcPct val="90000"/>
+              </a:lnSpc>
+              <a:spcBef>
+                <a:spcPts val="500"/>
+              </a:spcBef>
+              <a:buFont typeface="Arial" panose="020B0604020202020204" pitchFamily="34" charset="0"/>
+              <a:buChar char="•"/>
+              <a:defRPr sz="1800" kern="1200">
+                <a:solidFill>
+                  <a:schemeClr val="tx1"/>
+                </a:solidFill>
+                <a:latin typeface="+mn-lt"/>
+                <a:ea typeface="+mn-ea"/>
+                <a:cs typeface="+mn-cs"/>
+              </a:defRPr>
+            </a:lvl6pPr>
+            <a:lvl7pPr marL="2971800" indent="-228600" algn="l" defTabSz="914400" rtl="0" eaLnBrk="1" latinLnBrk="0" hangingPunct="1">
+              <a:lnSpc>
+                <a:spcPct val="90000"/>
+              </a:lnSpc>
+              <a:spcBef>
+                <a:spcPts val="500"/>
+              </a:spcBef>
+              <a:buFont typeface="Arial" panose="020B0604020202020204" pitchFamily="34" charset="0"/>
+              <a:buChar char="•"/>
+              <a:defRPr sz="1800" kern="1200">
+                <a:solidFill>
+                  <a:schemeClr val="tx1"/>
+                </a:solidFill>
+                <a:latin typeface="+mn-lt"/>
+                <a:ea typeface="+mn-ea"/>
+                <a:cs typeface="+mn-cs"/>
+              </a:defRPr>
+            </a:lvl7pPr>
+            <a:lvl8pPr marL="3429000" indent="-228600" algn="l" defTabSz="914400" rtl="0" eaLnBrk="1" latinLnBrk="0" hangingPunct="1">
+              <a:lnSpc>
+                <a:spcPct val="90000"/>
+              </a:lnSpc>
+              <a:spcBef>
+                <a:spcPts val="500"/>
+              </a:spcBef>
+              <a:buFont typeface="Arial" panose="020B0604020202020204" pitchFamily="34" charset="0"/>
+              <a:buChar char="•"/>
+              <a:defRPr sz="1800" kern="1200">
+                <a:solidFill>
+                  <a:schemeClr val="tx1"/>
+                </a:solidFill>
+                <a:latin typeface="+mn-lt"/>
+                <a:ea typeface="+mn-ea"/>
+                <a:cs typeface="+mn-cs"/>
+              </a:defRPr>
+            </a:lvl8pPr>
+            <a:lvl9pPr marL="3886200" indent="-228600" algn="l" defTabSz="914400" rtl="0" eaLnBrk="1" latinLnBrk="0" hangingPunct="1">
+              <a:lnSpc>
+                <a:spcPct val="90000"/>
+              </a:lnSpc>
+              <a:spcBef>
+                <a:spcPts val="500"/>
+              </a:spcBef>
+              <a:buFont typeface="Arial" panose="020B0604020202020204" pitchFamily="34" charset="0"/>
+              <a:buChar char="•"/>
+              <a:defRPr sz="1800" kern="1200">
+                <a:solidFill>
+                  <a:schemeClr val="tx1"/>
+                </a:solidFill>
+                <a:latin typeface="+mn-lt"/>
+                <a:ea typeface="+mn-ea"/>
+                <a:cs typeface="+mn-cs"/>
+              </a:defRPr>
+            </a:lvl9pPr>
+          </a:lstStyle>
+          <a:p>
+            <a:pPr marL="342900" lvl="1" indent="-342900"/>
+            <a:r>
+              <a:rPr lang="en-US" sz="2200" dirty="0">
+                <a:solidFill>
+                  <a:schemeClr val="accent2">
+                    <a:lumMod val="50000"/>
+                  </a:schemeClr>
+                </a:solidFill>
+              </a:rPr>
+              <a:t>Portfolio analysis</a:t>
+            </a:r>
+          </a:p>
+          <a:p>
+            <a:pPr marL="342900" lvl="1" indent="-342900"/>
+            <a:r>
+              <a:rPr lang="en-US" sz="2200" dirty="0">
+                <a:solidFill>
+                  <a:schemeClr val="accent2">
+                    <a:lumMod val="50000"/>
+                  </a:schemeClr>
+                </a:solidFill>
+              </a:rPr>
+              <a:t>Chat history/memory</a:t>
+            </a:r>
+          </a:p>
+          <a:p>
+            <a:pPr marL="342900" lvl="1" indent="-342900"/>
+            <a:r>
+              <a:rPr lang="en-US" sz="2200" dirty="0">
+                <a:solidFill>
+                  <a:schemeClr val="accent2">
+                    <a:lumMod val="50000"/>
+                  </a:schemeClr>
+                </a:solidFill>
+              </a:rPr>
+              <a:t>Less speech precision</a:t>
+            </a:r>
+          </a:p>
+        </p:txBody>
+      </p:sp>
+      <p:cxnSp>
+        <p:nvCxnSpPr>
+          <p:cNvPr id="48" name="Straight Arrow Connector 47">
+            <a:extLst>
+              <a:ext uri="{FF2B5EF4-FFF2-40B4-BE49-F238E27FC236}">
+                <a16:creationId xmlns:a16="http://schemas.microsoft.com/office/drawing/2014/main" id="{7916A7AB-9F4F-A960-5172-FED50C35322E}"/>
+              </a:ext>
+            </a:extLst>
+          </p:cNvPr>
+          <p:cNvCxnSpPr/>
+          <p:nvPr/>
+        </p:nvCxnSpPr>
+        <p:spPr>
+          <a:xfrm>
+            <a:off x="6023114" y="5652000"/>
+            <a:ext cx="1758417" cy="0"/>
+          </a:xfrm>
+          <a:prstGeom prst="straightConnector1">
+            <a:avLst/>
+          </a:prstGeom>
+          <a:ln w="76200">
+            <a:solidFill>
+              <a:schemeClr val="accent2">
+                <a:lumMod val="50000"/>
+              </a:schemeClr>
+            </a:solidFill>
+            <a:tailEnd type="triangle"/>
+          </a:ln>
+          <a:effectLst>
+            <a:glow rad="63500">
+              <a:schemeClr val="accent3">
+                <a:satMod val="175000"/>
+                <a:alpha val="40000"/>
+              </a:schemeClr>
+            </a:glow>
+          </a:effectLst>
+        </p:spPr>
+        <p:style>
+          <a:lnRef idx="1">
+            <a:schemeClr val="accent1"/>
+          </a:lnRef>
+          <a:fillRef idx="0">
+            <a:schemeClr val="accent1"/>
+          </a:fillRef>
+          <a:effectRef idx="0">
+            <a:schemeClr val="accent1"/>
+          </a:effectRef>
+          <a:fontRef idx="minor">
+            <a:schemeClr val="tx1"/>
+          </a:fontRef>
+        </p:style>
+      </p:cxnSp>
     </p:spTree>
     <p:extLst>
       <p:ext uri="{BB962C8B-B14F-4D97-AF65-F5344CB8AC3E}">
@@ -12119,7 +11587,7 @@
           <p:cNvPr id="2" name="Title 1">
             <a:extLst>
               <a:ext uri="{FF2B5EF4-FFF2-40B4-BE49-F238E27FC236}">
-                <a16:creationId xmlns:a16="http://schemas.microsoft.com/office/drawing/2014/main" id="{A95E2E6A-35EC-1B8E-0FD7-8C67870ACA64}"/>
+                <a16:creationId xmlns:a16="http://schemas.microsoft.com/office/drawing/2014/main" id="{9528DBD1-DB29-D44F-FD5A-3071BB37EF37}"/>
               </a:ext>
             </a:extLst>
           </p:cNvPr>
@@ -12127,258 +11595,32 @@
             <a:spLocks noGrp="1"/>
           </p:cNvSpPr>
           <p:nvPr>
-            <p:ph type="title"/>
+            <p:ph type="ctrTitle"/>
           </p:nvPr>
         </p:nvSpPr>
         <p:spPr>
           <a:xfrm>
-            <a:off x="2933700" y="568961"/>
-            <a:ext cx="8420100" cy="1780860"/>
+            <a:off x="6991350" y="406400"/>
+            <a:ext cx="4179570" cy="3457971"/>
           </a:xfrm>
         </p:spPr>
         <p:txBody>
-          <a:bodyPr/>
-          <a:lstStyle/>
-          <a:p>
-            <a:r>
-              <a:rPr lang="en-US" dirty="0"/>
-              <a:t>Effective delivery techniques</a:t>
-            </a:r>
-          </a:p>
-        </p:txBody>
-      </p:sp>
-      <p:sp>
-        <p:nvSpPr>
-          <p:cNvPr id="12" name="Text Placeholder 11">
-            <a:extLst>
-              <a:ext uri="{FF2B5EF4-FFF2-40B4-BE49-F238E27FC236}">
-                <a16:creationId xmlns:a16="http://schemas.microsoft.com/office/drawing/2014/main" id="{554B61B9-26F6-B304-92CD-03053DAAF2A8}"/>
-              </a:ext>
-            </a:extLst>
-          </p:cNvPr>
-          <p:cNvSpPr>
-            <a:spLocks noGrp="1"/>
-          </p:cNvSpPr>
-          <p:nvPr>
-            <p:ph type="body" idx="1"/>
-          </p:nvPr>
-        </p:nvSpPr>
-        <p:spPr>
-          <a:xfrm>
-            <a:off x="2933700" y="2797255"/>
-            <a:ext cx="3924300" cy="464499"/>
-          </a:xfrm>
-        </p:spPr>
-        <p:txBody>
-          <a:bodyPr/>
-          <a:lstStyle/>
-          <a:p>
-            <a:r>
-              <a:rPr lang="en-US" dirty="0"/>
-              <a:t>Voice modulation</a:t>
-            </a:r>
-          </a:p>
-        </p:txBody>
-      </p:sp>
-      <p:sp>
-        <p:nvSpPr>
-          <p:cNvPr id="35" name="Content Placeholder 34">
-            <a:extLst>
-              <a:ext uri="{FF2B5EF4-FFF2-40B4-BE49-F238E27FC236}">
-                <a16:creationId xmlns:a16="http://schemas.microsoft.com/office/drawing/2014/main" id="{EDBE6233-75E9-40D1-968F-58CA9AD0FF50}"/>
-              </a:ext>
-            </a:extLst>
-          </p:cNvPr>
-          <p:cNvSpPr>
-            <a:spLocks noGrp="1"/>
-          </p:cNvSpPr>
-          <p:nvPr>
-            <p:ph sz="half" idx="13"/>
-          </p:nvPr>
-        </p:nvSpPr>
-        <p:spPr>
-          <a:xfrm>
-            <a:off x="2933700" y="3251596"/>
-            <a:ext cx="3943627" cy="3234264"/>
-          </a:xfrm>
-        </p:spPr>
-        <p:txBody>
-          <a:bodyPr>
+          <a:bodyPr anchor="b">
             <a:normAutofit/>
           </a:bodyPr>
           <a:lstStyle/>
           <a:p>
             <a:r>
               <a:rPr lang="en-US" dirty="0"/>
-              <a:t>This is a powerful tool in public speaking. It involves varying pitch, tone, and volume to convey emotion, emphasize points, and maintain interest:</a:t>
-            </a:r>
-          </a:p>
-          <a:p>
-            <a:pPr lvl="1"/>
-            <a:r>
-              <a:rPr lang="en-US" dirty="0"/>
-              <a:t>Pitch variation</a:t>
-            </a:r>
-          </a:p>
-          <a:p>
-            <a:pPr lvl="1"/>
-            <a:r>
-              <a:rPr lang="en-US" dirty="0"/>
-              <a:t>Tone inflection</a:t>
-            </a:r>
-          </a:p>
-          <a:p>
-            <a:pPr lvl="1"/>
-            <a:r>
-              <a:rPr lang="en-US" dirty="0"/>
-              <a:t>Volume control</a:t>
-            </a:r>
-          </a:p>
-          <a:p>
-            <a:endParaRPr lang="en-US" dirty="0"/>
-          </a:p>
-        </p:txBody>
-      </p:sp>
-      <p:sp>
-        <p:nvSpPr>
-          <p:cNvPr id="14" name="Text Placeholder 13">
-            <a:extLst>
-              <a:ext uri="{FF2B5EF4-FFF2-40B4-BE49-F238E27FC236}">
-                <a16:creationId xmlns:a16="http://schemas.microsoft.com/office/drawing/2014/main" id="{CB9F9E8B-42CD-AC26-AFC9-F1F66695693B}"/>
-              </a:ext>
-            </a:extLst>
-          </p:cNvPr>
-          <p:cNvSpPr>
-            <a:spLocks noGrp="1"/>
-          </p:cNvSpPr>
-          <p:nvPr>
-            <p:ph type="body" sz="quarter" idx="3"/>
-          </p:nvPr>
-        </p:nvSpPr>
-        <p:spPr>
-          <a:xfrm>
-            <a:off x="7410173" y="2797255"/>
-            <a:ext cx="3943627" cy="464499"/>
-          </a:xfrm>
-        </p:spPr>
-        <p:txBody>
-          <a:bodyPr/>
-          <a:lstStyle/>
-          <a:p>
-            <a:r>
-              <a:rPr lang="en-US" dirty="0"/>
-              <a:t>Body language</a:t>
-            </a:r>
-          </a:p>
-        </p:txBody>
-      </p:sp>
-      <p:sp>
-        <p:nvSpPr>
-          <p:cNvPr id="50" name="Content Placeholder 49">
-            <a:extLst>
-              <a:ext uri="{FF2B5EF4-FFF2-40B4-BE49-F238E27FC236}">
-                <a16:creationId xmlns:a16="http://schemas.microsoft.com/office/drawing/2014/main" id="{8F6B2AE9-DDE4-FD99-A235-3B39EEE21481}"/>
-              </a:ext>
-            </a:extLst>
-          </p:cNvPr>
-          <p:cNvSpPr>
-            <a:spLocks noGrp="1"/>
-          </p:cNvSpPr>
-          <p:nvPr>
-            <p:ph sz="half" idx="14"/>
-          </p:nvPr>
-        </p:nvSpPr>
-        <p:spPr>
-          <a:xfrm>
-            <a:off x="7410173" y="3251595"/>
-            <a:ext cx="3943627" cy="3234264"/>
-          </a:xfrm>
-        </p:spPr>
-        <p:txBody>
-          <a:bodyPr>
-            <a:normAutofit/>
-          </a:bodyPr>
-          <a:lstStyle/>
-          <a:p>
-            <a:r>
-              <a:rPr lang="en-US" dirty="0"/>
-              <a:t>Effective body language enhances your message, making it more impactful </a:t>
-            </a:r>
-            <a:r>
-              <a:rPr lang="en-US"/>
-              <a:t>and memorable:</a:t>
-            </a:r>
-            <a:endParaRPr lang="en-US" dirty="0"/>
-          </a:p>
-          <a:p>
-            <a:pPr lvl="1"/>
-            <a:r>
-              <a:rPr lang="en-US" dirty="0"/>
-              <a:t>Meaningful eye contact</a:t>
-            </a:r>
-          </a:p>
-          <a:p>
-            <a:pPr lvl="1"/>
-            <a:r>
-              <a:rPr lang="en-US" dirty="0"/>
-              <a:t>Purposeful gestures</a:t>
-            </a:r>
-          </a:p>
-          <a:p>
-            <a:pPr lvl="1"/>
-            <a:r>
-              <a:rPr lang="en-US" dirty="0"/>
-              <a:t>Maintain good posture</a:t>
-            </a:r>
-          </a:p>
-          <a:p>
-            <a:pPr lvl="1"/>
-            <a:r>
-              <a:rPr lang="en-US" dirty="0"/>
-              <a:t>Control your expressions</a:t>
-            </a:r>
-          </a:p>
-        </p:txBody>
-      </p:sp>
-      <p:sp>
-        <p:nvSpPr>
-          <p:cNvPr id="8" name="Slide Number Placeholder 7">
-            <a:extLst>
-              <a:ext uri="{FF2B5EF4-FFF2-40B4-BE49-F238E27FC236}">
-                <a16:creationId xmlns:a16="http://schemas.microsoft.com/office/drawing/2014/main" id="{8F44A959-C2BB-9170-C99C-1A2EDB71B994}"/>
-              </a:ext>
-            </a:extLst>
-          </p:cNvPr>
-          <p:cNvSpPr>
-            <a:spLocks noGrp="1"/>
-          </p:cNvSpPr>
-          <p:nvPr>
-            <p:ph type="sldNum" sz="quarter" idx="12"/>
-          </p:nvPr>
-        </p:nvSpPr>
-        <p:spPr>
-          <a:xfrm>
-            <a:off x="10373350" y="6356349"/>
-            <a:ext cx="987552" cy="365125"/>
-          </a:xfrm>
-        </p:spPr>
-        <p:txBody>
-          <a:bodyPr/>
-          <a:lstStyle/>
-          <a:p>
-            <a:fld id="{A49DFD55-3C28-40EF-9E31-A92D2E4017FF}" type="slidenum">
-              <a:rPr lang="en-US" smtClean="0"/>
-              <a:pPr/>
-              <a:t>9</a:t>
-            </a:fld>
-            <a:endParaRPr lang="en-US" dirty="0"/>
+              <a:t>Demonstration</a:t>
+            </a:r>
           </a:p>
         </p:txBody>
       </p:sp>
     </p:spTree>
     <p:extLst>
       <p:ext uri="{BB962C8B-B14F-4D97-AF65-F5344CB8AC3E}">
-        <p14:creationId xmlns:p14="http://schemas.microsoft.com/office/powerpoint/2010/main" val="103458723"/>
+        <p14:creationId xmlns:p14="http://schemas.microsoft.com/office/powerpoint/2010/main" val="2218533587"/>
       </p:ext>
     </p:extLst>
   </p:cSld>
